--- a/Présentation-AllanCouderette.pptx
+++ b/Présentation-AllanCouderette.pptx
@@ -5,14 +5,16 @@
     <p:sldMasterId id="2147483648" r:id="rId1"/>
   </p:sldMasterIdLst>
   <p:notesMasterIdLst>
-    <p:notesMasterId r:id="rId7"/>
+    <p:notesMasterId r:id="rId9"/>
   </p:notesMasterIdLst>
   <p:sldIdLst>
     <p:sldId id="256" r:id="rId2"/>
     <p:sldId id="264" r:id="rId3"/>
     <p:sldId id="261" r:id="rId4"/>
-    <p:sldId id="262" r:id="rId5"/>
-    <p:sldId id="263" r:id="rId6"/>
+    <p:sldId id="265" r:id="rId5"/>
+    <p:sldId id="262" r:id="rId6"/>
+    <p:sldId id="263" r:id="rId7"/>
+    <p:sldId id="266" r:id="rId8"/>
   </p:sldIdLst>
   <p:sldSz cx="12192000" cy="6858000"/>
   <p:notesSz cx="6858000" cy="9144000"/>
@@ -120,6 +122,788 @@
 </file>
 
 <file path=ppt/diagrams/colors1.xml><?xml version="1.0" encoding="utf-8"?>
+<dgm:colorsDef xmlns:dgm="http://schemas.openxmlformats.org/drawingml/2006/diagram" xmlns:a="http://schemas.openxmlformats.org/drawingml/2006/main" uniqueId="urn:microsoft.com/office/officeart/2005/8/colors/colorful3">
+  <dgm:title val=""/>
+  <dgm:desc val=""/>
+  <dgm:catLst>
+    <dgm:cat type="colorful" pri="10300"/>
+  </dgm:catLst>
+  <dgm:styleLbl name="node0">
+    <dgm:fillClrLst meth="repeat">
+      <a:schemeClr val="accent2"/>
+    </dgm:fillClrLst>
+    <dgm:linClrLst meth="repeat">
+      <a:schemeClr val="lt1"/>
+    </dgm:linClrLst>
+    <dgm:effectClrLst/>
+    <dgm:txLinClrLst/>
+    <dgm:txFillClrLst/>
+    <dgm:txEffectClrLst/>
+  </dgm:styleLbl>
+  <dgm:styleLbl name="node1">
+    <dgm:fillClrLst>
+      <a:schemeClr val="accent3"/>
+      <a:schemeClr val="accent4"/>
+    </dgm:fillClrLst>
+    <dgm:linClrLst meth="repeat">
+      <a:schemeClr val="lt1"/>
+    </dgm:linClrLst>
+    <dgm:effectClrLst/>
+    <dgm:txLinClrLst/>
+    <dgm:txFillClrLst/>
+    <dgm:txEffectClrLst/>
+  </dgm:styleLbl>
+  <dgm:styleLbl name="alignNode1">
+    <dgm:fillClrLst>
+      <a:schemeClr val="accent3"/>
+      <a:schemeClr val="accent4"/>
+    </dgm:fillClrLst>
+    <dgm:linClrLst>
+      <a:schemeClr val="accent3"/>
+      <a:schemeClr val="accent4"/>
+    </dgm:linClrLst>
+    <dgm:effectClrLst/>
+    <dgm:txLinClrLst/>
+    <dgm:txFillClrLst/>
+    <dgm:txEffectClrLst/>
+  </dgm:styleLbl>
+  <dgm:styleLbl name="lnNode1">
+    <dgm:fillClrLst>
+      <a:schemeClr val="accent3"/>
+      <a:schemeClr val="accent4"/>
+    </dgm:fillClrLst>
+    <dgm:linClrLst meth="repeat">
+      <a:schemeClr val="lt1"/>
+    </dgm:linClrLst>
+    <dgm:effectClrLst/>
+    <dgm:txLinClrLst/>
+    <dgm:txFillClrLst/>
+    <dgm:txEffectClrLst/>
+  </dgm:styleLbl>
+  <dgm:styleLbl name="vennNode1">
+    <dgm:fillClrLst>
+      <a:schemeClr val="accent3">
+        <a:alpha val="50000"/>
+      </a:schemeClr>
+      <a:schemeClr val="accent4">
+        <a:alpha val="50000"/>
+      </a:schemeClr>
+    </dgm:fillClrLst>
+    <dgm:linClrLst meth="repeat">
+      <a:schemeClr val="lt1"/>
+    </dgm:linClrLst>
+    <dgm:effectClrLst/>
+    <dgm:txLinClrLst/>
+    <dgm:txFillClrLst/>
+    <dgm:txEffectClrLst/>
+  </dgm:styleLbl>
+  <dgm:styleLbl name="node2">
+    <dgm:fillClrLst>
+      <a:schemeClr val="accent4"/>
+    </dgm:fillClrLst>
+    <dgm:linClrLst meth="repeat">
+      <a:schemeClr val="lt1"/>
+    </dgm:linClrLst>
+    <dgm:effectClrLst/>
+    <dgm:txLinClrLst/>
+    <dgm:txFillClrLst/>
+    <dgm:txEffectClrLst/>
+  </dgm:styleLbl>
+  <dgm:styleLbl name="node3">
+    <dgm:fillClrLst>
+      <a:schemeClr val="accent5"/>
+    </dgm:fillClrLst>
+    <dgm:linClrLst meth="repeat">
+      <a:schemeClr val="lt1"/>
+    </dgm:linClrLst>
+    <dgm:effectClrLst/>
+    <dgm:txLinClrLst/>
+    <dgm:txFillClrLst/>
+    <dgm:txEffectClrLst/>
+  </dgm:styleLbl>
+  <dgm:styleLbl name="node4">
+    <dgm:fillClrLst>
+      <a:schemeClr val="accent6"/>
+    </dgm:fillClrLst>
+    <dgm:linClrLst meth="repeat">
+      <a:schemeClr val="lt1"/>
+    </dgm:linClrLst>
+    <dgm:effectClrLst/>
+    <dgm:txLinClrLst/>
+    <dgm:txFillClrLst/>
+    <dgm:txEffectClrLst/>
+  </dgm:styleLbl>
+  <dgm:styleLbl name="fgImgPlace1">
+    <dgm:fillClrLst>
+      <a:schemeClr val="accent3">
+        <a:tint val="50000"/>
+      </a:schemeClr>
+      <a:schemeClr val="accent4">
+        <a:tint val="50000"/>
+      </a:schemeClr>
+    </dgm:fillClrLst>
+    <dgm:linClrLst meth="repeat">
+      <a:schemeClr val="lt1"/>
+    </dgm:linClrLst>
+    <dgm:effectClrLst/>
+    <dgm:txLinClrLst/>
+    <dgm:txFillClrLst meth="repeat">
+      <a:schemeClr val="lt1"/>
+    </dgm:txFillClrLst>
+    <dgm:txEffectClrLst/>
+  </dgm:styleLbl>
+  <dgm:styleLbl name="alignImgPlace1">
+    <dgm:fillClrLst>
+      <a:schemeClr val="accent3">
+        <a:tint val="50000"/>
+      </a:schemeClr>
+      <a:schemeClr val="accent4">
+        <a:tint val="20000"/>
+      </a:schemeClr>
+    </dgm:fillClrLst>
+    <dgm:linClrLst meth="repeat">
+      <a:schemeClr val="lt1"/>
+    </dgm:linClrLst>
+    <dgm:effectClrLst/>
+    <dgm:txLinClrLst/>
+    <dgm:txFillClrLst meth="repeat">
+      <a:schemeClr val="lt1"/>
+    </dgm:txFillClrLst>
+    <dgm:txEffectClrLst/>
+  </dgm:styleLbl>
+  <dgm:styleLbl name="bgImgPlace1">
+    <dgm:fillClrLst>
+      <a:schemeClr val="accent3">
+        <a:tint val="50000"/>
+      </a:schemeClr>
+      <a:schemeClr val="accent4">
+        <a:tint val="20000"/>
+      </a:schemeClr>
+    </dgm:fillClrLst>
+    <dgm:linClrLst meth="repeat">
+      <a:schemeClr val="lt1"/>
+    </dgm:linClrLst>
+    <dgm:effectClrLst/>
+    <dgm:txLinClrLst/>
+    <dgm:txFillClrLst meth="repeat">
+      <a:schemeClr val="lt1"/>
+    </dgm:txFillClrLst>
+    <dgm:txEffectClrLst/>
+  </dgm:styleLbl>
+  <dgm:styleLbl name="sibTrans2D1">
+    <dgm:fillClrLst>
+      <a:schemeClr val="accent3"/>
+      <a:schemeClr val="accent4"/>
+    </dgm:fillClrLst>
+    <dgm:linClrLst meth="repeat">
+      <a:schemeClr val="lt1"/>
+    </dgm:linClrLst>
+    <dgm:effectClrLst/>
+    <dgm:txLinClrLst/>
+    <dgm:txFillClrLst/>
+    <dgm:txEffectClrLst/>
+  </dgm:styleLbl>
+  <dgm:styleLbl name="fgSibTrans2D1">
+    <dgm:fillClrLst>
+      <a:schemeClr val="accent3"/>
+      <a:schemeClr val="accent4"/>
+    </dgm:fillClrLst>
+    <dgm:linClrLst meth="repeat">
+      <a:schemeClr val="lt1"/>
+    </dgm:linClrLst>
+    <dgm:effectClrLst/>
+    <dgm:txLinClrLst/>
+    <dgm:txFillClrLst meth="repeat">
+      <a:schemeClr val="lt1"/>
+    </dgm:txFillClrLst>
+    <dgm:txEffectClrLst/>
+  </dgm:styleLbl>
+  <dgm:styleLbl name="bgSibTrans2D1">
+    <dgm:fillClrLst>
+      <a:schemeClr val="accent3"/>
+      <a:schemeClr val="accent4"/>
+    </dgm:fillClrLst>
+    <dgm:linClrLst meth="repeat">
+      <a:schemeClr val="lt1"/>
+    </dgm:linClrLst>
+    <dgm:effectClrLst/>
+    <dgm:txLinClrLst/>
+    <dgm:txFillClrLst meth="repeat">
+      <a:schemeClr val="lt1"/>
+    </dgm:txFillClrLst>
+    <dgm:txEffectClrLst/>
+  </dgm:styleLbl>
+  <dgm:styleLbl name="sibTrans1D1">
+    <dgm:fillClrLst/>
+    <dgm:linClrLst>
+      <a:schemeClr val="accent3"/>
+      <a:schemeClr val="accent4"/>
+    </dgm:linClrLst>
+    <dgm:effectClrLst/>
+    <dgm:txLinClrLst/>
+    <dgm:txFillClrLst meth="repeat">
+      <a:schemeClr val="tx1"/>
+    </dgm:txFillClrLst>
+    <dgm:txEffectClrLst/>
+  </dgm:styleLbl>
+  <dgm:styleLbl name="callout">
+    <dgm:fillClrLst meth="repeat">
+      <a:schemeClr val="accent3"/>
+    </dgm:fillClrLst>
+    <dgm:linClrLst meth="repeat">
+      <a:schemeClr val="accent3">
+        <a:tint val="50000"/>
+      </a:schemeClr>
+    </dgm:linClrLst>
+    <dgm:effectClrLst/>
+    <dgm:txLinClrLst/>
+    <dgm:txFillClrLst meth="repeat">
+      <a:schemeClr val="tx1"/>
+    </dgm:txFillClrLst>
+    <dgm:txEffectClrLst/>
+  </dgm:styleLbl>
+  <dgm:styleLbl name="asst0">
+    <dgm:fillClrLst meth="repeat">
+      <a:schemeClr val="accent3"/>
+    </dgm:fillClrLst>
+    <dgm:linClrLst meth="repeat">
+      <a:schemeClr val="lt1">
+        <a:shade val="80000"/>
+      </a:schemeClr>
+    </dgm:linClrLst>
+    <dgm:effectClrLst/>
+    <dgm:txLinClrLst/>
+    <dgm:txFillClrLst/>
+    <dgm:txEffectClrLst/>
+  </dgm:styleLbl>
+  <dgm:styleLbl name="asst1">
+    <dgm:fillClrLst meth="repeat">
+      <a:schemeClr val="accent4"/>
+    </dgm:fillClrLst>
+    <dgm:linClrLst meth="repeat">
+      <a:schemeClr val="lt1">
+        <a:shade val="80000"/>
+      </a:schemeClr>
+    </dgm:linClrLst>
+    <dgm:effectClrLst/>
+    <dgm:txLinClrLst/>
+    <dgm:txFillClrLst/>
+    <dgm:txEffectClrLst/>
+  </dgm:styleLbl>
+  <dgm:styleLbl name="asst2">
+    <dgm:fillClrLst>
+      <a:schemeClr val="accent5"/>
+    </dgm:fillClrLst>
+    <dgm:linClrLst meth="repeat">
+      <a:schemeClr val="lt1"/>
+    </dgm:linClrLst>
+    <dgm:effectClrLst/>
+    <dgm:txLinClrLst/>
+    <dgm:txFillClrLst/>
+    <dgm:txEffectClrLst/>
+  </dgm:styleLbl>
+  <dgm:styleLbl name="asst3">
+    <dgm:fillClrLst>
+      <a:schemeClr val="accent6"/>
+    </dgm:fillClrLst>
+    <dgm:linClrLst meth="repeat">
+      <a:schemeClr val="lt1"/>
+    </dgm:linClrLst>
+    <dgm:effectClrLst/>
+    <dgm:txLinClrLst/>
+    <dgm:txFillClrLst/>
+    <dgm:txEffectClrLst/>
+  </dgm:styleLbl>
+  <dgm:styleLbl name="asst4">
+    <dgm:fillClrLst>
+      <a:schemeClr val="accent1"/>
+    </dgm:fillClrLst>
+    <dgm:linClrLst meth="repeat">
+      <a:schemeClr val="lt1"/>
+    </dgm:linClrLst>
+    <dgm:effectClrLst/>
+    <dgm:txLinClrLst/>
+    <dgm:txFillClrLst/>
+    <dgm:txEffectClrLst/>
+  </dgm:styleLbl>
+  <dgm:styleLbl name="parChTrans2D1">
+    <dgm:fillClrLst meth="repeat">
+      <a:schemeClr val="accent2"/>
+    </dgm:fillClrLst>
+    <dgm:linClrLst meth="repeat">
+      <a:schemeClr val="lt1"/>
+    </dgm:linClrLst>
+    <dgm:effectClrLst/>
+    <dgm:txLinClrLst/>
+    <dgm:txFillClrLst meth="repeat">
+      <a:schemeClr val="lt1"/>
+    </dgm:txFillClrLst>
+    <dgm:txEffectClrLst/>
+  </dgm:styleLbl>
+  <dgm:styleLbl name="parChTrans2D2">
+    <dgm:fillClrLst meth="repeat">
+      <a:schemeClr val="accent3"/>
+    </dgm:fillClrLst>
+    <dgm:linClrLst meth="repeat">
+      <a:schemeClr val="lt1"/>
+    </dgm:linClrLst>
+    <dgm:effectClrLst/>
+    <dgm:txLinClrLst/>
+    <dgm:txFillClrLst/>
+    <dgm:txEffectClrLst/>
+  </dgm:styleLbl>
+  <dgm:styleLbl name="parChTrans2D3">
+    <dgm:fillClrLst meth="repeat">
+      <a:schemeClr val="accent4"/>
+    </dgm:fillClrLst>
+    <dgm:linClrLst meth="repeat">
+      <a:schemeClr val="lt1"/>
+    </dgm:linClrLst>
+    <dgm:effectClrLst/>
+    <dgm:txLinClrLst/>
+    <dgm:txFillClrLst/>
+    <dgm:txEffectClrLst/>
+  </dgm:styleLbl>
+  <dgm:styleLbl name="parChTrans2D4">
+    <dgm:fillClrLst meth="repeat">
+      <a:schemeClr val="accent5"/>
+    </dgm:fillClrLst>
+    <dgm:linClrLst meth="repeat">
+      <a:schemeClr val="lt1"/>
+    </dgm:linClrLst>
+    <dgm:effectClrLst/>
+    <dgm:txLinClrLst/>
+    <dgm:txFillClrLst meth="repeat">
+      <a:schemeClr val="lt1"/>
+    </dgm:txFillClrLst>
+    <dgm:txEffectClrLst/>
+  </dgm:styleLbl>
+  <dgm:styleLbl name="parChTrans1D1">
+    <dgm:fillClrLst meth="repeat">
+      <a:schemeClr val="accent3"/>
+    </dgm:fillClrLst>
+    <dgm:linClrLst meth="repeat">
+      <a:schemeClr val="accent3"/>
+    </dgm:linClrLst>
+    <dgm:effectClrLst/>
+    <dgm:txLinClrLst/>
+    <dgm:txFillClrLst meth="repeat">
+      <a:schemeClr val="tx1"/>
+    </dgm:txFillClrLst>
+    <dgm:txEffectClrLst/>
+  </dgm:styleLbl>
+  <dgm:styleLbl name="parChTrans1D2">
+    <dgm:fillClrLst meth="repeat">
+      <a:schemeClr val="accent2">
+        <a:tint val="90000"/>
+      </a:schemeClr>
+    </dgm:fillClrLst>
+    <dgm:linClrLst meth="repeat">
+      <a:schemeClr val="accent4"/>
+    </dgm:linClrLst>
+    <dgm:effectClrLst/>
+    <dgm:txLinClrLst/>
+    <dgm:txFillClrLst meth="repeat">
+      <a:schemeClr val="tx1"/>
+    </dgm:txFillClrLst>
+    <dgm:txEffectClrLst/>
+  </dgm:styleLbl>
+  <dgm:styleLbl name="parChTrans1D3">
+    <dgm:fillClrLst meth="repeat">
+      <a:schemeClr val="accent2">
+        <a:tint val="70000"/>
+      </a:schemeClr>
+    </dgm:fillClrLst>
+    <dgm:linClrLst meth="repeat">
+      <a:schemeClr val="accent5"/>
+    </dgm:linClrLst>
+    <dgm:effectClrLst/>
+    <dgm:txLinClrLst/>
+    <dgm:txFillClrLst meth="repeat">
+      <a:schemeClr val="tx1"/>
+    </dgm:txFillClrLst>
+    <dgm:txEffectClrLst/>
+  </dgm:styleLbl>
+  <dgm:styleLbl name="parChTrans1D4">
+    <dgm:fillClrLst meth="repeat">
+      <a:schemeClr val="accent6">
+        <a:tint val="50000"/>
+      </a:schemeClr>
+    </dgm:fillClrLst>
+    <dgm:linClrLst meth="repeat">
+      <a:schemeClr val="accent6"/>
+    </dgm:linClrLst>
+    <dgm:effectClrLst/>
+    <dgm:txLinClrLst/>
+    <dgm:txFillClrLst meth="repeat">
+      <a:schemeClr val="tx1"/>
+    </dgm:txFillClrLst>
+    <dgm:txEffectClrLst/>
+  </dgm:styleLbl>
+  <dgm:styleLbl name="fgAcc1">
+    <dgm:fillClrLst meth="repeat">
+      <a:schemeClr val="lt1">
+        <a:alpha val="90000"/>
+      </a:schemeClr>
+    </dgm:fillClrLst>
+    <dgm:linClrLst>
+      <a:schemeClr val="accent3"/>
+      <a:schemeClr val="accent4"/>
+    </dgm:linClrLst>
+    <dgm:effectClrLst/>
+    <dgm:txLinClrLst/>
+    <dgm:txFillClrLst meth="repeat">
+      <a:schemeClr val="dk1"/>
+    </dgm:txFillClrLst>
+    <dgm:txEffectClrLst/>
+  </dgm:styleLbl>
+  <dgm:styleLbl name="conFgAcc1">
+    <dgm:fillClrLst meth="repeat">
+      <a:schemeClr val="lt1">
+        <a:alpha val="90000"/>
+      </a:schemeClr>
+    </dgm:fillClrLst>
+    <dgm:linClrLst>
+      <a:schemeClr val="accent3"/>
+      <a:schemeClr val="accent4"/>
+    </dgm:linClrLst>
+    <dgm:effectClrLst/>
+    <dgm:txLinClrLst/>
+    <dgm:txFillClrLst meth="repeat">
+      <a:schemeClr val="dk1"/>
+    </dgm:txFillClrLst>
+    <dgm:txEffectClrLst/>
+  </dgm:styleLbl>
+  <dgm:styleLbl name="alignAcc1">
+    <dgm:fillClrLst meth="repeat">
+      <a:schemeClr val="lt1">
+        <a:alpha val="90000"/>
+      </a:schemeClr>
+    </dgm:fillClrLst>
+    <dgm:linClrLst>
+      <a:schemeClr val="accent3"/>
+      <a:schemeClr val="accent4"/>
+    </dgm:linClrLst>
+    <dgm:effectClrLst/>
+    <dgm:txLinClrLst/>
+    <dgm:txFillClrLst meth="repeat">
+      <a:schemeClr val="dk1"/>
+    </dgm:txFillClrLst>
+    <dgm:txEffectClrLst/>
+  </dgm:styleLbl>
+  <dgm:styleLbl name="trAlignAcc1">
+    <dgm:fillClrLst meth="repeat">
+      <a:schemeClr val="lt1">
+        <a:alpha val="40000"/>
+      </a:schemeClr>
+    </dgm:fillClrLst>
+    <dgm:linClrLst meth="repeat">
+      <a:schemeClr val="accent2"/>
+    </dgm:linClrLst>
+    <dgm:effectClrLst/>
+    <dgm:txLinClrLst/>
+    <dgm:txFillClrLst meth="repeat">
+      <a:schemeClr val="dk1"/>
+    </dgm:txFillClrLst>
+    <dgm:txEffectClrLst/>
+  </dgm:styleLbl>
+  <dgm:styleLbl name="bgAcc1">
+    <dgm:fillClrLst meth="repeat">
+      <a:schemeClr val="lt1">
+        <a:alpha val="90000"/>
+      </a:schemeClr>
+    </dgm:fillClrLst>
+    <dgm:linClrLst>
+      <a:schemeClr val="accent3"/>
+      <a:schemeClr val="accent4"/>
+    </dgm:linClrLst>
+    <dgm:effectClrLst/>
+    <dgm:txLinClrLst/>
+    <dgm:txFillClrLst meth="repeat">
+      <a:schemeClr val="dk1"/>
+    </dgm:txFillClrLst>
+    <dgm:txEffectClrLst/>
+  </dgm:styleLbl>
+  <dgm:styleLbl name="solidFgAcc1">
+    <dgm:fillClrLst meth="repeat">
+      <a:schemeClr val="lt1"/>
+    </dgm:fillClrLst>
+    <dgm:linClrLst>
+      <a:schemeClr val="accent3"/>
+      <a:schemeClr val="accent4"/>
+    </dgm:linClrLst>
+    <dgm:effectClrLst/>
+    <dgm:txLinClrLst/>
+    <dgm:txFillClrLst meth="repeat">
+      <a:schemeClr val="dk1"/>
+    </dgm:txFillClrLst>
+    <dgm:txEffectClrLst/>
+  </dgm:styleLbl>
+  <dgm:styleLbl name="solidAlignAcc1">
+    <dgm:fillClrLst meth="repeat">
+      <a:schemeClr val="lt1"/>
+    </dgm:fillClrLst>
+    <dgm:linClrLst>
+      <a:schemeClr val="accent3"/>
+      <a:schemeClr val="accent4"/>
+    </dgm:linClrLst>
+    <dgm:effectClrLst/>
+    <dgm:txLinClrLst/>
+    <dgm:txFillClrLst meth="repeat">
+      <a:schemeClr val="dk1"/>
+    </dgm:txFillClrLst>
+    <dgm:txEffectClrLst/>
+  </dgm:styleLbl>
+  <dgm:styleLbl name="solidBgAcc1">
+    <dgm:fillClrLst meth="repeat">
+      <a:schemeClr val="lt1"/>
+    </dgm:fillClrLst>
+    <dgm:linClrLst>
+      <a:schemeClr val="accent3"/>
+      <a:schemeClr val="accent4"/>
+    </dgm:linClrLst>
+    <dgm:effectClrLst/>
+    <dgm:txLinClrLst/>
+    <dgm:txFillClrLst meth="repeat">
+      <a:schemeClr val="dk1"/>
+    </dgm:txFillClrLst>
+    <dgm:txEffectClrLst/>
+  </dgm:styleLbl>
+  <dgm:styleLbl name="fgAccFollowNode1">
+    <dgm:fillClrLst>
+      <a:schemeClr val="accent3">
+        <a:tint val="40000"/>
+        <a:alpha val="90000"/>
+      </a:schemeClr>
+      <a:schemeClr val="accent4">
+        <a:tint val="40000"/>
+        <a:alpha val="90000"/>
+      </a:schemeClr>
+    </dgm:fillClrLst>
+    <dgm:linClrLst>
+      <a:schemeClr val="accent3">
+        <a:tint val="40000"/>
+        <a:alpha val="90000"/>
+      </a:schemeClr>
+      <a:schemeClr val="accent4">
+        <a:tint val="40000"/>
+        <a:alpha val="90000"/>
+      </a:schemeClr>
+    </dgm:linClrLst>
+    <dgm:effectClrLst/>
+    <dgm:txLinClrLst/>
+    <dgm:txFillClrLst meth="repeat">
+      <a:schemeClr val="dk1"/>
+    </dgm:txFillClrLst>
+    <dgm:txEffectClrLst/>
+  </dgm:styleLbl>
+  <dgm:styleLbl name="alignAccFollowNode1">
+    <dgm:fillClrLst>
+      <a:schemeClr val="accent3">
+        <a:tint val="40000"/>
+        <a:alpha val="90000"/>
+      </a:schemeClr>
+      <a:schemeClr val="accent4">
+        <a:tint val="40000"/>
+        <a:alpha val="90000"/>
+      </a:schemeClr>
+    </dgm:fillClrLst>
+    <dgm:linClrLst>
+      <a:schemeClr val="accent3">
+        <a:tint val="40000"/>
+        <a:alpha val="90000"/>
+      </a:schemeClr>
+      <a:schemeClr val="accent4">
+        <a:tint val="40000"/>
+        <a:alpha val="90000"/>
+      </a:schemeClr>
+    </dgm:linClrLst>
+    <dgm:effectClrLst/>
+    <dgm:txLinClrLst/>
+    <dgm:txFillClrLst meth="repeat">
+      <a:schemeClr val="dk1"/>
+    </dgm:txFillClrLst>
+    <dgm:txEffectClrLst/>
+  </dgm:styleLbl>
+  <dgm:styleLbl name="bgAccFollowNode1">
+    <dgm:fillClrLst>
+      <a:schemeClr val="accent3">
+        <a:tint val="40000"/>
+        <a:alpha val="90000"/>
+      </a:schemeClr>
+      <a:schemeClr val="accent4">
+        <a:tint val="40000"/>
+        <a:alpha val="90000"/>
+      </a:schemeClr>
+    </dgm:fillClrLst>
+    <dgm:linClrLst>
+      <a:schemeClr val="accent3">
+        <a:tint val="40000"/>
+        <a:alpha val="90000"/>
+      </a:schemeClr>
+      <a:schemeClr val="accent4">
+        <a:tint val="40000"/>
+        <a:alpha val="90000"/>
+      </a:schemeClr>
+    </dgm:linClrLst>
+    <dgm:effectClrLst/>
+    <dgm:txLinClrLst/>
+    <dgm:txFillClrLst meth="repeat">
+      <a:schemeClr val="dk1"/>
+    </dgm:txFillClrLst>
+    <dgm:txEffectClrLst/>
+  </dgm:styleLbl>
+  <dgm:styleLbl name="fgAcc0">
+    <dgm:fillClrLst meth="repeat">
+      <a:schemeClr val="lt1">
+        <a:alpha val="90000"/>
+      </a:schemeClr>
+    </dgm:fillClrLst>
+    <dgm:linClrLst>
+      <a:schemeClr val="accent2"/>
+    </dgm:linClrLst>
+    <dgm:effectClrLst/>
+    <dgm:txLinClrLst/>
+    <dgm:txFillClrLst meth="repeat">
+      <a:schemeClr val="dk1"/>
+    </dgm:txFillClrLst>
+    <dgm:txEffectClrLst/>
+  </dgm:styleLbl>
+  <dgm:styleLbl name="fgAcc2">
+    <dgm:fillClrLst meth="repeat">
+      <a:schemeClr val="lt1">
+        <a:alpha val="90000"/>
+      </a:schemeClr>
+    </dgm:fillClrLst>
+    <dgm:linClrLst>
+      <a:schemeClr val="accent4"/>
+    </dgm:linClrLst>
+    <dgm:effectClrLst/>
+    <dgm:txLinClrLst/>
+    <dgm:txFillClrLst meth="repeat">
+      <a:schemeClr val="dk1"/>
+    </dgm:txFillClrLst>
+    <dgm:txEffectClrLst/>
+  </dgm:styleLbl>
+  <dgm:styleLbl name="fgAcc3">
+    <dgm:fillClrLst meth="repeat">
+      <a:schemeClr val="lt1">
+        <a:alpha val="90000"/>
+      </a:schemeClr>
+    </dgm:fillClrLst>
+    <dgm:linClrLst>
+      <a:schemeClr val="accent5"/>
+    </dgm:linClrLst>
+    <dgm:effectClrLst/>
+    <dgm:txLinClrLst/>
+    <dgm:txFillClrLst meth="repeat">
+      <a:schemeClr val="dk1"/>
+    </dgm:txFillClrLst>
+    <dgm:txEffectClrLst/>
+  </dgm:styleLbl>
+  <dgm:styleLbl name="fgAcc4">
+    <dgm:fillClrLst meth="repeat">
+      <a:schemeClr val="lt1">
+        <a:alpha val="90000"/>
+      </a:schemeClr>
+    </dgm:fillClrLst>
+    <dgm:linClrLst>
+      <a:schemeClr val="accent6"/>
+    </dgm:linClrLst>
+    <dgm:effectClrLst/>
+    <dgm:txLinClrLst/>
+    <dgm:txFillClrLst meth="repeat">
+      <a:schemeClr val="dk1"/>
+    </dgm:txFillClrLst>
+    <dgm:txEffectClrLst/>
+  </dgm:styleLbl>
+  <dgm:styleLbl name="bgShp">
+    <dgm:fillClrLst meth="repeat">
+      <a:schemeClr val="accent3">
+        <a:tint val="40000"/>
+      </a:schemeClr>
+    </dgm:fillClrLst>
+    <dgm:linClrLst meth="repeat">
+      <a:schemeClr val="dk1"/>
+    </dgm:linClrLst>
+    <dgm:effectClrLst/>
+    <dgm:txLinClrLst/>
+    <dgm:txFillClrLst meth="repeat">
+      <a:schemeClr val="dk1"/>
+    </dgm:txFillClrLst>
+    <dgm:txEffectClrLst/>
+  </dgm:styleLbl>
+  <dgm:styleLbl name="dkBgShp">
+    <dgm:fillClrLst meth="repeat">
+      <a:schemeClr val="accent3">
+        <a:shade val="90000"/>
+      </a:schemeClr>
+    </dgm:fillClrLst>
+    <dgm:linClrLst meth="repeat">
+      <a:schemeClr val="dk1"/>
+    </dgm:linClrLst>
+    <dgm:effectClrLst/>
+    <dgm:txLinClrLst/>
+    <dgm:txFillClrLst meth="repeat">
+      <a:schemeClr val="lt1"/>
+    </dgm:txFillClrLst>
+    <dgm:txEffectClrLst/>
+  </dgm:styleLbl>
+  <dgm:styleLbl name="trBgShp">
+    <dgm:fillClrLst meth="repeat">
+      <a:schemeClr val="accent2">
+        <a:tint val="50000"/>
+        <a:alpha val="40000"/>
+      </a:schemeClr>
+    </dgm:fillClrLst>
+    <dgm:linClrLst meth="repeat">
+      <a:schemeClr val="accent3"/>
+    </dgm:linClrLst>
+    <dgm:effectClrLst/>
+    <dgm:txLinClrLst/>
+    <dgm:txFillClrLst meth="repeat">
+      <a:schemeClr val="lt1"/>
+    </dgm:txFillClrLst>
+    <dgm:txEffectClrLst/>
+  </dgm:styleLbl>
+  <dgm:styleLbl name="fgShp">
+    <dgm:fillClrLst meth="repeat">
+      <a:schemeClr val="accent3">
+        <a:tint val="40000"/>
+      </a:schemeClr>
+    </dgm:fillClrLst>
+    <dgm:linClrLst meth="repeat">
+      <a:schemeClr val="lt1"/>
+    </dgm:linClrLst>
+    <dgm:effectClrLst/>
+    <dgm:txLinClrLst/>
+    <dgm:txFillClrLst meth="repeat">
+      <a:schemeClr val="dk1"/>
+    </dgm:txFillClrLst>
+    <dgm:txEffectClrLst/>
+  </dgm:styleLbl>
+  <dgm:styleLbl name="revTx">
+    <dgm:fillClrLst meth="repeat">
+      <a:schemeClr val="lt1">
+        <a:alpha val="0"/>
+      </a:schemeClr>
+    </dgm:fillClrLst>
+    <dgm:linClrLst meth="repeat">
+      <a:schemeClr val="dk1">
+        <a:alpha val="0"/>
+      </a:schemeClr>
+    </dgm:linClrLst>
+    <dgm:effectClrLst/>
+    <dgm:txLinClrLst/>
+    <dgm:txFillClrLst meth="repeat">
+      <a:schemeClr val="tx1"/>
+    </dgm:txFillClrLst>
+    <dgm:txEffectClrLst/>
+  </dgm:styleLbl>
+</dgm:colorsDef>
+</file>
+
+<file path=ppt/diagrams/colors2.xml><?xml version="1.0" encoding="utf-8"?>
 <dgm:colorsDef xmlns:dgm="http://schemas.openxmlformats.org/drawingml/2006/diagram" xmlns:a="http://schemas.openxmlformats.org/drawingml/2006/main" uniqueId="urn:microsoft.com/office/officeart/2005/8/colors/colorful3">
   <dgm:title val=""/>
   <dgm:desc val=""/>
@@ -1179,13 +1963,1194 @@
   <dgm:whole/>
   <dgm:extLst>
     <a:ext uri="http://schemas.microsoft.com/office/drawing/2008/diagram">
-      <dsp:dataModelExt xmlns:dsp="http://schemas.microsoft.com/office/drawing/2008/diagram" relId="rId9" minVer="http://schemas.openxmlformats.org/drawingml/2006/diagram"/>
+      <dsp:dataModelExt xmlns:dsp="http://schemas.microsoft.com/office/drawing/2008/diagram" relId="rId10" minVer="http://schemas.openxmlformats.org/drawingml/2006/diagram"/>
+    </a:ext>
+  </dgm:extLst>
+</dgm:dataModel>
+</file>
+
+<file path=ppt/diagrams/data2.xml><?xml version="1.0" encoding="utf-8"?>
+<dgm:dataModel xmlns:dgm="http://schemas.openxmlformats.org/drawingml/2006/diagram" xmlns:a="http://schemas.openxmlformats.org/drawingml/2006/main">
+  <dgm:ptLst>
+    <dgm:pt modelId="{D4A85D04-E182-4EB1-8C74-33D05B7CC4E0}" type="doc">
+      <dgm:prSet loTypeId="urn:microsoft.com/office/officeart/2009/3/layout/CircleRelationship" loCatId="relationship" qsTypeId="urn:microsoft.com/office/officeart/2005/8/quickstyle/3d3" qsCatId="3D" csTypeId="urn:microsoft.com/office/officeart/2005/8/colors/colorful3" csCatId="colorful" phldr="1"/>
+      <dgm:spPr/>
+      <dgm:t>
+        <a:bodyPr/>
+        <a:lstStyle/>
+        <a:p>
+          <a:endParaRPr lang="fr-FR"/>
+        </a:p>
+      </dgm:t>
+    </dgm:pt>
+    <dgm:pt modelId="{66FB637A-7200-4EB5-8533-503D15CC5F9E}">
+      <dgm:prSet phldrT="[Texte]" custT="1"/>
+      <dgm:spPr/>
+      <dgm:t>
+        <a:bodyPr/>
+        <a:lstStyle/>
+        <a:p>
+          <a:r>
+            <a:rPr lang="fr-FR" sz="2000" dirty="0">
+              <a:effectLst/>
+              <a:latin typeface="Calibri" panose="020F0502020204030204" pitchFamily="34" charset="0"/>
+              <a:ea typeface="Calibri" panose="020F0502020204030204" pitchFamily="34" charset="0"/>
+              <a:cs typeface="Times New Roman" panose="02020603050405020304" pitchFamily="18" charset="0"/>
+            </a:rPr>
+            <a:t>Mercedes AMG F1</a:t>
+          </a:r>
+        </a:p>
+        <a:p>
+          <a:r>
+            <a:rPr lang="fr-FR" sz="2000" dirty="0"/>
+            <a:t>(470.000.000€)</a:t>
+          </a:r>
+        </a:p>
+      </dgm:t>
+    </dgm:pt>
+    <dgm:pt modelId="{D0BA1484-309E-4893-92DD-49C6BCD94192}" type="parTrans" cxnId="{B9417C48-1E6E-434C-9DBC-31BC04B46AC6}">
+      <dgm:prSet/>
+      <dgm:spPr/>
+      <dgm:t>
+        <a:bodyPr/>
+        <a:lstStyle/>
+        <a:p>
+          <a:endParaRPr lang="fr-FR"/>
+        </a:p>
+      </dgm:t>
+    </dgm:pt>
+    <dgm:pt modelId="{48FFFF90-9782-447E-A9CD-6DDF86830643}" type="sibTrans" cxnId="{B9417C48-1E6E-434C-9DBC-31BC04B46AC6}">
+      <dgm:prSet/>
+      <dgm:spPr/>
+      <dgm:t>
+        <a:bodyPr/>
+        <a:lstStyle/>
+        <a:p>
+          <a:endParaRPr lang="fr-FR"/>
+        </a:p>
+      </dgm:t>
+    </dgm:pt>
+    <dgm:pt modelId="{065B96BE-8152-4356-8207-9E34869C2207}">
+      <dgm:prSet phldrT="[Texte]"/>
+      <dgm:spPr/>
+      <dgm:t>
+        <a:bodyPr/>
+        <a:lstStyle/>
+        <a:p>
+          <a:r>
+            <a:rPr lang="fr-FR" dirty="0"/>
+            <a:t>Ferrari</a:t>
+          </a:r>
+        </a:p>
+        <a:p>
+          <a:r>
+            <a:rPr lang="fr-FR" dirty="0"/>
+            <a:t>(465.000.000€)</a:t>
+          </a:r>
+        </a:p>
+      </dgm:t>
+    </dgm:pt>
+    <dgm:pt modelId="{19487ECC-C456-419A-A67D-FCA9BD8E50DA}" type="parTrans" cxnId="{05C3D54F-E9CE-49AC-BB1C-05CC9EE3EB19}">
+      <dgm:prSet/>
+      <dgm:spPr/>
+      <dgm:t>
+        <a:bodyPr/>
+        <a:lstStyle/>
+        <a:p>
+          <a:endParaRPr lang="fr-FR"/>
+        </a:p>
+      </dgm:t>
+    </dgm:pt>
+    <dgm:pt modelId="{4558D8CC-87BD-468D-ABE5-FE80D6D6FA99}" type="sibTrans" cxnId="{05C3D54F-E9CE-49AC-BB1C-05CC9EE3EB19}">
+      <dgm:prSet/>
+      <dgm:spPr/>
+      <dgm:t>
+        <a:bodyPr/>
+        <a:lstStyle/>
+        <a:p>
+          <a:endParaRPr lang="fr-FR"/>
+        </a:p>
+      </dgm:t>
+    </dgm:pt>
+    <dgm:pt modelId="{ED596A41-7C8A-46B9-81D8-F3BD0A7950AC}">
+      <dgm:prSet phldrT="[Texte]" custT="1"/>
+      <dgm:spPr/>
+      <dgm:t>
+        <a:bodyPr/>
+        <a:lstStyle/>
+        <a:p>
+          <a:r>
+            <a:rPr lang="fr-FR" sz="900" dirty="0"/>
+            <a:t>Red Bull Racing</a:t>
+          </a:r>
+        </a:p>
+        <a:p>
+          <a:r>
+            <a:rPr lang="fr-FR" sz="900" dirty="0"/>
+            <a:t>(440.000.000€)</a:t>
+          </a:r>
+        </a:p>
+      </dgm:t>
+    </dgm:pt>
+    <dgm:pt modelId="{C8F9CCFB-F420-415A-8DD7-4EA0ECDEB39A}" type="parTrans" cxnId="{B335A044-A7A4-47A1-9CA3-C4CDDD1F6C14}">
+      <dgm:prSet/>
+      <dgm:spPr/>
+      <dgm:t>
+        <a:bodyPr/>
+        <a:lstStyle/>
+        <a:p>
+          <a:endParaRPr lang="fr-FR"/>
+        </a:p>
+      </dgm:t>
+    </dgm:pt>
+    <dgm:pt modelId="{D365A384-491A-42A8-B21E-00CADB05CF77}" type="sibTrans" cxnId="{B335A044-A7A4-47A1-9CA3-C4CDDD1F6C14}">
+      <dgm:prSet/>
+      <dgm:spPr/>
+      <dgm:t>
+        <a:bodyPr/>
+        <a:lstStyle/>
+        <a:p>
+          <a:endParaRPr lang="fr-FR"/>
+        </a:p>
+      </dgm:t>
+    </dgm:pt>
+    <dgm:pt modelId="{11E0EB1F-5811-485A-AB0C-1E9B72285599}" type="pres">
+      <dgm:prSet presAssocID="{D4A85D04-E182-4EB1-8C74-33D05B7CC4E0}" presName="Name0" presStyleCnt="0">
+        <dgm:presLayoutVars>
+          <dgm:chMax val="1"/>
+          <dgm:chPref val="1"/>
+        </dgm:presLayoutVars>
+      </dgm:prSet>
+      <dgm:spPr/>
+    </dgm:pt>
+    <dgm:pt modelId="{249ED586-9580-44ED-A5A5-E9B49B8EFFA6}" type="pres">
+      <dgm:prSet presAssocID="{66FB637A-7200-4EB5-8533-503D15CC5F9E}" presName="Parent" presStyleLbl="node0" presStyleIdx="0" presStyleCnt="1">
+        <dgm:presLayoutVars>
+          <dgm:chMax val="5"/>
+          <dgm:chPref val="5"/>
+        </dgm:presLayoutVars>
+      </dgm:prSet>
+      <dgm:spPr/>
+    </dgm:pt>
+    <dgm:pt modelId="{A845921F-E2FB-4293-BE5D-9CFA208F75CB}" type="pres">
+      <dgm:prSet presAssocID="{66FB637A-7200-4EB5-8533-503D15CC5F9E}" presName="Accent1" presStyleLbl="node1" presStyleIdx="0" presStyleCnt="13"/>
+      <dgm:spPr/>
+    </dgm:pt>
+    <dgm:pt modelId="{46F0DBE0-5C6B-488E-B415-D9FA5B713B0A}" type="pres">
+      <dgm:prSet presAssocID="{66FB637A-7200-4EB5-8533-503D15CC5F9E}" presName="Accent2" presStyleLbl="node1" presStyleIdx="1" presStyleCnt="13"/>
+      <dgm:spPr/>
+    </dgm:pt>
+    <dgm:pt modelId="{61B01F95-CE74-4779-AEFA-44107230A0BC}" type="pres">
+      <dgm:prSet presAssocID="{66FB637A-7200-4EB5-8533-503D15CC5F9E}" presName="Accent3" presStyleLbl="node1" presStyleIdx="2" presStyleCnt="13"/>
+      <dgm:spPr/>
+    </dgm:pt>
+    <dgm:pt modelId="{63FBCA5B-F4C6-468F-895D-D25017D171E6}" type="pres">
+      <dgm:prSet presAssocID="{66FB637A-7200-4EB5-8533-503D15CC5F9E}" presName="Accent4" presStyleLbl="node1" presStyleIdx="3" presStyleCnt="13"/>
+      <dgm:spPr/>
+    </dgm:pt>
+    <dgm:pt modelId="{9696C7F5-F199-460B-A8D4-2253A67AC983}" type="pres">
+      <dgm:prSet presAssocID="{66FB637A-7200-4EB5-8533-503D15CC5F9E}" presName="Accent5" presStyleLbl="node1" presStyleIdx="4" presStyleCnt="13"/>
+      <dgm:spPr/>
+    </dgm:pt>
+    <dgm:pt modelId="{704C0660-63EF-4808-8AF3-E679F3788D7E}" type="pres">
+      <dgm:prSet presAssocID="{66FB637A-7200-4EB5-8533-503D15CC5F9E}" presName="Accent6" presStyleLbl="node1" presStyleIdx="5" presStyleCnt="13"/>
+      <dgm:spPr/>
+    </dgm:pt>
+    <dgm:pt modelId="{9644DCD3-4586-4F3F-9B92-937ACC7FAEC0}" type="pres">
+      <dgm:prSet presAssocID="{065B96BE-8152-4356-8207-9E34869C2207}" presName="Child1" presStyleLbl="node1" presStyleIdx="6" presStyleCnt="13">
+        <dgm:presLayoutVars>
+          <dgm:chMax val="0"/>
+          <dgm:chPref val="0"/>
+        </dgm:presLayoutVars>
+      </dgm:prSet>
+      <dgm:spPr/>
+    </dgm:pt>
+    <dgm:pt modelId="{B5452495-0514-4648-A97D-56B63746AEB4}" type="pres">
+      <dgm:prSet presAssocID="{065B96BE-8152-4356-8207-9E34869C2207}" presName="Accent7" presStyleCnt="0"/>
+      <dgm:spPr/>
+    </dgm:pt>
+    <dgm:pt modelId="{9113A586-25B3-4094-AE4B-DF8DE16B2E56}" type="pres">
+      <dgm:prSet presAssocID="{065B96BE-8152-4356-8207-9E34869C2207}" presName="AccentHold1" presStyleLbl="node1" presStyleIdx="7" presStyleCnt="13"/>
+      <dgm:spPr/>
+    </dgm:pt>
+    <dgm:pt modelId="{3B85ADA9-F28A-4E44-88AF-C6B0FA641290}" type="pres">
+      <dgm:prSet presAssocID="{065B96BE-8152-4356-8207-9E34869C2207}" presName="Accent8" presStyleCnt="0"/>
+      <dgm:spPr/>
+    </dgm:pt>
+    <dgm:pt modelId="{B98DB600-CCBC-47B4-AAE2-31ED2667F87E}" type="pres">
+      <dgm:prSet presAssocID="{065B96BE-8152-4356-8207-9E34869C2207}" presName="AccentHold2" presStyleLbl="node1" presStyleIdx="8" presStyleCnt="13"/>
+      <dgm:spPr/>
+    </dgm:pt>
+    <dgm:pt modelId="{1622B99A-377B-4540-8DB6-ADF243823EBD}" type="pres">
+      <dgm:prSet presAssocID="{ED596A41-7C8A-46B9-81D8-F3BD0A7950AC}" presName="Child2" presStyleLbl="node1" presStyleIdx="9" presStyleCnt="13">
+        <dgm:presLayoutVars>
+          <dgm:chMax val="0"/>
+          <dgm:chPref val="0"/>
+        </dgm:presLayoutVars>
+      </dgm:prSet>
+      <dgm:spPr/>
+    </dgm:pt>
+    <dgm:pt modelId="{76345D66-DC65-44E7-B25A-F4814F2D27FC}" type="pres">
+      <dgm:prSet presAssocID="{ED596A41-7C8A-46B9-81D8-F3BD0A7950AC}" presName="Accent9" presStyleCnt="0"/>
+      <dgm:spPr/>
+    </dgm:pt>
+    <dgm:pt modelId="{97E91786-C0B7-4F00-A1AA-88CA3B227DBC}" type="pres">
+      <dgm:prSet presAssocID="{ED596A41-7C8A-46B9-81D8-F3BD0A7950AC}" presName="AccentHold1" presStyleLbl="node1" presStyleIdx="10" presStyleCnt="13"/>
+      <dgm:spPr/>
+    </dgm:pt>
+    <dgm:pt modelId="{0416BED3-987E-4F9C-81A9-A1B9F229AB83}" type="pres">
+      <dgm:prSet presAssocID="{ED596A41-7C8A-46B9-81D8-F3BD0A7950AC}" presName="Accent10" presStyleCnt="0"/>
+      <dgm:spPr/>
+    </dgm:pt>
+    <dgm:pt modelId="{B8F1EA47-2CD1-4DA4-8EBD-2682471F2CB4}" type="pres">
+      <dgm:prSet presAssocID="{ED596A41-7C8A-46B9-81D8-F3BD0A7950AC}" presName="AccentHold2" presStyleLbl="node1" presStyleIdx="11" presStyleCnt="13"/>
+      <dgm:spPr/>
+    </dgm:pt>
+    <dgm:pt modelId="{ED5A33A0-4C5B-4CE2-A613-8ADC69B3B69B}" type="pres">
+      <dgm:prSet presAssocID="{ED596A41-7C8A-46B9-81D8-F3BD0A7950AC}" presName="Accent11" presStyleCnt="0"/>
+      <dgm:spPr/>
+    </dgm:pt>
+    <dgm:pt modelId="{B82C8EC2-265B-427A-80C8-0D30C1AEB36C}" type="pres">
+      <dgm:prSet presAssocID="{ED596A41-7C8A-46B9-81D8-F3BD0A7950AC}" presName="AccentHold3" presStyleLbl="node1" presStyleIdx="12" presStyleCnt="13"/>
+      <dgm:spPr/>
+    </dgm:pt>
+  </dgm:ptLst>
+  <dgm:cxnLst>
+    <dgm:cxn modelId="{B335A044-A7A4-47A1-9CA3-C4CDDD1F6C14}" srcId="{66FB637A-7200-4EB5-8533-503D15CC5F9E}" destId="{ED596A41-7C8A-46B9-81D8-F3BD0A7950AC}" srcOrd="1" destOrd="0" parTransId="{C8F9CCFB-F420-415A-8DD7-4EA0ECDEB39A}" sibTransId="{D365A384-491A-42A8-B21E-00CADB05CF77}"/>
+    <dgm:cxn modelId="{B9417C48-1E6E-434C-9DBC-31BC04B46AC6}" srcId="{D4A85D04-E182-4EB1-8C74-33D05B7CC4E0}" destId="{66FB637A-7200-4EB5-8533-503D15CC5F9E}" srcOrd="0" destOrd="0" parTransId="{D0BA1484-309E-4893-92DD-49C6BCD94192}" sibTransId="{48FFFF90-9782-447E-A9CD-6DDF86830643}"/>
+    <dgm:cxn modelId="{EF2FBD49-3476-4550-9167-75C58DA16F3E}" type="presOf" srcId="{ED596A41-7C8A-46B9-81D8-F3BD0A7950AC}" destId="{1622B99A-377B-4540-8DB6-ADF243823EBD}" srcOrd="0" destOrd="0" presId="urn:microsoft.com/office/officeart/2009/3/layout/CircleRelationship"/>
+    <dgm:cxn modelId="{05C3D54F-E9CE-49AC-BB1C-05CC9EE3EB19}" srcId="{66FB637A-7200-4EB5-8533-503D15CC5F9E}" destId="{065B96BE-8152-4356-8207-9E34869C2207}" srcOrd="0" destOrd="0" parTransId="{19487ECC-C456-419A-A67D-FCA9BD8E50DA}" sibTransId="{4558D8CC-87BD-468D-ABE5-FE80D6D6FA99}"/>
+    <dgm:cxn modelId="{080E4170-590F-45C7-A942-AF0D8138A843}" type="presOf" srcId="{065B96BE-8152-4356-8207-9E34869C2207}" destId="{9644DCD3-4586-4F3F-9B92-937ACC7FAEC0}" srcOrd="0" destOrd="0" presId="urn:microsoft.com/office/officeart/2009/3/layout/CircleRelationship"/>
+    <dgm:cxn modelId="{A2256E71-4771-44AE-AF20-B52D04306B2F}" type="presOf" srcId="{66FB637A-7200-4EB5-8533-503D15CC5F9E}" destId="{249ED586-9580-44ED-A5A5-E9B49B8EFFA6}" srcOrd="0" destOrd="0" presId="urn:microsoft.com/office/officeart/2009/3/layout/CircleRelationship"/>
+    <dgm:cxn modelId="{4F36F658-97D9-4EF5-88F7-32089B98F524}" type="presOf" srcId="{D4A85D04-E182-4EB1-8C74-33D05B7CC4E0}" destId="{11E0EB1F-5811-485A-AB0C-1E9B72285599}" srcOrd="0" destOrd="0" presId="urn:microsoft.com/office/officeart/2009/3/layout/CircleRelationship"/>
+    <dgm:cxn modelId="{EC05735A-B7BD-43CA-B596-4185D0B01258}" type="presParOf" srcId="{11E0EB1F-5811-485A-AB0C-1E9B72285599}" destId="{249ED586-9580-44ED-A5A5-E9B49B8EFFA6}" srcOrd="0" destOrd="0" presId="urn:microsoft.com/office/officeart/2009/3/layout/CircleRelationship"/>
+    <dgm:cxn modelId="{BFCB1C36-4D43-4EAE-9806-D25F691D2E8F}" type="presParOf" srcId="{11E0EB1F-5811-485A-AB0C-1E9B72285599}" destId="{A845921F-E2FB-4293-BE5D-9CFA208F75CB}" srcOrd="1" destOrd="0" presId="urn:microsoft.com/office/officeart/2009/3/layout/CircleRelationship"/>
+    <dgm:cxn modelId="{064A095A-D545-44C4-80B1-0773B1650402}" type="presParOf" srcId="{11E0EB1F-5811-485A-AB0C-1E9B72285599}" destId="{46F0DBE0-5C6B-488E-B415-D9FA5B713B0A}" srcOrd="2" destOrd="0" presId="urn:microsoft.com/office/officeart/2009/3/layout/CircleRelationship"/>
+    <dgm:cxn modelId="{BD2653BC-CEA6-447B-BB0D-B8AF2DC32008}" type="presParOf" srcId="{11E0EB1F-5811-485A-AB0C-1E9B72285599}" destId="{61B01F95-CE74-4779-AEFA-44107230A0BC}" srcOrd="3" destOrd="0" presId="urn:microsoft.com/office/officeart/2009/3/layout/CircleRelationship"/>
+    <dgm:cxn modelId="{D1274628-458D-42A2-9EFC-344793DFD2C4}" type="presParOf" srcId="{11E0EB1F-5811-485A-AB0C-1E9B72285599}" destId="{63FBCA5B-F4C6-468F-895D-D25017D171E6}" srcOrd="4" destOrd="0" presId="urn:microsoft.com/office/officeart/2009/3/layout/CircleRelationship"/>
+    <dgm:cxn modelId="{EFEB2508-C3FF-4E0B-A4D2-A48266DDCAE3}" type="presParOf" srcId="{11E0EB1F-5811-485A-AB0C-1E9B72285599}" destId="{9696C7F5-F199-460B-A8D4-2253A67AC983}" srcOrd="5" destOrd="0" presId="urn:microsoft.com/office/officeart/2009/3/layout/CircleRelationship"/>
+    <dgm:cxn modelId="{9CED2462-E530-4358-A756-35BF8535DB79}" type="presParOf" srcId="{11E0EB1F-5811-485A-AB0C-1E9B72285599}" destId="{704C0660-63EF-4808-8AF3-E679F3788D7E}" srcOrd="6" destOrd="0" presId="urn:microsoft.com/office/officeart/2009/3/layout/CircleRelationship"/>
+    <dgm:cxn modelId="{9376660D-C9B7-435F-BB0A-BC9D1422DFC2}" type="presParOf" srcId="{11E0EB1F-5811-485A-AB0C-1E9B72285599}" destId="{9644DCD3-4586-4F3F-9B92-937ACC7FAEC0}" srcOrd="7" destOrd="0" presId="urn:microsoft.com/office/officeart/2009/3/layout/CircleRelationship"/>
+    <dgm:cxn modelId="{68C19DAA-6F65-448F-80C7-E0FFAD3C75FB}" type="presParOf" srcId="{11E0EB1F-5811-485A-AB0C-1E9B72285599}" destId="{B5452495-0514-4648-A97D-56B63746AEB4}" srcOrd="8" destOrd="0" presId="urn:microsoft.com/office/officeart/2009/3/layout/CircleRelationship"/>
+    <dgm:cxn modelId="{4016592E-94A5-4CA6-8701-7E7A48998034}" type="presParOf" srcId="{B5452495-0514-4648-A97D-56B63746AEB4}" destId="{9113A586-25B3-4094-AE4B-DF8DE16B2E56}" srcOrd="0" destOrd="0" presId="urn:microsoft.com/office/officeart/2009/3/layout/CircleRelationship"/>
+    <dgm:cxn modelId="{4FE4623F-68E6-489E-A8F8-5ADC654B108A}" type="presParOf" srcId="{11E0EB1F-5811-485A-AB0C-1E9B72285599}" destId="{3B85ADA9-F28A-4E44-88AF-C6B0FA641290}" srcOrd="9" destOrd="0" presId="urn:microsoft.com/office/officeart/2009/3/layout/CircleRelationship"/>
+    <dgm:cxn modelId="{93E52777-28BD-44B1-B42C-901C6C05B5C2}" type="presParOf" srcId="{3B85ADA9-F28A-4E44-88AF-C6B0FA641290}" destId="{B98DB600-CCBC-47B4-AAE2-31ED2667F87E}" srcOrd="0" destOrd="0" presId="urn:microsoft.com/office/officeart/2009/3/layout/CircleRelationship"/>
+    <dgm:cxn modelId="{AD6CCC2D-25F0-4E3C-B2DD-5FC535EF3999}" type="presParOf" srcId="{11E0EB1F-5811-485A-AB0C-1E9B72285599}" destId="{1622B99A-377B-4540-8DB6-ADF243823EBD}" srcOrd="10" destOrd="0" presId="urn:microsoft.com/office/officeart/2009/3/layout/CircleRelationship"/>
+    <dgm:cxn modelId="{5D7A7943-A02B-48DB-94C7-DE40E6FAD1A9}" type="presParOf" srcId="{11E0EB1F-5811-485A-AB0C-1E9B72285599}" destId="{76345D66-DC65-44E7-B25A-F4814F2D27FC}" srcOrd="11" destOrd="0" presId="urn:microsoft.com/office/officeart/2009/3/layout/CircleRelationship"/>
+    <dgm:cxn modelId="{3741041A-A0F4-4FBA-BDB0-89560CF9AD9F}" type="presParOf" srcId="{76345D66-DC65-44E7-B25A-F4814F2D27FC}" destId="{97E91786-C0B7-4F00-A1AA-88CA3B227DBC}" srcOrd="0" destOrd="0" presId="urn:microsoft.com/office/officeart/2009/3/layout/CircleRelationship"/>
+    <dgm:cxn modelId="{2FFFBDDD-8AAA-4A81-9168-2B570E217684}" type="presParOf" srcId="{11E0EB1F-5811-485A-AB0C-1E9B72285599}" destId="{0416BED3-987E-4F9C-81A9-A1B9F229AB83}" srcOrd="12" destOrd="0" presId="urn:microsoft.com/office/officeart/2009/3/layout/CircleRelationship"/>
+    <dgm:cxn modelId="{602BEFAA-14E7-461A-A057-0E2CB4067D71}" type="presParOf" srcId="{0416BED3-987E-4F9C-81A9-A1B9F229AB83}" destId="{B8F1EA47-2CD1-4DA4-8EBD-2682471F2CB4}" srcOrd="0" destOrd="0" presId="urn:microsoft.com/office/officeart/2009/3/layout/CircleRelationship"/>
+    <dgm:cxn modelId="{CCC47F5A-2A0B-4A79-B36E-B1752CA69FA8}" type="presParOf" srcId="{11E0EB1F-5811-485A-AB0C-1E9B72285599}" destId="{ED5A33A0-4C5B-4CE2-A613-8ADC69B3B69B}" srcOrd="13" destOrd="0" presId="urn:microsoft.com/office/officeart/2009/3/layout/CircleRelationship"/>
+    <dgm:cxn modelId="{12B303BF-25A9-4DD8-BD8E-A48E62B46885}" type="presParOf" srcId="{ED5A33A0-4C5B-4CE2-A613-8ADC69B3B69B}" destId="{B82C8EC2-265B-427A-80C8-0D30C1AEB36C}" srcOrd="0" destOrd="0" presId="urn:microsoft.com/office/officeart/2009/3/layout/CircleRelationship"/>
+  </dgm:cxnLst>
+  <dgm:bg/>
+  <dgm:whole/>
+  <dgm:extLst>
+    <a:ext uri="http://schemas.microsoft.com/office/drawing/2008/diagram">
+      <dsp:dataModelExt xmlns:dsp="http://schemas.microsoft.com/office/drawing/2008/diagram" relId="rId10" minVer="http://schemas.openxmlformats.org/drawingml/2006/diagram"/>
     </a:ext>
   </dgm:extLst>
 </dgm:dataModel>
 </file>
 
 <file path=ppt/diagrams/drawing1.xml><?xml version="1.0" encoding="utf-8"?>
+<dsp:drawing xmlns:dgm="http://schemas.openxmlformats.org/drawingml/2006/diagram" xmlns:dsp="http://schemas.microsoft.com/office/drawing/2008/diagram" xmlns:a="http://schemas.openxmlformats.org/drawingml/2006/main">
+  <dsp:spTree>
+    <dsp:nvGrpSpPr>
+      <dsp:cNvPr id="0" name=""/>
+      <dsp:cNvGrpSpPr/>
+    </dsp:nvGrpSpPr>
+    <dsp:grpSpPr/>
+    <dsp:sp modelId="{249ED586-9580-44ED-A5A5-E9B49B8EFFA6}">
+      <dsp:nvSpPr>
+        <dsp:cNvPr id="0" name=""/>
+        <dsp:cNvSpPr/>
+      </dsp:nvSpPr>
+      <dsp:spPr>
+        <a:xfrm>
+          <a:off x="962564" y="314321"/>
+          <a:ext cx="2744277" cy="2744218"/>
+        </a:xfrm>
+        <a:prstGeom prst="ellipse">
+          <a:avLst/>
+        </a:prstGeom>
+        <a:solidFill>
+          <a:schemeClr val="accent2">
+            <a:hueOff val="0"/>
+            <a:satOff val="0"/>
+            <a:lumOff val="0"/>
+            <a:alphaOff val="0"/>
+          </a:schemeClr>
+        </a:solidFill>
+        <a:ln>
+          <a:noFill/>
+        </a:ln>
+        <a:effectLst/>
+        <a:scene3d>
+          <a:camera prst="orthographicFront">
+            <a:rot lat="0" lon="0" rev="0"/>
+          </a:camera>
+          <a:lightRig rig="contrasting" dir="t">
+            <a:rot lat="0" lon="0" rev="1200000"/>
+          </a:lightRig>
+        </a:scene3d>
+        <a:sp3d contourW="19050" prstMaterial="metal">
+          <a:bevelT w="88900" h="203200"/>
+          <a:bevelB w="165100" h="254000"/>
+        </a:sp3d>
+      </dsp:spPr>
+      <dsp:style>
+        <a:lnRef idx="0">
+          <a:scrgbClr r="0" g="0" b="0"/>
+        </a:lnRef>
+        <a:fillRef idx="1">
+          <a:scrgbClr r="0" g="0" b="0"/>
+        </a:fillRef>
+        <a:effectRef idx="1">
+          <a:scrgbClr r="0" g="0" b="0"/>
+        </a:effectRef>
+        <a:fontRef idx="minor">
+          <a:schemeClr val="lt1"/>
+        </a:fontRef>
+      </dsp:style>
+      <dsp:txBody>
+        <a:bodyPr spcFirstLastPara="0" vert="horz" wrap="square" lIns="76200" tIns="76200" rIns="76200" bIns="76200" numCol="1" spcCol="1270" anchor="ctr" anchorCtr="0">
+          <a:noAutofit/>
+        </a:bodyPr>
+        <a:lstStyle/>
+        <a:p>
+          <a:pPr marL="0" lvl="0" indent="0" algn="ctr" defTabSz="889000">
+            <a:lnSpc>
+              <a:spcPct val="90000"/>
+            </a:lnSpc>
+            <a:spcBef>
+              <a:spcPct val="0"/>
+            </a:spcBef>
+            <a:spcAft>
+              <a:spcPct val="35000"/>
+            </a:spcAft>
+            <a:buNone/>
+          </a:pPr>
+          <a:r>
+            <a:rPr lang="fr-FR" sz="2000" kern="1200" dirty="0">
+              <a:effectLst/>
+              <a:latin typeface="Calibri" panose="020F0502020204030204" pitchFamily="34" charset="0"/>
+              <a:ea typeface="Calibri" panose="020F0502020204030204" pitchFamily="34" charset="0"/>
+              <a:cs typeface="Times New Roman" panose="02020603050405020304" pitchFamily="18" charset="0"/>
+            </a:rPr>
+            <a:t>Mercedes AMG F1</a:t>
+          </a:r>
+        </a:p>
+        <a:p>
+          <a:pPr marL="0" lvl="0" indent="0" algn="ctr" defTabSz="889000">
+            <a:lnSpc>
+              <a:spcPct val="90000"/>
+            </a:lnSpc>
+            <a:spcBef>
+              <a:spcPct val="0"/>
+            </a:spcBef>
+            <a:spcAft>
+              <a:spcPct val="35000"/>
+            </a:spcAft>
+            <a:buNone/>
+          </a:pPr>
+          <a:r>
+            <a:rPr lang="fr-FR" sz="2000" kern="1200" dirty="0"/>
+            <a:t>(470.000.000€)</a:t>
+          </a:r>
+        </a:p>
+      </dsp:txBody>
+      <dsp:txXfrm>
+        <a:off x="1364454" y="716202"/>
+        <a:ext cx="1940497" cy="1940456"/>
+      </dsp:txXfrm>
+    </dsp:sp>
+    <dsp:sp modelId="{A845921F-E2FB-4293-BE5D-9CFA208F75CB}">
+      <dsp:nvSpPr>
+        <dsp:cNvPr id="0" name=""/>
+        <dsp:cNvSpPr/>
+      </dsp:nvSpPr>
+      <dsp:spPr>
+        <a:xfrm>
+          <a:off x="2528389" y="189292"/>
+          <a:ext cx="305203" cy="305198"/>
+        </a:xfrm>
+        <a:prstGeom prst="ellipse">
+          <a:avLst/>
+        </a:prstGeom>
+        <a:solidFill>
+          <a:schemeClr val="accent3">
+            <a:hueOff val="0"/>
+            <a:satOff val="0"/>
+            <a:lumOff val="0"/>
+            <a:alphaOff val="0"/>
+          </a:schemeClr>
+        </a:solidFill>
+        <a:ln>
+          <a:noFill/>
+        </a:ln>
+        <a:effectLst/>
+        <a:scene3d>
+          <a:camera prst="orthographicFront">
+            <a:rot lat="0" lon="0" rev="0"/>
+          </a:camera>
+          <a:lightRig rig="contrasting" dir="t">
+            <a:rot lat="0" lon="0" rev="1200000"/>
+          </a:lightRig>
+        </a:scene3d>
+        <a:sp3d contourW="19050" prstMaterial="metal">
+          <a:bevelT w="88900" h="203200"/>
+          <a:bevelB w="165100" h="254000"/>
+        </a:sp3d>
+      </dsp:spPr>
+      <dsp:style>
+        <a:lnRef idx="0">
+          <a:scrgbClr r="0" g="0" b="0"/>
+        </a:lnRef>
+        <a:fillRef idx="1">
+          <a:scrgbClr r="0" g="0" b="0"/>
+        </a:fillRef>
+        <a:effectRef idx="2">
+          <a:scrgbClr r="0" g="0" b="0"/>
+        </a:effectRef>
+        <a:fontRef idx="minor">
+          <a:schemeClr val="lt1"/>
+        </a:fontRef>
+      </dsp:style>
+    </dsp:sp>
+    <dsp:sp modelId="{46F0DBE0-5C6B-488E-B415-D9FA5B713B0A}">
+      <dsp:nvSpPr>
+        <dsp:cNvPr id="0" name=""/>
+        <dsp:cNvSpPr/>
+      </dsp:nvSpPr>
+      <dsp:spPr>
+        <a:xfrm>
+          <a:off x="1805700" y="2854646"/>
+          <a:ext cx="220991" cy="221204"/>
+        </a:xfrm>
+        <a:prstGeom prst="ellipse">
+          <a:avLst/>
+        </a:prstGeom>
+        <a:solidFill>
+          <a:schemeClr val="accent3">
+            <a:hueOff val="225883"/>
+            <a:satOff val="8333"/>
+            <a:lumOff val="-1225"/>
+            <a:alphaOff val="0"/>
+          </a:schemeClr>
+        </a:solidFill>
+        <a:ln>
+          <a:noFill/>
+        </a:ln>
+        <a:effectLst/>
+        <a:scene3d>
+          <a:camera prst="orthographicFront">
+            <a:rot lat="0" lon="0" rev="0"/>
+          </a:camera>
+          <a:lightRig rig="contrasting" dir="t">
+            <a:rot lat="0" lon="0" rev="1200000"/>
+          </a:lightRig>
+        </a:scene3d>
+        <a:sp3d contourW="19050" prstMaterial="metal">
+          <a:bevelT w="88900" h="203200"/>
+          <a:bevelB w="165100" h="254000"/>
+        </a:sp3d>
+      </dsp:spPr>
+      <dsp:style>
+        <a:lnRef idx="0">
+          <a:scrgbClr r="0" g="0" b="0"/>
+        </a:lnRef>
+        <a:fillRef idx="1">
+          <a:scrgbClr r="0" g="0" b="0"/>
+        </a:fillRef>
+        <a:effectRef idx="2">
+          <a:scrgbClr r="0" g="0" b="0"/>
+        </a:effectRef>
+        <a:fontRef idx="minor">
+          <a:schemeClr val="lt1"/>
+        </a:fontRef>
+      </dsp:style>
+    </dsp:sp>
+    <dsp:sp modelId="{61B01F95-CE74-4779-AEFA-44107230A0BC}">
+      <dsp:nvSpPr>
+        <dsp:cNvPr id="0" name=""/>
+        <dsp:cNvSpPr/>
+      </dsp:nvSpPr>
+      <dsp:spPr>
+        <a:xfrm>
+          <a:off x="3883430" y="1428038"/>
+          <a:ext cx="220991" cy="221204"/>
+        </a:xfrm>
+        <a:prstGeom prst="ellipse">
+          <a:avLst/>
+        </a:prstGeom>
+        <a:solidFill>
+          <a:schemeClr val="accent3">
+            <a:hueOff val="451767"/>
+            <a:satOff val="16667"/>
+            <a:lumOff val="-2451"/>
+            <a:alphaOff val="0"/>
+          </a:schemeClr>
+        </a:solidFill>
+        <a:ln>
+          <a:noFill/>
+        </a:ln>
+        <a:effectLst/>
+        <a:scene3d>
+          <a:camera prst="orthographicFront">
+            <a:rot lat="0" lon="0" rev="0"/>
+          </a:camera>
+          <a:lightRig rig="contrasting" dir="t">
+            <a:rot lat="0" lon="0" rev="1200000"/>
+          </a:lightRig>
+        </a:scene3d>
+        <a:sp3d contourW="19050" prstMaterial="metal">
+          <a:bevelT w="88900" h="203200"/>
+          <a:bevelB w="165100" h="254000"/>
+        </a:sp3d>
+      </dsp:spPr>
+      <dsp:style>
+        <a:lnRef idx="0">
+          <a:scrgbClr r="0" g="0" b="0"/>
+        </a:lnRef>
+        <a:fillRef idx="1">
+          <a:scrgbClr r="0" g="0" b="0"/>
+        </a:fillRef>
+        <a:effectRef idx="2">
+          <a:scrgbClr r="0" g="0" b="0"/>
+        </a:effectRef>
+        <a:fontRef idx="minor">
+          <a:schemeClr val="lt1"/>
+        </a:fontRef>
+      </dsp:style>
+    </dsp:sp>
+    <dsp:sp modelId="{63FBCA5B-F4C6-468F-895D-D25017D171E6}">
+      <dsp:nvSpPr>
+        <dsp:cNvPr id="0" name=""/>
+        <dsp:cNvSpPr/>
+      </dsp:nvSpPr>
+      <dsp:spPr>
+        <a:xfrm>
+          <a:off x="2825936" y="3089957"/>
+          <a:ext cx="305203" cy="305198"/>
+        </a:xfrm>
+        <a:prstGeom prst="ellipse">
+          <a:avLst/>
+        </a:prstGeom>
+        <a:solidFill>
+          <a:schemeClr val="accent3">
+            <a:hueOff val="677650"/>
+            <a:satOff val="25000"/>
+            <a:lumOff val="-3676"/>
+            <a:alphaOff val="0"/>
+          </a:schemeClr>
+        </a:solidFill>
+        <a:ln>
+          <a:noFill/>
+        </a:ln>
+        <a:effectLst/>
+        <a:scene3d>
+          <a:camera prst="orthographicFront">
+            <a:rot lat="0" lon="0" rev="0"/>
+          </a:camera>
+          <a:lightRig rig="contrasting" dir="t">
+            <a:rot lat="0" lon="0" rev="1200000"/>
+          </a:lightRig>
+        </a:scene3d>
+        <a:sp3d contourW="19050" prstMaterial="metal">
+          <a:bevelT w="88900" h="203200"/>
+          <a:bevelB w="165100" h="254000"/>
+        </a:sp3d>
+      </dsp:spPr>
+      <dsp:style>
+        <a:lnRef idx="0">
+          <a:scrgbClr r="0" g="0" b="0"/>
+        </a:lnRef>
+        <a:fillRef idx="1">
+          <a:scrgbClr r="0" g="0" b="0"/>
+        </a:fillRef>
+        <a:effectRef idx="2">
+          <a:scrgbClr r="0" g="0" b="0"/>
+        </a:effectRef>
+        <a:fontRef idx="minor">
+          <a:schemeClr val="lt1"/>
+        </a:fontRef>
+      </dsp:style>
+    </dsp:sp>
+    <dsp:sp modelId="{9696C7F5-F199-460B-A8D4-2253A67AC983}">
+      <dsp:nvSpPr>
+        <dsp:cNvPr id="0" name=""/>
+        <dsp:cNvSpPr/>
+      </dsp:nvSpPr>
+      <dsp:spPr>
+        <a:xfrm>
+          <a:off x="1868476" y="623045"/>
+          <a:ext cx="220991" cy="221204"/>
+        </a:xfrm>
+        <a:prstGeom prst="ellipse">
+          <a:avLst/>
+        </a:prstGeom>
+        <a:solidFill>
+          <a:schemeClr val="accent3">
+            <a:hueOff val="903533"/>
+            <a:satOff val="33333"/>
+            <a:lumOff val="-4902"/>
+            <a:alphaOff val="0"/>
+          </a:schemeClr>
+        </a:solidFill>
+        <a:ln>
+          <a:noFill/>
+        </a:ln>
+        <a:effectLst/>
+        <a:scene3d>
+          <a:camera prst="orthographicFront">
+            <a:rot lat="0" lon="0" rev="0"/>
+          </a:camera>
+          <a:lightRig rig="contrasting" dir="t">
+            <a:rot lat="0" lon="0" rev="1200000"/>
+          </a:lightRig>
+        </a:scene3d>
+        <a:sp3d contourW="19050" prstMaterial="metal">
+          <a:bevelT w="88900" h="203200"/>
+          <a:bevelB w="165100" h="254000"/>
+        </a:sp3d>
+      </dsp:spPr>
+      <dsp:style>
+        <a:lnRef idx="0">
+          <a:scrgbClr r="0" g="0" b="0"/>
+        </a:lnRef>
+        <a:fillRef idx="1">
+          <a:scrgbClr r="0" g="0" b="0"/>
+        </a:fillRef>
+        <a:effectRef idx="2">
+          <a:scrgbClr r="0" g="0" b="0"/>
+        </a:effectRef>
+        <a:fontRef idx="minor">
+          <a:schemeClr val="lt1"/>
+        </a:fontRef>
+      </dsp:style>
+    </dsp:sp>
+    <dsp:sp modelId="{704C0660-63EF-4808-8AF3-E679F3788D7E}">
+      <dsp:nvSpPr>
+        <dsp:cNvPr id="0" name=""/>
+        <dsp:cNvSpPr/>
+      </dsp:nvSpPr>
+      <dsp:spPr>
+        <a:xfrm>
+          <a:off x="1171817" y="1888399"/>
+          <a:ext cx="220991" cy="221204"/>
+        </a:xfrm>
+        <a:prstGeom prst="ellipse">
+          <a:avLst/>
+        </a:prstGeom>
+        <a:solidFill>
+          <a:schemeClr val="accent3">
+            <a:hueOff val="1129416"/>
+            <a:satOff val="41667"/>
+            <a:lumOff val="-6127"/>
+            <a:alphaOff val="0"/>
+          </a:schemeClr>
+        </a:solidFill>
+        <a:ln>
+          <a:noFill/>
+        </a:ln>
+        <a:effectLst/>
+        <a:scene3d>
+          <a:camera prst="orthographicFront">
+            <a:rot lat="0" lon="0" rev="0"/>
+          </a:camera>
+          <a:lightRig rig="contrasting" dir="t">
+            <a:rot lat="0" lon="0" rev="1200000"/>
+          </a:lightRig>
+        </a:scene3d>
+        <a:sp3d contourW="19050" prstMaterial="metal">
+          <a:bevelT w="88900" h="203200"/>
+          <a:bevelB w="165100" h="254000"/>
+        </a:sp3d>
+      </dsp:spPr>
+      <dsp:style>
+        <a:lnRef idx="0">
+          <a:scrgbClr r="0" g="0" b="0"/>
+        </a:lnRef>
+        <a:fillRef idx="1">
+          <a:scrgbClr r="0" g="0" b="0"/>
+        </a:fillRef>
+        <a:effectRef idx="2">
+          <a:scrgbClr r="0" g="0" b="0"/>
+        </a:effectRef>
+        <a:fontRef idx="minor">
+          <a:schemeClr val="lt1"/>
+        </a:fontRef>
+      </dsp:style>
+    </dsp:sp>
+    <dsp:sp modelId="{9644DCD3-4586-4F3F-9B92-937ACC7FAEC0}">
+      <dsp:nvSpPr>
+        <dsp:cNvPr id="0" name=""/>
+        <dsp:cNvSpPr/>
+      </dsp:nvSpPr>
+      <dsp:spPr>
+        <a:xfrm>
+          <a:off x="105136" y="809627"/>
+          <a:ext cx="1115676" cy="1115319"/>
+        </a:xfrm>
+        <a:prstGeom prst="ellipse">
+          <a:avLst/>
+        </a:prstGeom>
+        <a:solidFill>
+          <a:schemeClr val="accent3">
+            <a:hueOff val="1355300"/>
+            <a:satOff val="50000"/>
+            <a:lumOff val="-7353"/>
+            <a:alphaOff val="0"/>
+          </a:schemeClr>
+        </a:solidFill>
+        <a:ln>
+          <a:noFill/>
+        </a:ln>
+        <a:effectLst/>
+        <a:scene3d>
+          <a:camera prst="orthographicFront">
+            <a:rot lat="0" lon="0" rev="0"/>
+          </a:camera>
+          <a:lightRig rig="contrasting" dir="t">
+            <a:rot lat="0" lon="0" rev="1200000"/>
+          </a:lightRig>
+        </a:scene3d>
+        <a:sp3d contourW="19050" prstMaterial="metal">
+          <a:bevelT w="88900" h="203200"/>
+          <a:bevelB w="165100" h="254000"/>
+        </a:sp3d>
+      </dsp:spPr>
+      <dsp:style>
+        <a:lnRef idx="0">
+          <a:scrgbClr r="0" g="0" b="0"/>
+        </a:lnRef>
+        <a:fillRef idx="1">
+          <a:scrgbClr r="0" g="0" b="0"/>
+        </a:fillRef>
+        <a:effectRef idx="2">
+          <a:scrgbClr r="0" g="0" b="0"/>
+        </a:effectRef>
+        <a:fontRef idx="minor">
+          <a:schemeClr val="lt1"/>
+        </a:fontRef>
+      </dsp:style>
+      <dsp:txBody>
+        <a:bodyPr spcFirstLastPara="0" vert="horz" wrap="square" lIns="34290" tIns="34290" rIns="34290" bIns="34290" numCol="1" spcCol="1270" anchor="ctr" anchorCtr="0">
+          <a:noAutofit/>
+        </a:bodyPr>
+        <a:lstStyle/>
+        <a:p>
+          <a:pPr marL="0" lvl="0" indent="0" algn="ctr" defTabSz="400050">
+            <a:lnSpc>
+              <a:spcPct val="90000"/>
+            </a:lnSpc>
+            <a:spcBef>
+              <a:spcPct val="0"/>
+            </a:spcBef>
+            <a:spcAft>
+              <a:spcPct val="35000"/>
+            </a:spcAft>
+            <a:buNone/>
+          </a:pPr>
+          <a:r>
+            <a:rPr lang="fr-FR" sz="900" kern="1200" dirty="0"/>
+            <a:t>Ferrari</a:t>
+          </a:r>
+        </a:p>
+        <a:p>
+          <a:pPr marL="0" lvl="0" indent="0" algn="ctr" defTabSz="400050">
+            <a:lnSpc>
+              <a:spcPct val="90000"/>
+            </a:lnSpc>
+            <a:spcBef>
+              <a:spcPct val="0"/>
+            </a:spcBef>
+            <a:spcAft>
+              <a:spcPct val="35000"/>
+            </a:spcAft>
+            <a:buNone/>
+          </a:pPr>
+          <a:r>
+            <a:rPr lang="fr-FR" sz="900" kern="1200" dirty="0"/>
+            <a:t>(465.000.000€)</a:t>
+          </a:r>
+        </a:p>
+      </dsp:txBody>
+      <dsp:txXfrm>
+        <a:off x="268523" y="972962"/>
+        <a:ext cx="788902" cy="788649"/>
+      </dsp:txXfrm>
+    </dsp:sp>
+    <dsp:sp modelId="{9113A586-25B3-4094-AE4B-DF8DE16B2E56}">
+      <dsp:nvSpPr>
+        <dsp:cNvPr id="0" name=""/>
+        <dsp:cNvSpPr/>
+      </dsp:nvSpPr>
+      <dsp:spPr>
+        <a:xfrm>
+          <a:off x="2219613" y="632663"/>
+          <a:ext cx="305203" cy="305198"/>
+        </a:xfrm>
+        <a:prstGeom prst="ellipse">
+          <a:avLst/>
+        </a:prstGeom>
+        <a:solidFill>
+          <a:schemeClr val="accent3">
+            <a:hueOff val="1581183"/>
+            <a:satOff val="58333"/>
+            <a:lumOff val="-8578"/>
+            <a:alphaOff val="0"/>
+          </a:schemeClr>
+        </a:solidFill>
+        <a:ln>
+          <a:noFill/>
+        </a:ln>
+        <a:effectLst/>
+        <a:scene3d>
+          <a:camera prst="orthographicFront">
+            <a:rot lat="0" lon="0" rev="0"/>
+          </a:camera>
+          <a:lightRig rig="contrasting" dir="t">
+            <a:rot lat="0" lon="0" rev="1200000"/>
+          </a:lightRig>
+        </a:scene3d>
+        <a:sp3d contourW="19050" prstMaterial="metal">
+          <a:bevelT w="88900" h="203200"/>
+          <a:bevelB w="165100" h="254000"/>
+        </a:sp3d>
+      </dsp:spPr>
+      <dsp:style>
+        <a:lnRef idx="0">
+          <a:scrgbClr r="0" g="0" b="0"/>
+        </a:lnRef>
+        <a:fillRef idx="1">
+          <a:scrgbClr r="0" g="0" b="0"/>
+        </a:fillRef>
+        <a:effectRef idx="2">
+          <a:scrgbClr r="0" g="0" b="0"/>
+        </a:effectRef>
+        <a:fontRef idx="minor">
+          <a:schemeClr val="lt1"/>
+        </a:fontRef>
+      </dsp:style>
+    </dsp:sp>
+    <dsp:sp modelId="{B98DB600-CCBC-47B4-AAE2-31ED2667F87E}">
+      <dsp:nvSpPr>
+        <dsp:cNvPr id="0" name=""/>
+        <dsp:cNvSpPr/>
+      </dsp:nvSpPr>
+      <dsp:spPr>
+        <a:xfrm>
+          <a:off x="209763" y="2251944"/>
+          <a:ext cx="551713" cy="551728"/>
+        </a:xfrm>
+        <a:prstGeom prst="ellipse">
+          <a:avLst/>
+        </a:prstGeom>
+        <a:solidFill>
+          <a:schemeClr val="accent3">
+            <a:hueOff val="1807066"/>
+            <a:satOff val="66667"/>
+            <a:lumOff val="-9804"/>
+            <a:alphaOff val="0"/>
+          </a:schemeClr>
+        </a:solidFill>
+        <a:ln>
+          <a:noFill/>
+        </a:ln>
+        <a:effectLst/>
+        <a:scene3d>
+          <a:camera prst="orthographicFront">
+            <a:rot lat="0" lon="0" rev="0"/>
+          </a:camera>
+          <a:lightRig rig="contrasting" dir="t">
+            <a:rot lat="0" lon="0" rev="1200000"/>
+          </a:lightRig>
+        </a:scene3d>
+        <a:sp3d contourW="19050" prstMaterial="metal">
+          <a:bevelT w="88900" h="203200"/>
+          <a:bevelB w="165100" h="254000"/>
+        </a:sp3d>
+      </dsp:spPr>
+      <dsp:style>
+        <a:lnRef idx="0">
+          <a:scrgbClr r="0" g="0" b="0"/>
+        </a:lnRef>
+        <a:fillRef idx="1">
+          <a:scrgbClr r="0" g="0" b="0"/>
+        </a:fillRef>
+        <a:effectRef idx="2">
+          <a:scrgbClr r="0" g="0" b="0"/>
+        </a:effectRef>
+        <a:fontRef idx="minor">
+          <a:schemeClr val="lt1"/>
+        </a:fontRef>
+      </dsp:style>
+    </dsp:sp>
+    <dsp:sp modelId="{1622B99A-377B-4540-8DB6-ADF243823EBD}">
+      <dsp:nvSpPr>
+        <dsp:cNvPr id="0" name=""/>
+        <dsp:cNvSpPr/>
+      </dsp:nvSpPr>
+      <dsp:spPr>
+        <a:xfrm>
+          <a:off x="3988056" y="284827"/>
+          <a:ext cx="1115676" cy="1115319"/>
+        </a:xfrm>
+        <a:prstGeom prst="ellipse">
+          <a:avLst/>
+        </a:prstGeom>
+        <a:solidFill>
+          <a:schemeClr val="accent3">
+            <a:hueOff val="2032949"/>
+            <a:satOff val="75000"/>
+            <a:lumOff val="-11029"/>
+            <a:alphaOff val="0"/>
+          </a:schemeClr>
+        </a:solidFill>
+        <a:ln>
+          <a:noFill/>
+        </a:ln>
+        <a:effectLst/>
+        <a:scene3d>
+          <a:camera prst="orthographicFront">
+            <a:rot lat="0" lon="0" rev="0"/>
+          </a:camera>
+          <a:lightRig rig="contrasting" dir="t">
+            <a:rot lat="0" lon="0" rev="1200000"/>
+          </a:lightRig>
+        </a:scene3d>
+        <a:sp3d contourW="19050" prstMaterial="metal">
+          <a:bevelT w="88900" h="203200"/>
+          <a:bevelB w="165100" h="254000"/>
+        </a:sp3d>
+      </dsp:spPr>
+      <dsp:style>
+        <a:lnRef idx="0">
+          <a:scrgbClr r="0" g="0" b="0"/>
+        </a:lnRef>
+        <a:fillRef idx="1">
+          <a:scrgbClr r="0" g="0" b="0"/>
+        </a:fillRef>
+        <a:effectRef idx="2">
+          <a:scrgbClr r="0" g="0" b="0"/>
+        </a:effectRef>
+        <a:fontRef idx="minor">
+          <a:schemeClr val="lt1"/>
+        </a:fontRef>
+      </dsp:style>
+      <dsp:txBody>
+        <a:bodyPr spcFirstLastPara="0" vert="horz" wrap="square" lIns="34290" tIns="34290" rIns="34290" bIns="34290" numCol="1" spcCol="1270" anchor="ctr" anchorCtr="0">
+          <a:noAutofit/>
+        </a:bodyPr>
+        <a:lstStyle/>
+        <a:p>
+          <a:pPr marL="0" lvl="0" indent="0" algn="ctr" defTabSz="400050">
+            <a:lnSpc>
+              <a:spcPct val="90000"/>
+            </a:lnSpc>
+            <a:spcBef>
+              <a:spcPct val="0"/>
+            </a:spcBef>
+            <a:spcAft>
+              <a:spcPct val="35000"/>
+            </a:spcAft>
+            <a:buNone/>
+          </a:pPr>
+          <a:r>
+            <a:rPr lang="fr-FR" sz="900" kern="1200" dirty="0"/>
+            <a:t>Red Bull Racing</a:t>
+          </a:r>
+        </a:p>
+        <a:p>
+          <a:pPr marL="0" lvl="0" indent="0" algn="ctr" defTabSz="400050">
+            <a:lnSpc>
+              <a:spcPct val="90000"/>
+            </a:lnSpc>
+            <a:spcBef>
+              <a:spcPct val="0"/>
+            </a:spcBef>
+            <a:spcAft>
+              <a:spcPct val="35000"/>
+            </a:spcAft>
+            <a:buNone/>
+          </a:pPr>
+          <a:r>
+            <a:rPr lang="fr-FR" sz="900" kern="1200" dirty="0"/>
+            <a:t>(440.000.000€)</a:t>
+          </a:r>
+        </a:p>
+      </dsp:txBody>
+      <dsp:txXfrm>
+        <a:off x="4151443" y="448162"/>
+        <a:ext cx="788902" cy="788649"/>
+      </dsp:txXfrm>
+    </dsp:sp>
+    <dsp:sp modelId="{97E91786-C0B7-4F00-A1AA-88CA3B227DBC}">
+      <dsp:nvSpPr>
+        <dsp:cNvPr id="0" name=""/>
+        <dsp:cNvSpPr/>
+      </dsp:nvSpPr>
+      <dsp:spPr>
+        <a:xfrm>
+          <a:off x="3490442" y="1054875"/>
+          <a:ext cx="305203" cy="305198"/>
+        </a:xfrm>
+        <a:prstGeom prst="ellipse">
+          <a:avLst/>
+        </a:prstGeom>
+        <a:solidFill>
+          <a:schemeClr val="accent3">
+            <a:hueOff val="2258833"/>
+            <a:satOff val="83333"/>
+            <a:lumOff val="-12255"/>
+            <a:alphaOff val="0"/>
+          </a:schemeClr>
+        </a:solidFill>
+        <a:ln>
+          <a:noFill/>
+        </a:ln>
+        <a:effectLst/>
+        <a:scene3d>
+          <a:camera prst="orthographicFront">
+            <a:rot lat="0" lon="0" rev="0"/>
+          </a:camera>
+          <a:lightRig rig="contrasting" dir="t">
+            <a:rot lat="0" lon="0" rev="1200000"/>
+          </a:lightRig>
+        </a:scene3d>
+        <a:sp3d contourW="19050" prstMaterial="metal">
+          <a:bevelT w="88900" h="203200"/>
+          <a:bevelB w="165100" h="254000"/>
+        </a:sp3d>
+      </dsp:spPr>
+      <dsp:style>
+        <a:lnRef idx="0">
+          <a:scrgbClr r="0" g="0" b="0"/>
+        </a:lnRef>
+        <a:fillRef idx="1">
+          <a:scrgbClr r="0" g="0" b="0"/>
+        </a:fillRef>
+        <a:effectRef idx="2">
+          <a:scrgbClr r="0" g="0" b="0"/>
+        </a:effectRef>
+        <a:fontRef idx="minor">
+          <a:schemeClr val="lt1"/>
+        </a:fontRef>
+      </dsp:style>
+    </dsp:sp>
+    <dsp:sp modelId="{B8F1EA47-2CD1-4DA4-8EBD-2682471F2CB4}">
+      <dsp:nvSpPr>
+        <dsp:cNvPr id="0" name=""/>
+        <dsp:cNvSpPr/>
+      </dsp:nvSpPr>
+      <dsp:spPr>
+        <a:xfrm>
+          <a:off x="0" y="2908505"/>
+          <a:ext cx="220991" cy="221204"/>
+        </a:xfrm>
+        <a:prstGeom prst="ellipse">
+          <a:avLst/>
+        </a:prstGeom>
+        <a:solidFill>
+          <a:schemeClr val="accent3">
+            <a:hueOff val="2484716"/>
+            <a:satOff val="91667"/>
+            <a:lumOff val="-13480"/>
+            <a:alphaOff val="0"/>
+          </a:schemeClr>
+        </a:solidFill>
+        <a:ln>
+          <a:noFill/>
+        </a:ln>
+        <a:effectLst/>
+        <a:scene3d>
+          <a:camera prst="orthographicFront">
+            <a:rot lat="0" lon="0" rev="0"/>
+          </a:camera>
+          <a:lightRig rig="contrasting" dir="t">
+            <a:rot lat="0" lon="0" rev="1200000"/>
+          </a:lightRig>
+        </a:scene3d>
+        <a:sp3d contourW="19050" prstMaterial="metal">
+          <a:bevelT w="88900" h="203200"/>
+          <a:bevelB w="165100" h="254000"/>
+        </a:sp3d>
+      </dsp:spPr>
+      <dsp:style>
+        <a:lnRef idx="0">
+          <a:scrgbClr r="0" g="0" b="0"/>
+        </a:lnRef>
+        <a:fillRef idx="1">
+          <a:scrgbClr r="0" g="0" b="0"/>
+        </a:fillRef>
+        <a:effectRef idx="2">
+          <a:scrgbClr r="0" g="0" b="0"/>
+        </a:effectRef>
+        <a:fontRef idx="minor">
+          <a:schemeClr val="lt1"/>
+        </a:fontRef>
+      </dsp:style>
+    </dsp:sp>
+    <dsp:sp modelId="{B82C8EC2-265B-427A-80C8-0D30C1AEB36C}">
+      <dsp:nvSpPr>
+        <dsp:cNvPr id="0" name=""/>
+        <dsp:cNvSpPr/>
+      </dsp:nvSpPr>
+      <dsp:spPr>
+        <a:xfrm>
+          <a:off x="2203791" y="2593689"/>
+          <a:ext cx="220991" cy="221204"/>
+        </a:xfrm>
+        <a:prstGeom prst="ellipse">
+          <a:avLst/>
+        </a:prstGeom>
+        <a:solidFill>
+          <a:schemeClr val="accent3">
+            <a:hueOff val="2710599"/>
+            <a:satOff val="100000"/>
+            <a:lumOff val="-14706"/>
+            <a:alphaOff val="0"/>
+          </a:schemeClr>
+        </a:solidFill>
+        <a:ln>
+          <a:noFill/>
+        </a:ln>
+        <a:effectLst/>
+        <a:scene3d>
+          <a:camera prst="orthographicFront">
+            <a:rot lat="0" lon="0" rev="0"/>
+          </a:camera>
+          <a:lightRig rig="contrasting" dir="t">
+            <a:rot lat="0" lon="0" rev="1200000"/>
+          </a:lightRig>
+        </a:scene3d>
+        <a:sp3d contourW="19050" prstMaterial="metal">
+          <a:bevelT w="88900" h="203200"/>
+          <a:bevelB w="165100" h="254000"/>
+        </a:sp3d>
+      </dsp:spPr>
+      <dsp:style>
+        <a:lnRef idx="0">
+          <a:scrgbClr r="0" g="0" b="0"/>
+        </a:lnRef>
+        <a:fillRef idx="1">
+          <a:scrgbClr r="0" g="0" b="0"/>
+        </a:fillRef>
+        <a:effectRef idx="2">
+          <a:scrgbClr r="0" g="0" b="0"/>
+        </a:effectRef>
+        <a:fontRef idx="minor">
+          <a:schemeClr val="lt1"/>
+        </a:fontRef>
+      </dsp:style>
+    </dsp:sp>
+  </dsp:spTree>
+</dsp:drawing>
+</file>
+
+<file path=ppt/diagrams/drawing2.xml><?xml version="1.0" encoding="utf-8"?>
 <dsp:drawing xmlns:dgm="http://schemas.openxmlformats.org/drawingml/2006/diagram" xmlns:dsp="http://schemas.microsoft.com/office/drawing/2008/diagram" xmlns:a="http://schemas.openxmlformats.org/drawingml/2006/main">
   <dsp:spTree>
     <dsp:nvGrpSpPr>
@@ -2874,7 +4839,2129 @@
 </dgm:layoutDef>
 </file>
 
+<file path=ppt/diagrams/layout2.xml><?xml version="1.0" encoding="utf-8"?>
+<dgm:layoutDef xmlns:dgm="http://schemas.openxmlformats.org/drawingml/2006/diagram" xmlns:a="http://schemas.openxmlformats.org/drawingml/2006/main" uniqueId="urn:microsoft.com/office/officeart/2009/3/layout/CircleRelationship">
+  <dgm:title val=""/>
+  <dgm:desc val=""/>
+  <dgm:catLst>
+    <dgm:cat type="relationship" pri="1500"/>
+  </dgm:catLst>
+  <dgm:sampData>
+    <dgm:dataModel>
+      <dgm:ptLst>
+        <dgm:pt modelId="0" type="doc"/>
+        <dgm:pt modelId="10">
+          <dgm:prSet phldr="1"/>
+        </dgm:pt>
+        <dgm:pt modelId="11">
+          <dgm:prSet phldr="1"/>
+        </dgm:pt>
+        <dgm:pt modelId="12">
+          <dgm:prSet phldr="1"/>
+        </dgm:pt>
+      </dgm:ptLst>
+      <dgm:cxnLst>
+        <dgm:cxn modelId="20" srcId="0" destId="10" srcOrd="0" destOrd="0"/>
+        <dgm:cxn modelId="21" srcId="10" destId="11" srcOrd="0" destOrd="0"/>
+        <dgm:cxn modelId="22" srcId="10" destId="12" srcOrd="0" destOrd="0"/>
+      </dgm:cxnLst>
+      <dgm:bg/>
+      <dgm:whole/>
+    </dgm:dataModel>
+  </dgm:sampData>
+  <dgm:styleData>
+    <dgm:dataModel>
+      <dgm:ptLst>
+        <dgm:pt modelId="0" type="doc"/>
+        <dgm:pt modelId="10">
+          <dgm:prSet phldr="1"/>
+        </dgm:pt>
+        <dgm:pt modelId="11">
+          <dgm:prSet phldr="1"/>
+        </dgm:pt>
+        <dgm:pt modelId="12">
+          <dgm:prSet phldr="1"/>
+        </dgm:pt>
+      </dgm:ptLst>
+      <dgm:cxnLst>
+        <dgm:cxn modelId="20" srcId="0" destId="10" srcOrd="0" destOrd="0"/>
+        <dgm:cxn modelId="21" srcId="10" destId="11" srcOrd="0" destOrd="0"/>
+        <dgm:cxn modelId="22" srcId="10" destId="12" srcOrd="0" destOrd="0"/>
+      </dgm:cxnLst>
+      <dgm:bg/>
+      <dgm:whole/>
+    </dgm:dataModel>
+  </dgm:styleData>
+  <dgm:clrData>
+    <dgm:dataModel>
+      <dgm:ptLst>
+        <dgm:pt modelId="0" type="doc"/>
+        <dgm:pt modelId="10">
+          <dgm:prSet phldr="1"/>
+        </dgm:pt>
+        <dgm:pt modelId="11">
+          <dgm:prSet phldr="1"/>
+        </dgm:pt>
+        <dgm:pt modelId="12">
+          <dgm:prSet phldr="1"/>
+        </dgm:pt>
+      </dgm:ptLst>
+      <dgm:cxnLst>
+        <dgm:cxn modelId="20" srcId="0" destId="10" srcOrd="0" destOrd="0"/>
+        <dgm:cxn modelId="21" srcId="10" destId="11" srcOrd="0" destOrd="0"/>
+        <dgm:cxn modelId="22" srcId="10" destId="12" srcOrd="0" destOrd="0"/>
+      </dgm:cxnLst>
+      <dgm:bg/>
+      <dgm:whole/>
+    </dgm:dataModel>
+  </dgm:clrData>
+  <dgm:layoutNode name="Name0">
+    <dgm:varLst>
+      <dgm:chMax val="1"/>
+      <dgm:chPref val="1"/>
+    </dgm:varLst>
+    <dgm:shape xmlns:r="http://schemas.openxmlformats.org/officeDocument/2006/relationships" r:blip="">
+      <dgm:adjLst/>
+    </dgm:shape>
+    <dgm:choose name="Name1">
+      <dgm:if name="Name2" axis="ch ch" ptType="node node" func="cnt" op="equ" val="0">
+        <dgm:alg type="composite">
+          <dgm:param type="ar" val="0.98"/>
+        </dgm:alg>
+        <dgm:constrLst>
+          <dgm:constr type="primFontSz" for="des" ptType="node" op="equ" val="65"/>
+          <dgm:constr type="l" for="ch" forName="Parent" refType="w" fact="0"/>
+          <dgm:constr type="t" for="ch" forName="Parent" refType="h" fact="0.039"/>
+          <dgm:constr type="w" for="ch" forName="Parent" refType="w" fact="0.8734"/>
+          <dgm:constr type="h" for="ch" forName="Parent" refType="h" fact="0.856"/>
+          <dgm:constr type="l" for="ch" forName="Accent1" refType="w" fact="0.4984"/>
+          <dgm:constr type="t" for="ch" forName="Accent1" refType="h" fact="0"/>
+          <dgm:constr type="w" for="ch" forName="Accent1" refType="w" fact="0.0972"/>
+          <dgm:constr type="h" for="ch" forName="Accent1" refType="h" fact="0.0952"/>
+          <dgm:constr type="l" for="ch" forName="Accent2" refType="w" fact="0.2684"/>
+          <dgm:constr type="t" for="ch" forName="Accent2" refType="h" fact="0.8314"/>
+          <dgm:constr type="w" for="ch" forName="Accent2" refType="w" fact="0.0704"/>
+          <dgm:constr type="h" for="ch" forName="Accent2" refType="h" fact="0.069"/>
+          <dgm:constr type="l" for="ch" forName="Accent3" refType="w" fact="0.9296"/>
+          <dgm:constr type="t" for="ch" forName="Accent3" refType="h" fact="0.3864"/>
+          <dgm:constr type="w" for="ch" forName="Accent3" refType="w" fact="0.0704"/>
+          <dgm:constr type="h" for="ch" forName="Accent3" refType="h" fact="0.069"/>
+          <dgm:constr type="l" for="ch" forName="Accent4" refType="w" fact="0.5931"/>
+          <dgm:constr type="t" for="ch" forName="Accent4" refType="h" fact="0.9048"/>
+          <dgm:constr type="w" for="ch" forName="Accent4" refType="w" fact="0.0972"/>
+          <dgm:constr type="h" for="ch" forName="Accent4" refType="h" fact="0.0952"/>
+          <dgm:constr type="l" for="ch" forName="Accent5" refType="w" fact="0.2883"/>
+          <dgm:constr type="t" for="ch" forName="Accent5" refType="h" fact="0.1353"/>
+          <dgm:constr type="w" for="ch" forName="Accent5" refType="w" fact="0.0704"/>
+          <dgm:constr type="h" for="ch" forName="Accent5" refType="h" fact="0.069"/>
+          <dgm:constr type="l" for="ch" forName="Accent6" refType="w" fact="0.0666"/>
+          <dgm:constr type="t" for="ch" forName="Accent6" refType="h" fact="0.53"/>
+          <dgm:constr type="w" for="ch" forName="Accent6" refType="w" fact="0.0704"/>
+          <dgm:constr type="h" for="ch" forName="Accent6" refType="h" fact="0.069"/>
+        </dgm:constrLst>
+      </dgm:if>
+      <dgm:if name="Name3" axis="ch ch" ptType="node node" func="cnt" op="equ" val="1">
+        <dgm:alg type="composite">
+          <dgm:param type="ar" val="1.2476"/>
+        </dgm:alg>
+        <dgm:constrLst>
+          <dgm:constr type="primFontSz" for="des" ptType="node" op="equ" val="65"/>
+          <dgm:constr type="l" for="ch" forName="Parent" refType="w" fact="0.2145"/>
+          <dgm:constr type="t" for="ch" forName="Parent" refType="h" fact="0.039"/>
+          <dgm:constr type="w" for="ch" forName="Parent" refType="w" fact="0.6861"/>
+          <dgm:constr type="h" for="ch" forName="Parent" refType="h" fact="0.856"/>
+          <dgm:constr type="l" for="ch" forName="Accent8" refType="w" fact="0.0262"/>
+          <dgm:constr type="t" for="ch" forName="Accent8" refType="h" fact="0.6434"/>
+          <dgm:constr type="w" for="ch" forName="Accent8" refType="w" fact="0.138"/>
+          <dgm:constr type="h" for="ch" forName="Accent8" refType="h" fact="0.1721"/>
+          <dgm:constr type="l" for="ch" forName="Accent1" refType="w" fact="0.6059"/>
+          <dgm:constr type="t" for="ch" forName="Accent1" refType="h" fact="0"/>
+          <dgm:constr type="w" for="ch" forName="Accent1" refType="w" fact="0.0763"/>
+          <dgm:constr type="h" for="ch" forName="Accent1" refType="h" fact="0.0952"/>
+          <dgm:constr type="l" for="ch" forName="Accent2" refType="w" fact="0.4253"/>
+          <dgm:constr type="t" for="ch" forName="Accent2" refType="h" fact="0.8314"/>
+          <dgm:constr type="w" for="ch" forName="Accent2" refType="w" fact="0.0553"/>
+          <dgm:constr type="h" for="ch" forName="Accent2" refType="h" fact="0.069"/>
+          <dgm:constr type="l" for="ch" forName="Accent3" refType="w" fact="0.9447"/>
+          <dgm:constr type="t" for="ch" forName="Accent3" refType="h" fact="0.3864"/>
+          <dgm:constr type="w" for="ch" forName="Accent3" refType="w" fact="0.0553"/>
+          <dgm:constr type="h" for="ch" forName="Accent3" refType="h" fact="0.069"/>
+          <dgm:constr type="l" for="ch" forName="Child1" refType="w" fact="0"/>
+          <dgm:constr type="t" for="ch" forName="Child1" refType="h" fact="0.1935"/>
+          <dgm:constr type="w" for="ch" forName="Child1" refType="w" fact="0.2789"/>
+          <dgm:constr type="h" for="ch" forName="Child1" refType="h" fact="0.3479"/>
+          <dgm:constr type="l" for="ch" forName="Accent4" refType="w" fact="0.6803"/>
+          <dgm:constr type="t" for="ch" forName="Accent4" refType="h" fact="0.9048"/>
+          <dgm:constr type="w" for="ch" forName="Accent4" refType="w" fact="0.0763"/>
+          <dgm:constr type="h" for="ch" forName="Accent4" refType="h" fact="0.0952"/>
+          <dgm:constr type="l" for="ch" forName="Accent7" refType="w" fact="0.5287"/>
+          <dgm:constr type="t" for="ch" forName="Accent7" refType="h" fact="0.1383"/>
+          <dgm:constr type="w" for="ch" forName="Accent7" refType="w" fact="0.0763"/>
+          <dgm:constr type="h" for="ch" forName="Accent7" refType="h" fact="0.0952"/>
+          <dgm:constr type="l" for="ch" forName="Accent5" refType="w" fact="0.4409"/>
+          <dgm:constr type="t" for="ch" forName="Accent5" refType="h" fact="0.1353"/>
+          <dgm:constr type="w" for="ch" forName="Accent5" refType="w" fact="0.0553"/>
+          <dgm:constr type="h" for="ch" forName="Accent5" refType="h" fact="0.069"/>
+          <dgm:constr type="l" for="ch" forName="Accent6" refType="w" fact="0.2668"/>
+          <dgm:constr type="t" for="ch" forName="Accent6" refType="h" fact="0.53"/>
+          <dgm:constr type="w" for="ch" forName="Accent6" refType="w" fact="0.0553"/>
+          <dgm:constr type="h" for="ch" forName="Accent6" refType="h" fact="0.069"/>
+        </dgm:constrLst>
+      </dgm:if>
+      <dgm:if name="Name4" axis="ch ch" ptType="node node" func="cnt" op="equ" val="2">
+        <dgm:alg type="composite">
+          <dgm:param type="ar" val="1.592"/>
+        </dgm:alg>
+        <dgm:constrLst>
+          <dgm:constr type="primFontSz" for="des" ptType="node" op="equ" val="65"/>
+          <dgm:constr type="l" for="ch" forName="Parent" refType="w" fact="0.1886"/>
+          <dgm:constr type="t" for="ch" forName="Parent" refType="h" fact="0.039"/>
+          <dgm:constr type="w" for="ch" forName="Parent" refType="w" fact="0.5377"/>
+          <dgm:constr type="h" for="ch" forName="Parent" refType="h" fact="0.856"/>
+          <dgm:constr type="l" for="ch" forName="Accent8" refType="w" fact="0.0411"/>
+          <dgm:constr type="t" for="ch" forName="Accent8" refType="h" fact="0.6434"/>
+          <dgm:constr type="w" for="ch" forName="Accent8" refType="w" fact="0.1081"/>
+          <dgm:constr type="h" for="ch" forName="Accent8" refType="h" fact="0.1721"/>
+          <dgm:constr type="l" for="ch" forName="Accent1" refType="w" fact="0.4954"/>
+          <dgm:constr type="t" for="ch" forName="Accent1" refType="h" fact="0"/>
+          <dgm:constr type="w" for="ch" forName="Accent1" refType="w" fact="0.0598"/>
+          <dgm:constr type="h" for="ch" forName="Accent1" refType="h" fact="0.0952"/>
+          <dgm:constr type="l" for="ch" forName="Accent2" refType="w" fact="0.3538"/>
+          <dgm:constr type="t" for="ch" forName="Accent2" refType="h" fact="0.8314"/>
+          <dgm:constr type="w" for="ch" forName="Accent2" refType="w" fact="0.0433"/>
+          <dgm:constr type="h" for="ch" forName="Accent2" refType="h" fact="0.069"/>
+          <dgm:constr type="l" for="ch" forName="Accent3" refType="w" fact="0.7609"/>
+          <dgm:constr type="t" for="ch" forName="Accent3" refType="h" fact="0.3864"/>
+          <dgm:constr type="w" for="ch" forName="Accent3" refType="w" fact="0.0433"/>
+          <dgm:constr type="h" for="ch" forName="Accent3" refType="h" fact="0.069"/>
+          <dgm:constr type="l" for="ch" forName="Accent9" refType="w" fact="0.6839"/>
+          <dgm:constr type="t" for="ch" forName="Accent9" refType="h" fact="0.27"/>
+          <dgm:constr type="w" for="ch" forName="Accent9" refType="w" fact="0.0598"/>
+          <dgm:constr type="h" for="ch" forName="Accent9" refType="h" fact="0.0952"/>
+          <dgm:constr type="l" for="ch" forName="Child1" refType="w" fact="0.0206"/>
+          <dgm:constr type="t" for="ch" forName="Child1" refType="h" fact="0.1935"/>
+          <dgm:constr type="w" for="ch" forName="Child1" refType="w" fact="0.2186"/>
+          <dgm:constr type="h" for="ch" forName="Child1" refType="h" fact="0.3479"/>
+          <dgm:constr type="l" for="ch" forName="Child2" refType="w" fact="0.7814"/>
+          <dgm:constr type="t" for="ch" forName="Child2" refType="h" fact="0.0298"/>
+          <dgm:constr type="w" for="ch" forName="Child2" refType="w" fact="0.2186"/>
+          <dgm:constr type="h" for="ch" forName="Child2" refType="h" fact="0.3479"/>
+          <dgm:constr type="l" for="ch" forName="Accent10" refType="w" fact="0"/>
+          <dgm:constr type="t" for="ch" forName="Accent10" refType="h" fact="0.8482"/>
+          <dgm:constr type="w" for="ch" forName="Accent10" refType="w" fact="0.0433"/>
+          <dgm:constr type="h" for="ch" forName="Accent10" refType="h" fact="0.069"/>
+          <dgm:constr type="l" for="ch" forName="Accent11" refType="w" fact="0.4318"/>
+          <dgm:constr type="t" for="ch" forName="Accent11" refType="h" fact="0.75"/>
+          <dgm:constr type="w" for="ch" forName="Accent11" refType="w" fact="0.0433"/>
+          <dgm:constr type="h" for="ch" forName="Accent11" refType="h" fact="0.069"/>
+          <dgm:constr type="l" for="ch" forName="Accent7" refType="w" fact="0.4349"/>
+          <dgm:constr type="t" for="ch" forName="Accent7" refType="h" fact="0.1383"/>
+          <dgm:constr type="w" for="ch" forName="Accent7" refType="w" fact="0.0598"/>
+          <dgm:constr type="h" for="ch" forName="Accent7" refType="h" fact="0.0952"/>
+          <dgm:constr type="l" for="ch" forName="Accent5" refType="w" fact="0.3661"/>
+          <dgm:constr type="t" for="ch" forName="Accent5" refType="h" fact="0.1353"/>
+          <dgm:constr type="w" for="ch" forName="Accent5" refType="w" fact="0.0433"/>
+          <dgm:constr type="h" for="ch" forName="Accent5" refType="h" fact="0.069"/>
+          <dgm:constr type="l" for="ch" forName="Accent6" refType="w" fact="0.2296"/>
+          <dgm:constr type="t" for="ch" forName="Accent6" refType="h" fact="0.53"/>
+          <dgm:constr type="w" for="ch" forName="Accent6" refType="w" fact="0.0433"/>
+          <dgm:constr type="h" for="ch" forName="Accent6" refType="h" fact="0.069"/>
+          <dgm:constr type="l" for="ch" forName="Accent4" refType="w" fact="0.5537"/>
+          <dgm:constr type="t" for="ch" forName="Accent4" refType="h" fact="0.9048"/>
+          <dgm:constr type="w" for="ch" forName="Accent4" refType="w" fact="0.0598"/>
+          <dgm:constr type="h" for="ch" forName="Accent4" refType="h" fact="0.0952"/>
+        </dgm:constrLst>
+      </dgm:if>
+      <dgm:if name="Name5" axis="ch ch" ptType="node node" func="cnt" op="equ" val="3">
+        <dgm:alg type="composite">
+          <dgm:param type="ar" val="1.7557"/>
+        </dgm:alg>
+        <dgm:constrLst>
+          <dgm:constr type="primFontSz" for="des" ptType="node" op="equ" val="65"/>
+          <dgm:constr type="l" for="ch" forName="Parent" refType="w" fact="0.171"/>
+          <dgm:constr type="t" for="ch" forName="Parent" refType="h" fact="0.039"/>
+          <dgm:constr type="w" for="ch" forName="Parent" refType="w" fact="0.4875"/>
+          <dgm:constr type="h" for="ch" forName="Parent" refType="h" fact="0.856"/>
+          <dgm:constr type="l" for="ch" forName="Accent8" refType="w" fact="0.0373"/>
+          <dgm:constr type="t" for="ch" forName="Accent8" refType="h" fact="0.6434"/>
+          <dgm:constr type="w" for="ch" forName="Accent8" refType="w" fact="0.098"/>
+          <dgm:constr type="h" for="ch" forName="Accent8" refType="h" fact="0.1721"/>
+          <dgm:constr type="l" for="ch" forName="Accent1" refType="w" fact="0.4492"/>
+          <dgm:constr type="t" for="ch" forName="Accent1" refType="h" fact="0"/>
+          <dgm:constr type="w" for="ch" forName="Accent1" refType="w" fact="0.0542"/>
+          <dgm:constr type="h" for="ch" forName="Accent1" refType="h" fact="0.0952"/>
+          <dgm:constr type="l" for="ch" forName="Accent2" refType="w" fact="0.3209"/>
+          <dgm:constr type="t" for="ch" forName="Accent2" refType="h" fact="0.8314"/>
+          <dgm:constr type="w" for="ch" forName="Accent2" refType="w" fact="0.0393"/>
+          <dgm:constr type="h" for="ch" forName="Accent2" refType="h" fact="0.069"/>
+          <dgm:constr type="l" for="ch" forName="Accent3" refType="w" fact="0.6899"/>
+          <dgm:constr type="t" for="ch" forName="Accent3" refType="h" fact="0.3864"/>
+          <dgm:constr type="w" for="ch" forName="Accent3" refType="w" fact="0.0393"/>
+          <dgm:constr type="h" for="ch" forName="Accent3" refType="h" fact="0.069"/>
+          <dgm:constr type="l" for="ch" forName="Accent9" refType="w" fact="0.6201"/>
+          <dgm:constr type="t" for="ch" forName="Accent9" refType="h" fact="0.27"/>
+          <dgm:constr type="w" for="ch" forName="Accent9" refType="w" fact="0.0542"/>
+          <dgm:constr type="h" for="ch" forName="Accent9" refType="h" fact="0.0952"/>
+          <dgm:constr type="l" for="ch" forName="Child1" refType="w" fact="0.0186"/>
+          <dgm:constr type="t" for="ch" forName="Child1" refType="h" fact="0.1935"/>
+          <dgm:constr type="w" for="ch" forName="Child1" refType="w" fact="0.1982"/>
+          <dgm:constr type="h" for="ch" forName="Child1" refType="h" fact="0.3479"/>
+          <dgm:constr type="l" for="ch" forName="Child2" refType="w" fact="0.7086"/>
+          <dgm:constr type="t" for="ch" forName="Child2" refType="h" fact="0.0298"/>
+          <dgm:constr type="w" for="ch" forName="Child2" refType="w" fact="0.1982"/>
+          <dgm:constr type="h" for="ch" forName="Child2" refType="h" fact="0.3479"/>
+          <dgm:constr type="l" for="ch" forName="Child3" refType="w" fact="0.8018"/>
+          <dgm:constr type="t" for="ch" forName="Child3" refType="h" fact="0.6312"/>
+          <dgm:constr type="w" for="ch" forName="Child3" refType="w" fact="0.1982"/>
+          <dgm:constr type="h" for="ch" forName="Child3" refType="h" fact="0.3479"/>
+          <dgm:constr type="l" for="ch" forName="Accent12" refType="w" fact="0.7459"/>
+          <dgm:constr type="t" for="ch" forName="Accent12" refType="h" fact="0.619"/>
+          <dgm:constr type="w" for="ch" forName="Accent12" refType="w" fact="0.0393"/>
+          <dgm:constr type="h" for="ch" forName="Accent12" refType="h" fact="0.069"/>
+          <dgm:constr type="l" for="ch" forName="Accent4" refType="w" fact="0.5021"/>
+          <dgm:constr type="t" for="ch" forName="Accent4" refType="h" fact="0.9048"/>
+          <dgm:constr type="w" for="ch" forName="Accent4" refType="w" fact="0.0542"/>
+          <dgm:constr type="h" for="ch" forName="Accent4" refType="h" fact="0.0952"/>
+          <dgm:constr type="l" for="ch" forName="Accent10" refType="w" fact="0"/>
+          <dgm:constr type="t" for="ch" forName="Accent10" refType="h" fact="0.8482"/>
+          <dgm:constr type="w" for="ch" forName="Accent10" refType="w" fact="0.0393"/>
+          <dgm:constr type="h" for="ch" forName="Accent10" refType="h" fact="0.069"/>
+          <dgm:constr type="l" for="ch" forName="Accent11" refType="w" fact="0.3916"/>
+          <dgm:constr type="t" for="ch" forName="Accent11" refType="h" fact="0.75"/>
+          <dgm:constr type="w" for="ch" forName="Accent11" refType="w" fact="0.0393"/>
+          <dgm:constr type="h" for="ch" forName="Accent11" refType="h" fact="0.069"/>
+          <dgm:constr type="l" for="ch" forName="Accent7" refType="w" fact="0.3944"/>
+          <dgm:constr type="t" for="ch" forName="Accent7" refType="h" fact="0.1383"/>
+          <dgm:constr type="w" for="ch" forName="Accent7" refType="w" fact="0.0542"/>
+          <dgm:constr type="h" for="ch" forName="Accent7" refType="h" fact="0.0952"/>
+          <dgm:constr type="l" for="ch" forName="Accent5" refType="w" fact="0.3319"/>
+          <dgm:constr type="t" for="ch" forName="Accent5" refType="h" fact="0.1353"/>
+          <dgm:constr type="w" for="ch" forName="Accent5" refType="w" fact="0.0393"/>
+          <dgm:constr type="h" for="ch" forName="Accent5" refType="h" fact="0.069"/>
+          <dgm:constr type="l" for="ch" forName="Accent6" refType="w" fact="0.2082"/>
+          <dgm:constr type="t" for="ch" forName="Accent6" refType="h" fact="0.53"/>
+          <dgm:constr type="w" for="ch" forName="Accent6" refType="w" fact="0.0393"/>
+          <dgm:constr type="h" for="ch" forName="Accent6" refType="h" fact="0.069"/>
+        </dgm:constrLst>
+      </dgm:if>
+      <dgm:if name="Name6" axis="ch ch" ptType="node node" func="cnt" op="equ" val="4">
+        <dgm:alg type="composite">
+          <dgm:param type="ar" val="1.3749"/>
+        </dgm:alg>
+        <dgm:constrLst>
+          <dgm:constr type="primFontSz" for="des" ptType="node" op="equ" val="65"/>
+          <dgm:constr type="l" for="ch" forName="Parent" refType="w" fact="0.171"/>
+          <dgm:constr type="t" for="ch" forName="Parent" refType="h" fact="0.0306"/>
+          <dgm:constr type="w" for="ch" forName="Parent" refType="w" fact="0.4875"/>
+          <dgm:constr type="h" for="ch" forName="Parent" refType="h" fact="0.6703"/>
+          <dgm:constr type="l" for="ch" forName="Accent8" refType="w" fact="0.0373"/>
+          <dgm:constr type="t" for="ch" forName="Accent8" refType="h" fact="0.5038"/>
+          <dgm:constr type="w" for="ch" forName="Accent8" refType="w" fact="0.098"/>
+          <dgm:constr type="h" for="ch" forName="Accent8" refType="h" fact="0.1348"/>
+          <dgm:constr type="l" for="ch" forName="Accent1" refType="w" fact="0.4492"/>
+          <dgm:constr type="t" for="ch" forName="Accent1" refType="h" fact="0"/>
+          <dgm:constr type="w" for="ch" forName="Accent1" refType="w" fact="0.0542"/>
+          <dgm:constr type="h" for="ch" forName="Accent1" refType="h" fact="0.0746"/>
+          <dgm:constr type="l" for="ch" forName="Accent2" refType="w" fact="0.3209"/>
+          <dgm:constr type="t" for="ch" forName="Accent2" refType="h" fact="0.6511"/>
+          <dgm:constr type="w" for="ch" forName="Accent2" refType="w" fact="0.0393"/>
+          <dgm:constr type="h" for="ch" forName="Accent2" refType="h" fact="0.054"/>
+          <dgm:constr type="l" for="ch" forName="Accent3" refType="w" fact="0.6899"/>
+          <dgm:constr type="t" for="ch" forName="Accent3" refType="h" fact="0.3026"/>
+          <dgm:constr type="w" for="ch" forName="Accent3" refType="w" fact="0.0393"/>
+          <dgm:constr type="h" for="ch" forName="Accent3" refType="h" fact="0.054"/>
+          <dgm:constr type="l" for="ch" forName="Accent9" refType="w" fact="0.6201"/>
+          <dgm:constr type="t" for="ch" forName="Accent9" refType="h" fact="0.2115"/>
+          <dgm:constr type="w" for="ch" forName="Accent9" refType="w" fact="0.0542"/>
+          <dgm:constr type="h" for="ch" forName="Accent9" refType="h" fact="0.0746"/>
+          <dgm:constr type="l" for="ch" forName="Child1" refType="w" fact="0.0186"/>
+          <dgm:constr type="t" for="ch" forName="Child1" refType="h" fact="0.1515"/>
+          <dgm:constr type="w" for="ch" forName="Child1" refType="w" fact="0.1982"/>
+          <dgm:constr type="h" for="ch" forName="Child1" refType="h" fact="0.2725"/>
+          <dgm:constr type="l" for="ch" forName="Child2" refType="w" fact="0.7086"/>
+          <dgm:constr type="t" for="ch" forName="Child2" refType="h" fact="0.0233"/>
+          <dgm:constr type="w" for="ch" forName="Child2" refType="w" fact="0.1982"/>
+          <dgm:constr type="h" for="ch" forName="Child2" refType="h" fact="0.2725"/>
+          <dgm:constr type="l" for="ch" forName="Child3" refType="w" fact="0.8018"/>
+          <dgm:constr type="t" for="ch" forName="Child3" refType="h" fact="0.4943"/>
+          <dgm:constr type="w" for="ch" forName="Child3" refType="w" fact="0.1982"/>
+          <dgm:constr type="h" for="ch" forName="Child3" refType="h" fact="0.2725"/>
+          <dgm:constr type="l" for="ch" forName="Accent12" refType="w" fact="0.7459"/>
+          <dgm:constr type="t" for="ch" forName="Accent12" refType="h" fact="0.4848"/>
+          <dgm:constr type="w" for="ch" forName="Accent12" refType="w" fact="0.0393"/>
+          <dgm:constr type="h" for="ch" forName="Accent12" refType="h" fact="0.054"/>
+          <dgm:constr type="l" for="ch" forName="Accent4" refType="w" fact="0.5021"/>
+          <dgm:constr type="t" for="ch" forName="Accent4" refType="h" fact="0.7085"/>
+          <dgm:constr type="w" for="ch" forName="Accent4" refType="w" fact="0.0542"/>
+          <dgm:constr type="h" for="ch" forName="Accent4" refType="h" fact="0.0746"/>
+          <dgm:constr type="l" for="ch" forName="Accent10" refType="w" fact="0"/>
+          <dgm:constr type="t" for="ch" forName="Accent10" refType="h" fact="0.6642"/>
+          <dgm:constr type="w" for="ch" forName="Accent10" refType="w" fact="0.0393"/>
+          <dgm:constr type="h" for="ch" forName="Accent10" refType="h" fact="0.054"/>
+          <dgm:constr type="l" for="ch" forName="Accent11" refType="w" fact="0.3916"/>
+          <dgm:constr type="t" for="ch" forName="Accent11" refType="h" fact="0.5873"/>
+          <dgm:constr type="w" for="ch" forName="Accent11" refType="w" fact="0.0393"/>
+          <dgm:constr type="h" for="ch" forName="Accent11" refType="h" fact="0.054"/>
+          <dgm:constr type="l" for="ch" forName="Accent7" refType="w" fact="0.3944"/>
+          <dgm:constr type="t" for="ch" forName="Accent7" refType="h" fact="0.1083"/>
+          <dgm:constr type="w" for="ch" forName="Accent7" refType="w" fact="0.0542"/>
+          <dgm:constr type="h" for="ch" forName="Accent7" refType="h" fact="0.0746"/>
+          <dgm:constr type="l" for="ch" forName="Accent5" refType="w" fact="0.3319"/>
+          <dgm:constr type="t" for="ch" forName="Accent5" refType="h" fact="0.1059"/>
+          <dgm:constr type="w" for="ch" forName="Accent5" refType="w" fact="0.0393"/>
+          <dgm:constr type="h" for="ch" forName="Accent5" refType="h" fact="0.054"/>
+          <dgm:constr type="l" for="ch" forName="Accent6" refType="w" fact="0.2082"/>
+          <dgm:constr type="t" for="ch" forName="Accent6" refType="h" fact="0.4151"/>
+          <dgm:constr type="w" for="ch" forName="Accent6" refType="w" fact="0.0393"/>
+          <dgm:constr type="h" for="ch" forName="Accent6" refType="h" fact="0.054"/>
+          <dgm:constr type="l" for="ch" forName="Child4" refType="w" fact="0.2329"/>
+          <dgm:constr type="t" for="ch" forName="Child4" refType="h" fact="0.7275"/>
+          <dgm:constr type="w" for="ch" forName="Child4" refType="w" fact="0.1982"/>
+          <dgm:constr type="h" for="ch" forName="Child4" refType="h" fact="0.2725"/>
+          <dgm:constr type="l" for="ch" forName="Accent13" refType="w" fact="0.4099"/>
+          <dgm:constr type="t" for="ch" forName="Accent13" refType="h" fact="0.7183"/>
+          <dgm:constr type="w" for="ch" forName="Accent13" refType="w" fact="0.0393"/>
+          <dgm:constr type="h" for="ch" forName="Accent13" refType="h" fact="0.054"/>
+        </dgm:constrLst>
+      </dgm:if>
+      <dgm:else name="Name7">
+        <dgm:alg type="composite">
+          <dgm:param type="ar" val="1.1477"/>
+        </dgm:alg>
+        <dgm:constrLst>
+          <dgm:constr type="primFontSz" for="des" ptType="node" op="equ" val="65"/>
+          <dgm:constr type="l" for="ch" forName="Parent" refType="w" fact="0.171"/>
+          <dgm:constr type="t" for="ch" forName="Parent" refType="h" fact="0.1907"/>
+          <dgm:constr type="w" for="ch" forName="Parent" refType="w" fact="0.4875"/>
+          <dgm:constr type="h" for="ch" forName="Parent" refType="h" fact="0.5596"/>
+          <dgm:constr type="l" for="ch" forName="Accent8" refType="w" fact="0.0373"/>
+          <dgm:constr type="t" for="ch" forName="Accent8" refType="h" fact="0.5858"/>
+          <dgm:constr type="w" for="ch" forName="Accent8" refType="w" fact="0.098"/>
+          <dgm:constr type="h" for="ch" forName="Accent8" refType="h" fact="0.1125"/>
+          <dgm:constr type="l" for="ch" forName="Accent1" refType="w" fact="0.4492"/>
+          <dgm:constr type="t" for="ch" forName="Accent1" refType="h" fact="0.1652"/>
+          <dgm:constr type="w" for="ch" forName="Accent1" refType="w" fact="0.0542"/>
+          <dgm:constr type="h" for="ch" forName="Accent1" refType="h" fact="0.0623"/>
+          <dgm:constr type="l" for="ch" forName="Accent2" refType="w" fact="0.3209"/>
+          <dgm:constr type="t" for="ch" forName="Accent2" refType="h" fact="0.7087"/>
+          <dgm:constr type="w" for="ch" forName="Accent2" refType="w" fact="0.0393"/>
+          <dgm:constr type="h" for="ch" forName="Accent2" refType="h" fact="0.0451"/>
+          <dgm:constr type="l" for="ch" forName="Accent3" refType="w" fact="0.6899"/>
+          <dgm:constr type="t" for="ch" forName="Accent3" refType="h" fact="0.4178"/>
+          <dgm:constr type="w" for="ch" forName="Accent3" refType="w" fact="0.0393"/>
+          <dgm:constr type="h" for="ch" forName="Accent3" refType="h" fact="0.0451"/>
+          <dgm:constr type="l" for="ch" forName="Accent9" refType="w" fact="0.6201"/>
+          <dgm:constr type="t" for="ch" forName="Accent9" refType="h" fact="0.3417"/>
+          <dgm:constr type="w" for="ch" forName="Accent9" refType="w" fact="0.0542"/>
+          <dgm:constr type="h" for="ch" forName="Accent9" refType="h" fact="0.0623"/>
+          <dgm:constr type="l" for="ch" forName="Child1" refType="w" fact="0.0186"/>
+          <dgm:constr type="t" for="ch" forName="Child1" refType="h" fact="0.2917"/>
+          <dgm:constr type="w" for="ch" forName="Child1" refType="w" fact="0.1982"/>
+          <dgm:constr type="h" for="ch" forName="Child1" refType="h" fact="0.2275"/>
+          <dgm:constr type="l" for="ch" forName="Child2" refType="w" fact="0.7086"/>
+          <dgm:constr type="t" for="ch" forName="Child2" refType="h" fact="0.1847"/>
+          <dgm:constr type="w" for="ch" forName="Child2" refType="w" fact="0.1982"/>
+          <dgm:constr type="h" for="ch" forName="Child2" refType="h" fact="0.2275"/>
+          <dgm:constr type="l" for="ch" forName="Child3" refType="w" fact="0.8018"/>
+          <dgm:constr type="t" for="ch" forName="Child3" refType="h" fact="0.5778"/>
+          <dgm:constr type="w" for="ch" forName="Child3" refType="w" fact="0.1982"/>
+          <dgm:constr type="h" for="ch" forName="Child3" refType="h" fact="0.2275"/>
+          <dgm:constr type="l" for="ch" forName="Accent12" refType="w" fact="0.7459"/>
+          <dgm:constr type="t" for="ch" forName="Accent12" refType="h" fact="0.5699"/>
+          <dgm:constr type="w" for="ch" forName="Accent12" refType="w" fact="0.0393"/>
+          <dgm:constr type="h" for="ch" forName="Accent12" refType="h" fact="0.0451"/>
+          <dgm:constr type="l" for="ch" forName="Accent4" refType="w" fact="0.5021"/>
+          <dgm:constr type="t" for="ch" forName="Accent4" refType="h" fact="0.7567"/>
+          <dgm:constr type="w" for="ch" forName="Accent4" refType="w" fact="0.0542"/>
+          <dgm:constr type="h" for="ch" forName="Accent4" refType="h" fact="0.0623"/>
+          <dgm:constr type="l" for="ch" forName="Accent10" refType="w" fact="0"/>
+          <dgm:constr type="t" for="ch" forName="Accent10" refType="h" fact="0.7197"/>
+          <dgm:constr type="w" for="ch" forName="Accent10" refType="w" fact="0.0393"/>
+          <dgm:constr type="h" for="ch" forName="Accent10" refType="h" fact="0.0451"/>
+          <dgm:constr type="l" for="ch" forName="Accent11" refType="w" fact="0.3916"/>
+          <dgm:constr type="t" for="ch" forName="Accent11" refType="h" fact="0.6555"/>
+          <dgm:constr type="w" for="ch" forName="Accent11" refType="w" fact="0.0393"/>
+          <dgm:constr type="h" for="ch" forName="Accent11" refType="h" fact="0.0451"/>
+          <dgm:constr type="l" for="ch" forName="Accent7" refType="w" fact="0.3944"/>
+          <dgm:constr type="t" for="ch" forName="Accent7" refType="h" fact="0.2556"/>
+          <dgm:constr type="w" for="ch" forName="Accent7" refType="w" fact="0.0542"/>
+          <dgm:constr type="h" for="ch" forName="Accent7" refType="h" fact="0.0623"/>
+          <dgm:constr type="l" for="ch" forName="Accent5" refType="w" fact="0.3319"/>
+          <dgm:constr type="t" for="ch" forName="Accent5" refType="h" fact="0.2536"/>
+          <dgm:constr type="w" for="ch" forName="Accent5" refType="w" fact="0.0393"/>
+          <dgm:constr type="h" for="ch" forName="Accent5" refType="h" fact="0.0451"/>
+          <dgm:constr type="l" for="ch" forName="Accent6" refType="w" fact="0.2082"/>
+          <dgm:constr type="t" for="ch" forName="Accent6" refType="h" fact="0.5117"/>
+          <dgm:constr type="w" for="ch" forName="Accent6" refType="w" fact="0.0393"/>
+          <dgm:constr type="h" for="ch" forName="Accent6" refType="h" fact="0.0451"/>
+          <dgm:constr type="l" for="ch" forName="Child5" refType="w" fact="0.4219"/>
+          <dgm:constr type="t" for="ch" forName="Child5" refType="h" fact="0"/>
+          <dgm:constr type="w" for="ch" forName="Child5" refType="w" fact="0.1982"/>
+          <dgm:constr type="h" for="ch" forName="Child5" refType="h" fact="0.2275"/>
+          <dgm:constr type="l" for="ch" forName="Child4" refType="w" fact="0.2329"/>
+          <dgm:constr type="t" for="ch" forName="Child4" refType="h" fact="0.7725"/>
+          <dgm:constr type="w" for="ch" forName="Child4" refType="w" fact="0.1982"/>
+          <dgm:constr type="h" for="ch" forName="Child4" refType="h" fact="0.2275"/>
+          <dgm:constr type="l" for="ch" forName="Accent15" refType="w" fact="0.1775"/>
+          <dgm:constr type="t" for="ch" forName="Accent15" refType="h" fact="0.2466"/>
+          <dgm:constr type="w" for="ch" forName="Accent15" refType="w" fact="0.0393"/>
+          <dgm:constr type="h" for="ch" forName="Accent15" refType="h" fact="0.0451"/>
+          <dgm:constr type="l" for="ch" forName="Accent16" refType="w" fact="0.6351"/>
+          <dgm:constr type="t" for="ch" forName="Accent16" refType="h" fact="0.056"/>
+          <dgm:constr type="w" for="ch" forName="Accent16" refType="w" fact="0.0393"/>
+          <dgm:constr type="h" for="ch" forName="Accent16" refType="h" fact="0.0451"/>
+          <dgm:constr type="l" for="ch" forName="Accent13" refType="w" fact="0.4099"/>
+          <dgm:constr type="t" for="ch" forName="Accent13" refType="h" fact="0.7648"/>
+          <dgm:constr type="w" for="ch" forName="Accent13" refType="w" fact="0.0393"/>
+          <dgm:constr type="h" for="ch" forName="Accent13" refType="h" fact="0.0451"/>
+        </dgm:constrLst>
+      </dgm:else>
+    </dgm:choose>
+    <dgm:forEach name="wrapper" axis="self" ptType="parTrans">
+      <dgm:forEach name="accentRepeat1" axis="self">
+        <dgm:layoutNode name="AccentHold1" styleLbl="node1">
+          <dgm:alg type="sp"/>
+          <dgm:shape xmlns:r="http://schemas.openxmlformats.org/officeDocument/2006/relationships" type="ellipse" r:blip="">
+            <dgm:adjLst/>
+          </dgm:shape>
+          <dgm:presOf/>
+        </dgm:layoutNode>
+      </dgm:forEach>
+      <dgm:forEach name="accentRepeat2" axis="self">
+        <dgm:layoutNode name="AccentHold2" styleLbl="node1">
+          <dgm:alg type="sp"/>
+          <dgm:shape xmlns:r="http://schemas.openxmlformats.org/officeDocument/2006/relationships" type="ellipse" r:blip="">
+            <dgm:adjLst/>
+          </dgm:shape>
+          <dgm:presOf/>
+        </dgm:layoutNode>
+      </dgm:forEach>
+      <dgm:forEach name="accentRepeat3" axis="self">
+        <dgm:layoutNode name="AccentHold3" styleLbl="node1">
+          <dgm:alg type="sp"/>
+          <dgm:shape xmlns:r="http://schemas.openxmlformats.org/officeDocument/2006/relationships" type="ellipse" r:blip="">
+            <dgm:adjLst/>
+          </dgm:shape>
+          <dgm:presOf/>
+        </dgm:layoutNode>
+      </dgm:forEach>
+    </dgm:forEach>
+    <dgm:forEach name="Name8" axis="ch" ptType="node" cnt="1">
+      <dgm:layoutNode name="Parent" styleLbl="node0">
+        <dgm:varLst>
+          <dgm:chMax val="5"/>
+          <dgm:chPref val="5"/>
+        </dgm:varLst>
+        <dgm:alg type="tx"/>
+        <dgm:shape xmlns:r="http://schemas.openxmlformats.org/officeDocument/2006/relationships" type="ellipse" r:blip="">
+          <dgm:adjLst/>
+        </dgm:shape>
+        <dgm:presOf axis="self" ptType="node"/>
+        <dgm:constrLst>
+          <dgm:constr type="lMarg" refType="primFontSz" fact="0.3"/>
+          <dgm:constr type="rMarg" refType="primFontSz" fact="0.3"/>
+          <dgm:constr type="tMarg" refType="primFontSz" fact="0.3"/>
+          <dgm:constr type="bMarg" refType="primFontSz" fact="0.3"/>
+        </dgm:constrLst>
+        <dgm:ruleLst>
+          <dgm:rule type="primFontSz" val="5" fact="NaN" max="NaN"/>
+        </dgm:ruleLst>
+      </dgm:layoutNode>
+      <dgm:choose name="Name9">
+        <dgm:if name="Name10" axis="ch" ptType="node" func="cnt" op="lte" val="4">
+          <dgm:layoutNode name="Accent1" styleLbl="node1">
+            <dgm:alg type="sp"/>
+            <dgm:shape xmlns:r="http://schemas.openxmlformats.org/officeDocument/2006/relationships" type="ellipse" r:blip="">
+              <dgm:adjLst/>
+            </dgm:shape>
+            <dgm:presOf/>
+            <dgm:constrLst/>
+          </dgm:layoutNode>
+        </dgm:if>
+        <dgm:else name="Name11"/>
+      </dgm:choose>
+      <dgm:layoutNode name="Accent2" styleLbl="node1">
+        <dgm:alg type="sp"/>
+        <dgm:shape xmlns:r="http://schemas.openxmlformats.org/officeDocument/2006/relationships" type="ellipse" r:blip="">
+          <dgm:adjLst/>
+        </dgm:shape>
+        <dgm:presOf/>
+        <dgm:constrLst/>
+      </dgm:layoutNode>
+      <dgm:layoutNode name="Accent3" styleLbl="node1">
+        <dgm:alg type="sp"/>
+        <dgm:shape xmlns:r="http://schemas.openxmlformats.org/officeDocument/2006/relationships" type="ellipse" r:blip="">
+          <dgm:adjLst/>
+        </dgm:shape>
+        <dgm:presOf/>
+        <dgm:constrLst/>
+      </dgm:layoutNode>
+      <dgm:layoutNode name="Accent4" styleLbl="node1">
+        <dgm:alg type="sp"/>
+        <dgm:shape xmlns:r="http://schemas.openxmlformats.org/officeDocument/2006/relationships" type="ellipse" r:blip="">
+          <dgm:adjLst/>
+        </dgm:shape>
+        <dgm:presOf/>
+        <dgm:constrLst/>
+      </dgm:layoutNode>
+      <dgm:layoutNode name="Accent5" styleLbl="node1">
+        <dgm:alg type="sp"/>
+        <dgm:shape xmlns:r="http://schemas.openxmlformats.org/officeDocument/2006/relationships" type="ellipse" r:blip="">
+          <dgm:adjLst/>
+        </dgm:shape>
+        <dgm:presOf/>
+        <dgm:constrLst/>
+      </dgm:layoutNode>
+      <dgm:layoutNode name="Accent6" styleLbl="node1">
+        <dgm:alg type="sp"/>
+        <dgm:shape xmlns:r="http://schemas.openxmlformats.org/officeDocument/2006/relationships" type="ellipse" r:blip="">
+          <dgm:adjLst/>
+        </dgm:shape>
+        <dgm:presOf/>
+        <dgm:constrLst/>
+      </dgm:layoutNode>
+    </dgm:forEach>
+    <dgm:forEach name="Name12" axis="ch ch" ptType="node node" st="1 1" cnt="1 1">
+      <dgm:layoutNode name="Child1" styleLbl="node1">
+        <dgm:varLst>
+          <dgm:chMax val="0"/>
+          <dgm:chPref val="0"/>
+        </dgm:varLst>
+        <dgm:alg type="tx">
+          <dgm:param type="shpTxLTRAlignCh" val="ctr"/>
+          <dgm:param type="txAnchorVertCh" val="mid"/>
+        </dgm:alg>
+        <dgm:shape xmlns:r="http://schemas.openxmlformats.org/officeDocument/2006/relationships" type="ellipse" r:blip="">
+          <dgm:adjLst/>
+        </dgm:shape>
+        <dgm:presOf axis="self" ptType="node"/>
+        <dgm:constrLst>
+          <dgm:constr type="lMarg" refType="primFontSz" fact="0.3"/>
+          <dgm:constr type="rMarg" refType="primFontSz" fact="0.3"/>
+          <dgm:constr type="tMarg" refType="primFontSz" fact="0.3"/>
+          <dgm:constr type="bMarg" refType="primFontSz" fact="0.3"/>
+        </dgm:constrLst>
+        <dgm:ruleLst>
+          <dgm:rule type="primFontSz" val="5" fact="NaN" max="NaN"/>
+        </dgm:ruleLst>
+      </dgm:layoutNode>
+      <dgm:layoutNode name="Accent7">
+        <dgm:alg type="sp"/>
+        <dgm:shape xmlns:r="http://schemas.openxmlformats.org/officeDocument/2006/relationships" r:blip="">
+          <dgm:adjLst/>
+        </dgm:shape>
+        <dgm:presOf/>
+        <dgm:constrLst/>
+        <dgm:forEach name="Name13" ref="accentRepeat1"/>
+      </dgm:layoutNode>
+      <dgm:layoutNode name="Accent8">
+        <dgm:alg type="sp"/>
+        <dgm:shape xmlns:r="http://schemas.openxmlformats.org/officeDocument/2006/relationships" r:blip="">
+          <dgm:adjLst/>
+        </dgm:shape>
+        <dgm:presOf/>
+        <dgm:constrLst/>
+        <dgm:forEach name="Name14" ref="accentRepeat2"/>
+      </dgm:layoutNode>
+    </dgm:forEach>
+    <dgm:forEach name="Name15" axis="ch ch" ptType="node node" st="1 2" cnt="1 1">
+      <dgm:layoutNode name="Child2" styleLbl="node1">
+        <dgm:varLst>
+          <dgm:chMax val="0"/>
+          <dgm:chPref val="0"/>
+        </dgm:varLst>
+        <dgm:alg type="tx">
+          <dgm:param type="shpTxLTRAlignCh" val="ctr"/>
+          <dgm:param type="txAnchorVertCh" val="mid"/>
+        </dgm:alg>
+        <dgm:shape xmlns:r="http://schemas.openxmlformats.org/officeDocument/2006/relationships" type="ellipse" r:blip="">
+          <dgm:adjLst/>
+        </dgm:shape>
+        <dgm:presOf axis="self" ptType="node"/>
+        <dgm:constrLst>
+          <dgm:constr type="lMarg" refType="primFontSz" fact="0.3"/>
+          <dgm:constr type="rMarg" refType="primFontSz" fact="0.3"/>
+          <dgm:constr type="tMarg" refType="primFontSz" fact="0.3"/>
+          <dgm:constr type="bMarg" refType="primFontSz" fact="0.3"/>
+        </dgm:constrLst>
+        <dgm:ruleLst>
+          <dgm:rule type="primFontSz" val="5" fact="NaN" max="NaN"/>
+        </dgm:ruleLst>
+      </dgm:layoutNode>
+      <dgm:layoutNode name="Accent9">
+        <dgm:alg type="sp"/>
+        <dgm:shape xmlns:r="http://schemas.openxmlformats.org/officeDocument/2006/relationships" r:blip="">
+          <dgm:adjLst/>
+        </dgm:shape>
+        <dgm:presOf/>
+        <dgm:constrLst/>
+        <dgm:forEach name="Name16" ref="accentRepeat1"/>
+      </dgm:layoutNode>
+      <dgm:layoutNode name="Accent10">
+        <dgm:alg type="sp"/>
+        <dgm:shape xmlns:r="http://schemas.openxmlformats.org/officeDocument/2006/relationships" r:blip="">
+          <dgm:adjLst/>
+        </dgm:shape>
+        <dgm:presOf/>
+        <dgm:constrLst/>
+        <dgm:forEach name="Name17" ref="accentRepeat2"/>
+      </dgm:layoutNode>
+      <dgm:layoutNode name="Accent11">
+        <dgm:alg type="sp"/>
+        <dgm:shape xmlns:r="http://schemas.openxmlformats.org/officeDocument/2006/relationships" r:blip="">
+          <dgm:adjLst/>
+        </dgm:shape>
+        <dgm:presOf/>
+        <dgm:constrLst/>
+        <dgm:forEach name="Name18" ref="accentRepeat3"/>
+      </dgm:layoutNode>
+    </dgm:forEach>
+    <dgm:forEach name="Name19" axis="ch ch" ptType="node node" st="1 3" cnt="1 1">
+      <dgm:layoutNode name="Child3" styleLbl="node1">
+        <dgm:varLst>
+          <dgm:chMax val="0"/>
+          <dgm:chPref val="0"/>
+        </dgm:varLst>
+        <dgm:alg type="tx">
+          <dgm:param type="shpTxLTRAlignCh" val="ctr"/>
+          <dgm:param type="txAnchorVertCh" val="mid"/>
+        </dgm:alg>
+        <dgm:shape xmlns:r="http://schemas.openxmlformats.org/officeDocument/2006/relationships" type="ellipse" r:blip="">
+          <dgm:adjLst/>
+        </dgm:shape>
+        <dgm:presOf axis="self" ptType="node"/>
+        <dgm:constrLst>
+          <dgm:constr type="lMarg" refType="primFontSz" fact="0.3"/>
+          <dgm:constr type="rMarg" refType="primFontSz" fact="0.3"/>
+          <dgm:constr type="tMarg" refType="primFontSz" fact="0.3"/>
+          <dgm:constr type="bMarg" refType="primFontSz" fact="0.3"/>
+        </dgm:constrLst>
+        <dgm:ruleLst>
+          <dgm:rule type="primFontSz" val="5" fact="NaN" max="NaN"/>
+        </dgm:ruleLst>
+      </dgm:layoutNode>
+      <dgm:layoutNode name="Accent12">
+        <dgm:alg type="sp"/>
+        <dgm:shape xmlns:r="http://schemas.openxmlformats.org/officeDocument/2006/relationships" r:blip="">
+          <dgm:adjLst/>
+        </dgm:shape>
+        <dgm:presOf/>
+        <dgm:constrLst/>
+        <dgm:forEach name="Name20" ref="accentRepeat1"/>
+      </dgm:layoutNode>
+    </dgm:forEach>
+    <dgm:forEach name="Name21" axis="ch ch" ptType="node node" st="1 4" cnt="1 1">
+      <dgm:layoutNode name="Child4" styleLbl="node1">
+        <dgm:varLst>
+          <dgm:chMax val="0"/>
+          <dgm:chPref val="0"/>
+        </dgm:varLst>
+        <dgm:alg type="tx">
+          <dgm:param type="shpTxLTRAlignCh" val="ctr"/>
+          <dgm:param type="txAnchorVertCh" val="mid"/>
+        </dgm:alg>
+        <dgm:shape xmlns:r="http://schemas.openxmlformats.org/officeDocument/2006/relationships" type="ellipse" r:blip="">
+          <dgm:adjLst/>
+        </dgm:shape>
+        <dgm:presOf axis="self" ptType="node"/>
+        <dgm:constrLst>
+          <dgm:constr type="lMarg" refType="primFontSz" fact="0.3"/>
+          <dgm:constr type="rMarg" refType="primFontSz" fact="0.3"/>
+          <dgm:constr type="tMarg" refType="primFontSz" fact="0.3"/>
+          <dgm:constr type="bMarg" refType="primFontSz" fact="0.3"/>
+        </dgm:constrLst>
+        <dgm:ruleLst>
+          <dgm:rule type="primFontSz" val="5" fact="NaN" max="NaN"/>
+        </dgm:ruleLst>
+      </dgm:layoutNode>
+      <dgm:layoutNode name="Accent13">
+        <dgm:alg type="sp"/>
+        <dgm:shape xmlns:r="http://schemas.openxmlformats.org/officeDocument/2006/relationships" r:blip="">
+          <dgm:adjLst/>
+        </dgm:shape>
+        <dgm:presOf/>
+        <dgm:constrLst/>
+        <dgm:forEach name="Name22" ref="accentRepeat1"/>
+      </dgm:layoutNode>
+    </dgm:forEach>
+    <dgm:forEach name="Name23" axis="ch ch" ptType="node node" st="1 5" cnt="1 1">
+      <dgm:layoutNode name="Child5" styleLbl="node1">
+        <dgm:varLst>
+          <dgm:chMax val="0"/>
+          <dgm:chPref val="0"/>
+        </dgm:varLst>
+        <dgm:alg type="tx">
+          <dgm:param type="shpTxLTRAlignCh" val="ctr"/>
+          <dgm:param type="txAnchorVertCh" val="mid"/>
+        </dgm:alg>
+        <dgm:shape xmlns:r="http://schemas.openxmlformats.org/officeDocument/2006/relationships" type="ellipse" r:blip="">
+          <dgm:adjLst/>
+        </dgm:shape>
+        <dgm:presOf axis="self" ptType="node"/>
+        <dgm:constrLst>
+          <dgm:constr type="lMarg" refType="primFontSz" fact="0.3"/>
+          <dgm:constr type="rMarg" refType="primFontSz" fact="0.3"/>
+          <dgm:constr type="tMarg" refType="primFontSz" fact="0.3"/>
+          <dgm:constr type="bMarg" refType="primFontSz" fact="0.3"/>
+        </dgm:constrLst>
+        <dgm:ruleLst>
+          <dgm:rule type="primFontSz" val="5" fact="NaN" max="NaN"/>
+        </dgm:ruleLst>
+      </dgm:layoutNode>
+      <dgm:layoutNode name="Accent15">
+        <dgm:alg type="sp"/>
+        <dgm:shape xmlns:r="http://schemas.openxmlformats.org/officeDocument/2006/relationships" r:blip="">
+          <dgm:adjLst/>
+        </dgm:shape>
+        <dgm:presOf/>
+        <dgm:constrLst/>
+        <dgm:forEach name="Name24" ref="accentRepeat2"/>
+      </dgm:layoutNode>
+      <dgm:layoutNode name="Accent16">
+        <dgm:alg type="sp"/>
+        <dgm:shape xmlns:r="http://schemas.openxmlformats.org/officeDocument/2006/relationships" r:blip="">
+          <dgm:adjLst/>
+        </dgm:shape>
+        <dgm:presOf/>
+        <dgm:constrLst/>
+        <dgm:forEach name="Name25" ref="accentRepeat3"/>
+      </dgm:layoutNode>
+    </dgm:forEach>
+  </dgm:layoutNode>
+</dgm:layoutDef>
+</file>
+
 <file path=ppt/diagrams/quickStyle1.xml><?xml version="1.0" encoding="utf-8"?>
+<dgm:styleDef xmlns:dgm="http://schemas.openxmlformats.org/drawingml/2006/diagram" xmlns:a="http://schemas.openxmlformats.org/drawingml/2006/main" uniqueId="urn:microsoft.com/office/officeart/2005/8/quickstyle/3d3">
+  <dgm:title val=""/>
+  <dgm:desc val=""/>
+  <dgm:catLst>
+    <dgm:cat type="3D" pri="11300"/>
+  </dgm:catLst>
+  <dgm:scene3d>
+    <a:camera prst="orthographicFront"/>
+    <a:lightRig rig="threePt" dir="t"/>
+  </dgm:scene3d>
+  <dgm:styleLbl name="node0">
+    <dgm:scene3d>
+      <a:camera prst="orthographicFront">
+        <a:rot lat="0" lon="0" rev="0"/>
+      </a:camera>
+      <a:lightRig rig="contrasting" dir="t">
+        <a:rot lat="0" lon="0" rev="1200000"/>
+      </a:lightRig>
+    </dgm:scene3d>
+    <dgm:sp3d contourW="19050" prstMaterial="metal">
+      <a:bevelT w="88900" h="203200"/>
+      <a:bevelB w="165100" h="254000"/>
+    </dgm:sp3d>
+    <dgm:txPr/>
+    <dgm:style>
+      <a:lnRef idx="0">
+        <a:scrgbClr r="0" g="0" b="0"/>
+      </a:lnRef>
+      <a:fillRef idx="1">
+        <a:scrgbClr r="0" g="0" b="0"/>
+      </a:fillRef>
+      <a:effectRef idx="1">
+        <a:scrgbClr r="0" g="0" b="0"/>
+      </a:effectRef>
+      <a:fontRef idx="minor">
+        <a:schemeClr val="lt1"/>
+      </a:fontRef>
+    </dgm:style>
+  </dgm:styleLbl>
+  <dgm:styleLbl name="lnNode1">
+    <dgm:scene3d>
+      <a:camera prst="orthographicFront">
+        <a:rot lat="0" lon="0" rev="0"/>
+      </a:camera>
+      <a:lightRig rig="contrasting" dir="t">
+        <a:rot lat="0" lon="0" rev="1200000"/>
+      </a:lightRig>
+    </dgm:scene3d>
+    <dgm:sp3d contourW="19050" prstMaterial="metal">
+      <a:bevelT w="88900" h="203200"/>
+      <a:bevelB w="165100" h="254000"/>
+    </dgm:sp3d>
+    <dgm:txPr/>
+    <dgm:style>
+      <a:lnRef idx="0">
+        <a:scrgbClr r="0" g="0" b="0"/>
+      </a:lnRef>
+      <a:fillRef idx="1">
+        <a:scrgbClr r="0" g="0" b="0"/>
+      </a:fillRef>
+      <a:effectRef idx="1">
+        <a:scrgbClr r="0" g="0" b="0"/>
+      </a:effectRef>
+      <a:fontRef idx="minor">
+        <a:schemeClr val="lt1"/>
+      </a:fontRef>
+    </dgm:style>
+  </dgm:styleLbl>
+  <dgm:styleLbl name="vennNode1">
+    <dgm:scene3d>
+      <a:camera prst="orthographicFront">
+        <a:rot lat="0" lon="0" rev="0"/>
+      </a:camera>
+      <a:lightRig rig="contrasting" dir="t">
+        <a:rot lat="0" lon="0" rev="1200000"/>
+      </a:lightRig>
+    </dgm:scene3d>
+    <dgm:sp3d contourW="12700" prstMaterial="clear">
+      <a:bevelT w="177800" h="254000"/>
+      <a:bevelB w="152400"/>
+    </dgm:sp3d>
+    <dgm:txPr/>
+    <dgm:style>
+      <a:lnRef idx="0">
+        <a:scrgbClr r="0" g="0" b="0"/>
+      </a:lnRef>
+      <a:fillRef idx="1">
+        <a:scrgbClr r="0" g="0" b="0"/>
+      </a:fillRef>
+      <a:effectRef idx="0">
+        <a:scrgbClr r="0" g="0" b="0"/>
+      </a:effectRef>
+      <a:fontRef idx="minor">
+        <a:schemeClr val="tx1"/>
+      </a:fontRef>
+    </dgm:style>
+  </dgm:styleLbl>
+  <dgm:styleLbl name="alignNode1">
+    <dgm:scene3d>
+      <a:camera prst="orthographicFront">
+        <a:rot lat="0" lon="0" rev="0"/>
+      </a:camera>
+      <a:lightRig rig="contrasting" dir="t">
+        <a:rot lat="0" lon="0" rev="1200000"/>
+      </a:lightRig>
+    </dgm:scene3d>
+    <dgm:sp3d contourW="19050" prstMaterial="metal">
+      <a:bevelT w="88900" h="203200"/>
+      <a:bevelB w="165100" h="254000"/>
+    </dgm:sp3d>
+    <dgm:txPr/>
+    <dgm:style>
+      <a:lnRef idx="0">
+        <a:scrgbClr r="0" g="0" b="0"/>
+      </a:lnRef>
+      <a:fillRef idx="1">
+        <a:scrgbClr r="0" g="0" b="0"/>
+      </a:fillRef>
+      <a:effectRef idx="2">
+        <a:scrgbClr r="0" g="0" b="0"/>
+      </a:effectRef>
+      <a:fontRef idx="minor">
+        <a:schemeClr val="lt1"/>
+      </a:fontRef>
+    </dgm:style>
+  </dgm:styleLbl>
+  <dgm:styleLbl name="node1">
+    <dgm:scene3d>
+      <a:camera prst="orthographicFront">
+        <a:rot lat="0" lon="0" rev="0"/>
+      </a:camera>
+      <a:lightRig rig="contrasting" dir="t">
+        <a:rot lat="0" lon="0" rev="1200000"/>
+      </a:lightRig>
+    </dgm:scene3d>
+    <dgm:sp3d contourW="19050" prstMaterial="metal">
+      <a:bevelT w="88900" h="203200"/>
+      <a:bevelB w="165100" h="254000"/>
+    </dgm:sp3d>
+    <dgm:txPr/>
+    <dgm:style>
+      <a:lnRef idx="0">
+        <a:scrgbClr r="0" g="0" b="0"/>
+      </a:lnRef>
+      <a:fillRef idx="1">
+        <a:scrgbClr r="0" g="0" b="0"/>
+      </a:fillRef>
+      <a:effectRef idx="2">
+        <a:scrgbClr r="0" g="0" b="0"/>
+      </a:effectRef>
+      <a:fontRef idx="minor">
+        <a:schemeClr val="lt1"/>
+      </a:fontRef>
+    </dgm:style>
+  </dgm:styleLbl>
+  <dgm:styleLbl name="node2">
+    <dgm:scene3d>
+      <a:camera prst="orthographicFront">
+        <a:rot lat="0" lon="0" rev="0"/>
+      </a:camera>
+      <a:lightRig rig="contrasting" dir="t">
+        <a:rot lat="0" lon="0" rev="1200000"/>
+      </a:lightRig>
+    </dgm:scene3d>
+    <dgm:sp3d contourW="19050" prstMaterial="metal">
+      <a:bevelT w="88900" h="203200"/>
+      <a:bevelB w="165100" h="254000"/>
+    </dgm:sp3d>
+    <dgm:txPr/>
+    <dgm:style>
+      <a:lnRef idx="0">
+        <a:scrgbClr r="0" g="0" b="0"/>
+      </a:lnRef>
+      <a:fillRef idx="1">
+        <a:scrgbClr r="0" g="0" b="0"/>
+      </a:fillRef>
+      <a:effectRef idx="1">
+        <a:scrgbClr r="0" g="0" b="0"/>
+      </a:effectRef>
+      <a:fontRef idx="minor">
+        <a:schemeClr val="lt1"/>
+      </a:fontRef>
+    </dgm:style>
+  </dgm:styleLbl>
+  <dgm:styleLbl name="node3">
+    <dgm:scene3d>
+      <a:camera prst="orthographicFront">
+        <a:rot lat="0" lon="0" rev="0"/>
+      </a:camera>
+      <a:lightRig rig="contrasting" dir="t">
+        <a:rot lat="0" lon="0" rev="1200000"/>
+      </a:lightRig>
+    </dgm:scene3d>
+    <dgm:sp3d contourW="19050" prstMaterial="metal">
+      <a:bevelT w="88900" h="203200"/>
+      <a:bevelB w="165100" h="254000"/>
+    </dgm:sp3d>
+    <dgm:txPr/>
+    <dgm:style>
+      <a:lnRef idx="0">
+        <a:scrgbClr r="0" g="0" b="0"/>
+      </a:lnRef>
+      <a:fillRef idx="1">
+        <a:scrgbClr r="0" g="0" b="0"/>
+      </a:fillRef>
+      <a:effectRef idx="1">
+        <a:scrgbClr r="0" g="0" b="0"/>
+      </a:effectRef>
+      <a:fontRef idx="minor">
+        <a:schemeClr val="lt1"/>
+      </a:fontRef>
+    </dgm:style>
+  </dgm:styleLbl>
+  <dgm:styleLbl name="node4">
+    <dgm:scene3d>
+      <a:camera prst="orthographicFront">
+        <a:rot lat="0" lon="0" rev="0"/>
+      </a:camera>
+      <a:lightRig rig="contrasting" dir="t">
+        <a:rot lat="0" lon="0" rev="1200000"/>
+      </a:lightRig>
+    </dgm:scene3d>
+    <dgm:sp3d contourW="19050" prstMaterial="metal">
+      <a:bevelT w="88900" h="203200"/>
+      <a:bevelB w="165100" h="254000"/>
+    </dgm:sp3d>
+    <dgm:txPr/>
+    <dgm:style>
+      <a:lnRef idx="0">
+        <a:scrgbClr r="0" g="0" b="0"/>
+      </a:lnRef>
+      <a:fillRef idx="1">
+        <a:scrgbClr r="0" g="0" b="0"/>
+      </a:fillRef>
+      <a:effectRef idx="1">
+        <a:scrgbClr r="0" g="0" b="0"/>
+      </a:effectRef>
+      <a:fontRef idx="minor">
+        <a:schemeClr val="lt1"/>
+      </a:fontRef>
+    </dgm:style>
+  </dgm:styleLbl>
+  <dgm:styleLbl name="fgImgPlace1">
+    <dgm:scene3d>
+      <a:camera prst="orthographicFront">
+        <a:rot lat="0" lon="0" rev="0"/>
+      </a:camera>
+      <a:lightRig rig="contrasting" dir="t">
+        <a:rot lat="0" lon="0" rev="1200000"/>
+      </a:lightRig>
+    </dgm:scene3d>
+    <dgm:sp3d z="300000" contourW="19050" prstMaterial="metal">
+      <a:bevelT w="88900" h="203200"/>
+      <a:bevelB w="165100" h="254000"/>
+    </dgm:sp3d>
+    <dgm:txPr/>
+    <dgm:style>
+      <a:lnRef idx="0">
+        <a:scrgbClr r="0" g="0" b="0"/>
+      </a:lnRef>
+      <a:fillRef idx="1">
+        <a:scrgbClr r="0" g="0" b="0"/>
+      </a:fillRef>
+      <a:effectRef idx="1">
+        <a:scrgbClr r="0" g="0" b="0"/>
+      </a:effectRef>
+      <a:fontRef idx="minor"/>
+    </dgm:style>
+  </dgm:styleLbl>
+  <dgm:styleLbl name="alignImgPlace1">
+    <dgm:scene3d>
+      <a:camera prst="orthographicFront">
+        <a:rot lat="0" lon="0" rev="0"/>
+      </a:camera>
+      <a:lightRig rig="contrasting" dir="t">
+        <a:rot lat="0" lon="0" rev="1200000"/>
+      </a:lightRig>
+    </dgm:scene3d>
+    <dgm:sp3d contourW="12700" prstMaterial="flat">
+      <a:bevelT w="177800" h="254000"/>
+      <a:bevelB w="152400"/>
+    </dgm:sp3d>
+    <dgm:txPr/>
+    <dgm:style>
+      <a:lnRef idx="0">
+        <a:scrgbClr r="0" g="0" b="0"/>
+      </a:lnRef>
+      <a:fillRef idx="1">
+        <a:scrgbClr r="0" g="0" b="0"/>
+      </a:fillRef>
+      <a:effectRef idx="1">
+        <a:scrgbClr r="0" g="0" b="0"/>
+      </a:effectRef>
+      <a:fontRef idx="minor"/>
+    </dgm:style>
+  </dgm:styleLbl>
+  <dgm:styleLbl name="bgImgPlace1">
+    <dgm:scene3d>
+      <a:camera prst="orthographicFront">
+        <a:rot lat="0" lon="0" rev="0"/>
+      </a:camera>
+      <a:lightRig rig="contrasting" dir="t">
+        <a:rot lat="0" lon="0" rev="1200000"/>
+      </a:lightRig>
+    </dgm:scene3d>
+    <dgm:sp3d z="-300000" contourW="19050" prstMaterial="metal">
+      <a:bevelT w="88900" h="203200"/>
+      <a:bevelB w="165100" h="254000"/>
+    </dgm:sp3d>
+    <dgm:txPr/>
+    <dgm:style>
+      <a:lnRef idx="0">
+        <a:scrgbClr r="0" g="0" b="0"/>
+      </a:lnRef>
+      <a:fillRef idx="1">
+        <a:scrgbClr r="0" g="0" b="0"/>
+      </a:fillRef>
+      <a:effectRef idx="1">
+        <a:scrgbClr r="0" g="0" b="0"/>
+      </a:effectRef>
+      <a:fontRef idx="minor"/>
+    </dgm:style>
+  </dgm:styleLbl>
+  <dgm:styleLbl name="sibTrans2D1">
+    <dgm:scene3d>
+      <a:camera prst="orthographicFront">
+        <a:rot lat="0" lon="0" rev="0"/>
+      </a:camera>
+      <a:lightRig rig="contrasting" dir="t">
+        <a:rot lat="0" lon="0" rev="1200000"/>
+      </a:lightRig>
+    </dgm:scene3d>
+    <dgm:sp3d z="-182000" contourW="19050" prstMaterial="metal">
+      <a:bevelT w="88900" h="203200"/>
+      <a:bevelB w="165100" h="254000"/>
+    </dgm:sp3d>
+    <dgm:txPr/>
+    <dgm:style>
+      <a:lnRef idx="0">
+        <a:scrgbClr r="0" g="0" b="0"/>
+      </a:lnRef>
+      <a:fillRef idx="1">
+        <a:scrgbClr r="0" g="0" b="0"/>
+      </a:fillRef>
+      <a:effectRef idx="0">
+        <a:scrgbClr r="0" g="0" b="0"/>
+      </a:effectRef>
+      <a:fontRef idx="minor">
+        <a:schemeClr val="lt1"/>
+      </a:fontRef>
+    </dgm:style>
+  </dgm:styleLbl>
+  <dgm:styleLbl name="fgSibTrans2D1">
+    <dgm:scene3d>
+      <a:camera prst="orthographicFront">
+        <a:rot lat="0" lon="0" rev="0"/>
+      </a:camera>
+      <a:lightRig rig="contrasting" dir="t">
+        <a:rot lat="0" lon="0" rev="1200000"/>
+      </a:lightRig>
+    </dgm:scene3d>
+    <dgm:sp3d z="300000" contourW="19050" prstMaterial="metal">
+      <a:bevelT w="88900" h="203200"/>
+      <a:bevelB w="165100" h="254000"/>
+    </dgm:sp3d>
+    <dgm:txPr/>
+    <dgm:style>
+      <a:lnRef idx="0">
+        <a:scrgbClr r="0" g="0" b="0"/>
+      </a:lnRef>
+      <a:fillRef idx="1">
+        <a:scrgbClr r="0" g="0" b="0"/>
+      </a:fillRef>
+      <a:effectRef idx="0">
+        <a:scrgbClr r="0" g="0" b="0"/>
+      </a:effectRef>
+      <a:fontRef idx="minor"/>
+    </dgm:style>
+  </dgm:styleLbl>
+  <dgm:styleLbl name="bgSibTrans2D1">
+    <dgm:scene3d>
+      <a:camera prst="orthographicFront">
+        <a:rot lat="0" lon="0" rev="0"/>
+      </a:camera>
+      <a:lightRig rig="contrasting" dir="t">
+        <a:rot lat="0" lon="0" rev="1200000"/>
+      </a:lightRig>
+    </dgm:scene3d>
+    <dgm:sp3d z="-300000" contourW="19050" prstMaterial="metal">
+      <a:bevelT w="88900" h="203200"/>
+      <a:bevelB w="165100" h="254000"/>
+    </dgm:sp3d>
+    <dgm:txPr/>
+    <dgm:style>
+      <a:lnRef idx="0">
+        <a:scrgbClr r="0" g="0" b="0"/>
+      </a:lnRef>
+      <a:fillRef idx="1">
+        <a:scrgbClr r="0" g="0" b="0"/>
+      </a:fillRef>
+      <a:effectRef idx="0">
+        <a:scrgbClr r="0" g="0" b="0"/>
+      </a:effectRef>
+      <a:fontRef idx="minor"/>
+    </dgm:style>
+  </dgm:styleLbl>
+  <dgm:styleLbl name="sibTrans1D1">
+    <dgm:scene3d>
+      <a:camera prst="orthographicFront">
+        <a:rot lat="0" lon="0" rev="0"/>
+      </a:camera>
+      <a:lightRig rig="contrasting" dir="t">
+        <a:rot lat="0" lon="0" rev="1200000"/>
+      </a:lightRig>
+    </dgm:scene3d>
+    <dgm:sp3d z="-110000"/>
+    <dgm:txPr/>
+    <dgm:style>
+      <a:lnRef idx="1">
+        <a:scrgbClr r="0" g="0" b="0"/>
+      </a:lnRef>
+      <a:fillRef idx="0">
+        <a:scrgbClr r="0" g="0" b="0"/>
+      </a:fillRef>
+      <a:effectRef idx="0">
+        <a:scrgbClr r="0" g="0" b="0"/>
+      </a:effectRef>
+      <a:fontRef idx="minor"/>
+    </dgm:style>
+  </dgm:styleLbl>
+  <dgm:styleLbl name="callout">
+    <dgm:scene3d>
+      <a:camera prst="orthographicFront">
+        <a:rot lat="0" lon="0" rev="0"/>
+      </a:camera>
+      <a:lightRig rig="contrasting" dir="t">
+        <a:rot lat="0" lon="0" rev="1200000"/>
+      </a:lightRig>
+    </dgm:scene3d>
+    <dgm:sp3d z="10000"/>
+    <dgm:txPr/>
+    <dgm:style>
+      <a:lnRef idx="2">
+        <a:scrgbClr r="0" g="0" b="0"/>
+      </a:lnRef>
+      <a:fillRef idx="1">
+        <a:scrgbClr r="0" g="0" b="0"/>
+      </a:fillRef>
+      <a:effectRef idx="0">
+        <a:scrgbClr r="0" g="0" b="0"/>
+      </a:effectRef>
+      <a:fontRef idx="minor"/>
+    </dgm:style>
+  </dgm:styleLbl>
+  <dgm:styleLbl name="asst0">
+    <dgm:scene3d>
+      <a:camera prst="orthographicFront">
+        <a:rot lat="0" lon="0" rev="0"/>
+      </a:camera>
+      <a:lightRig rig="contrasting" dir="t">
+        <a:rot lat="0" lon="0" rev="1200000"/>
+      </a:lightRig>
+    </dgm:scene3d>
+    <dgm:sp3d contourW="19050" prstMaterial="metal">
+      <a:bevelT w="88900" h="203200"/>
+      <a:bevelB w="165100" h="254000"/>
+    </dgm:sp3d>
+    <dgm:txPr/>
+    <dgm:style>
+      <a:lnRef idx="0">
+        <a:scrgbClr r="0" g="0" b="0"/>
+      </a:lnRef>
+      <a:fillRef idx="1">
+        <a:scrgbClr r="0" g="0" b="0"/>
+      </a:fillRef>
+      <a:effectRef idx="1">
+        <a:scrgbClr r="0" g="0" b="0"/>
+      </a:effectRef>
+      <a:fontRef idx="minor">
+        <a:schemeClr val="lt1"/>
+      </a:fontRef>
+    </dgm:style>
+  </dgm:styleLbl>
+  <dgm:styleLbl name="asst1">
+    <dgm:scene3d>
+      <a:camera prst="orthographicFront">
+        <a:rot lat="0" lon="0" rev="0"/>
+      </a:camera>
+      <a:lightRig rig="contrasting" dir="t">
+        <a:rot lat="0" lon="0" rev="1200000"/>
+      </a:lightRig>
+    </dgm:scene3d>
+    <dgm:sp3d contourW="19050" prstMaterial="metal">
+      <a:bevelT w="88900" h="203200"/>
+      <a:bevelB w="165100" h="254000"/>
+    </dgm:sp3d>
+    <dgm:txPr/>
+    <dgm:style>
+      <a:lnRef idx="0">
+        <a:scrgbClr r="0" g="0" b="0"/>
+      </a:lnRef>
+      <a:fillRef idx="1">
+        <a:scrgbClr r="0" g="0" b="0"/>
+      </a:fillRef>
+      <a:effectRef idx="1">
+        <a:scrgbClr r="0" g="0" b="0"/>
+      </a:effectRef>
+      <a:fontRef idx="minor">
+        <a:schemeClr val="lt1"/>
+      </a:fontRef>
+    </dgm:style>
+  </dgm:styleLbl>
+  <dgm:styleLbl name="asst2">
+    <dgm:scene3d>
+      <a:camera prst="orthographicFront">
+        <a:rot lat="0" lon="0" rev="0"/>
+      </a:camera>
+      <a:lightRig rig="contrasting" dir="t">
+        <a:rot lat="0" lon="0" rev="1200000"/>
+      </a:lightRig>
+    </dgm:scene3d>
+    <dgm:sp3d contourW="19050" prstMaterial="metal">
+      <a:bevelT w="88900" h="203200"/>
+      <a:bevelB w="165100" h="254000"/>
+    </dgm:sp3d>
+    <dgm:txPr/>
+    <dgm:style>
+      <a:lnRef idx="0">
+        <a:scrgbClr r="0" g="0" b="0"/>
+      </a:lnRef>
+      <a:fillRef idx="1">
+        <a:scrgbClr r="0" g="0" b="0"/>
+      </a:fillRef>
+      <a:effectRef idx="1">
+        <a:scrgbClr r="0" g="0" b="0"/>
+      </a:effectRef>
+      <a:fontRef idx="minor">
+        <a:schemeClr val="lt1"/>
+      </a:fontRef>
+    </dgm:style>
+  </dgm:styleLbl>
+  <dgm:styleLbl name="asst3">
+    <dgm:scene3d>
+      <a:camera prst="orthographicFront">
+        <a:rot lat="0" lon="0" rev="0"/>
+      </a:camera>
+      <a:lightRig rig="contrasting" dir="t">
+        <a:rot lat="0" lon="0" rev="1200000"/>
+      </a:lightRig>
+    </dgm:scene3d>
+    <dgm:sp3d contourW="19050" prstMaterial="metal">
+      <a:bevelT w="88900" h="203200"/>
+      <a:bevelB w="165100" h="254000"/>
+    </dgm:sp3d>
+    <dgm:txPr/>
+    <dgm:style>
+      <a:lnRef idx="0">
+        <a:scrgbClr r="0" g="0" b="0"/>
+      </a:lnRef>
+      <a:fillRef idx="1">
+        <a:scrgbClr r="0" g="0" b="0"/>
+      </a:fillRef>
+      <a:effectRef idx="1">
+        <a:scrgbClr r="0" g="0" b="0"/>
+      </a:effectRef>
+      <a:fontRef idx="minor">
+        <a:schemeClr val="lt1"/>
+      </a:fontRef>
+    </dgm:style>
+  </dgm:styleLbl>
+  <dgm:styleLbl name="asst4">
+    <dgm:scene3d>
+      <a:camera prst="orthographicFront"/>
+      <a:lightRig rig="threePt" dir="t"/>
+    </dgm:scene3d>
+    <dgm:sp3d contourW="19050" prstMaterial="metal">
+      <a:bevelT w="88900" h="203200"/>
+      <a:bevelB w="165100" h="254000"/>
+    </dgm:sp3d>
+    <dgm:txPr/>
+    <dgm:style>
+      <a:lnRef idx="0">
+        <a:scrgbClr r="0" g="0" b="0"/>
+      </a:lnRef>
+      <a:fillRef idx="1">
+        <a:scrgbClr r="0" g="0" b="0"/>
+      </a:fillRef>
+      <a:effectRef idx="1">
+        <a:scrgbClr r="0" g="0" b="0"/>
+      </a:effectRef>
+      <a:fontRef idx="minor">
+        <a:schemeClr val="lt1"/>
+      </a:fontRef>
+    </dgm:style>
+  </dgm:styleLbl>
+  <dgm:styleLbl name="parChTrans2D1">
+    <dgm:scene3d>
+      <a:camera prst="orthographicFront">
+        <a:rot lat="0" lon="0" rev="0"/>
+      </a:camera>
+      <a:lightRig rig="contrasting" dir="t">
+        <a:rot lat="0" lon="0" rev="1200000"/>
+      </a:lightRig>
+    </dgm:scene3d>
+    <dgm:sp3d contourW="19050" prstMaterial="metal">
+      <a:bevelT w="88900" h="203200"/>
+      <a:bevelB w="165100" h="254000"/>
+    </dgm:sp3d>
+    <dgm:txPr/>
+    <dgm:style>
+      <a:lnRef idx="0">
+        <a:scrgbClr r="0" g="0" b="0"/>
+      </a:lnRef>
+      <a:fillRef idx="1">
+        <a:scrgbClr r="0" g="0" b="0"/>
+      </a:fillRef>
+      <a:effectRef idx="0">
+        <a:scrgbClr r="0" g="0" b="0"/>
+      </a:effectRef>
+      <a:fontRef idx="minor"/>
+    </dgm:style>
+  </dgm:styleLbl>
+  <dgm:styleLbl name="parChTrans2D2">
+    <dgm:scene3d>
+      <a:camera prst="orthographicFront">
+        <a:rot lat="0" lon="0" rev="0"/>
+      </a:camera>
+      <a:lightRig rig="contrasting" dir="t">
+        <a:rot lat="0" lon="0" rev="1200000"/>
+      </a:lightRig>
+    </dgm:scene3d>
+    <dgm:sp3d contourW="19050" prstMaterial="metal">
+      <a:bevelT w="88900" h="203200"/>
+      <a:bevelB w="165100" h="254000"/>
+    </dgm:sp3d>
+    <dgm:txPr/>
+    <dgm:style>
+      <a:lnRef idx="0">
+        <a:scrgbClr r="0" g="0" b="0"/>
+      </a:lnRef>
+      <a:fillRef idx="1">
+        <a:scrgbClr r="0" g="0" b="0"/>
+      </a:fillRef>
+      <a:effectRef idx="0">
+        <a:scrgbClr r="0" g="0" b="0"/>
+      </a:effectRef>
+      <a:fontRef idx="minor"/>
+    </dgm:style>
+  </dgm:styleLbl>
+  <dgm:styleLbl name="parChTrans2D3">
+    <dgm:scene3d>
+      <a:camera prst="orthographicFront">
+        <a:rot lat="0" lon="0" rev="0"/>
+      </a:camera>
+      <a:lightRig rig="contrasting" dir="t">
+        <a:rot lat="0" lon="0" rev="1200000"/>
+      </a:lightRig>
+    </dgm:scene3d>
+    <dgm:sp3d contourW="19050" prstMaterial="metal">
+      <a:bevelT w="88900" h="203200"/>
+      <a:bevelB w="165100" h="254000"/>
+    </dgm:sp3d>
+    <dgm:txPr/>
+    <dgm:style>
+      <a:lnRef idx="0">
+        <a:scrgbClr r="0" g="0" b="0"/>
+      </a:lnRef>
+      <a:fillRef idx="1">
+        <a:scrgbClr r="0" g="0" b="0"/>
+      </a:fillRef>
+      <a:effectRef idx="0">
+        <a:scrgbClr r="0" g="0" b="0"/>
+      </a:effectRef>
+      <a:fontRef idx="minor"/>
+    </dgm:style>
+  </dgm:styleLbl>
+  <dgm:styleLbl name="parChTrans2D4">
+    <dgm:scene3d>
+      <a:camera prst="orthographicFront">
+        <a:rot lat="0" lon="0" rev="0"/>
+      </a:camera>
+      <a:lightRig rig="contrasting" dir="t">
+        <a:rot lat="0" lon="0" rev="1200000"/>
+      </a:lightRig>
+    </dgm:scene3d>
+    <dgm:sp3d contourW="19050" prstMaterial="metal">
+      <a:bevelT w="88900" h="203200"/>
+      <a:bevelB w="165100" h="254000"/>
+    </dgm:sp3d>
+    <dgm:txPr/>
+    <dgm:style>
+      <a:lnRef idx="0">
+        <a:scrgbClr r="0" g="0" b="0"/>
+      </a:lnRef>
+      <a:fillRef idx="1">
+        <a:scrgbClr r="0" g="0" b="0"/>
+      </a:fillRef>
+      <a:effectRef idx="0">
+        <a:scrgbClr r="0" g="0" b="0"/>
+      </a:effectRef>
+      <a:fontRef idx="minor"/>
+    </dgm:style>
+  </dgm:styleLbl>
+  <dgm:styleLbl name="parChTrans1D1">
+    <dgm:scene3d>
+      <a:camera prst="orthographicFront">
+        <a:rot lat="0" lon="0" rev="0"/>
+      </a:camera>
+      <a:lightRig rig="contrasting" dir="t">
+        <a:rot lat="0" lon="0" rev="1200000"/>
+      </a:lightRig>
+    </dgm:scene3d>
+    <dgm:sp3d z="-110000"/>
+    <dgm:txPr/>
+    <dgm:style>
+      <a:lnRef idx="2">
+        <a:scrgbClr r="0" g="0" b="0"/>
+      </a:lnRef>
+      <a:fillRef idx="0">
+        <a:scrgbClr r="0" g="0" b="0"/>
+      </a:fillRef>
+      <a:effectRef idx="0">
+        <a:scrgbClr r="0" g="0" b="0"/>
+      </a:effectRef>
+      <a:fontRef idx="minor"/>
+    </dgm:style>
+  </dgm:styleLbl>
+  <dgm:styleLbl name="parChTrans1D2">
+    <dgm:scene3d>
+      <a:camera prst="orthographicFront">
+        <a:rot lat="0" lon="0" rev="0"/>
+      </a:camera>
+      <a:lightRig rig="contrasting" dir="t">
+        <a:rot lat="0" lon="0" rev="1200000"/>
+      </a:lightRig>
+    </dgm:scene3d>
+    <dgm:sp3d z="-110000"/>
+    <dgm:txPr/>
+    <dgm:style>
+      <a:lnRef idx="2">
+        <a:scrgbClr r="0" g="0" b="0"/>
+      </a:lnRef>
+      <a:fillRef idx="0">
+        <a:scrgbClr r="0" g="0" b="0"/>
+      </a:fillRef>
+      <a:effectRef idx="0">
+        <a:scrgbClr r="0" g="0" b="0"/>
+      </a:effectRef>
+      <a:fontRef idx="minor"/>
+    </dgm:style>
+  </dgm:styleLbl>
+  <dgm:styleLbl name="parChTrans1D3">
+    <dgm:scene3d>
+      <a:camera prst="orthographicFront">
+        <a:rot lat="0" lon="0" rev="0"/>
+      </a:camera>
+      <a:lightRig rig="contrasting" dir="t">
+        <a:rot lat="0" lon="0" rev="1200000"/>
+      </a:lightRig>
+    </dgm:scene3d>
+    <dgm:sp3d z="-110000"/>
+    <dgm:txPr/>
+    <dgm:style>
+      <a:lnRef idx="2">
+        <a:scrgbClr r="0" g="0" b="0"/>
+      </a:lnRef>
+      <a:fillRef idx="0">
+        <a:scrgbClr r="0" g="0" b="0"/>
+      </a:fillRef>
+      <a:effectRef idx="0">
+        <a:scrgbClr r="0" g="0" b="0"/>
+      </a:effectRef>
+      <a:fontRef idx="minor"/>
+    </dgm:style>
+  </dgm:styleLbl>
+  <dgm:styleLbl name="parChTrans1D4">
+    <dgm:scene3d>
+      <a:camera prst="orthographicFront">
+        <a:rot lat="0" lon="0" rev="0"/>
+      </a:camera>
+      <a:lightRig rig="contrasting" dir="t">
+        <a:rot lat="0" lon="0" rev="1200000"/>
+      </a:lightRig>
+    </dgm:scene3d>
+    <dgm:sp3d z="-110000"/>
+    <dgm:txPr/>
+    <dgm:style>
+      <a:lnRef idx="2">
+        <a:scrgbClr r="0" g="0" b="0"/>
+      </a:lnRef>
+      <a:fillRef idx="0">
+        <a:scrgbClr r="0" g="0" b="0"/>
+      </a:fillRef>
+      <a:effectRef idx="0">
+        <a:scrgbClr r="0" g="0" b="0"/>
+      </a:effectRef>
+      <a:fontRef idx="minor"/>
+    </dgm:style>
+  </dgm:styleLbl>
+  <dgm:styleLbl name="fgAcc1">
+    <dgm:scene3d>
+      <a:camera prst="orthographicFront">
+        <a:rot lat="0" lon="0" rev="0"/>
+      </a:camera>
+      <a:lightRig rig="contrasting" dir="t">
+        <a:rot lat="0" lon="0" rev="1200000"/>
+      </a:lightRig>
+    </dgm:scene3d>
+    <dgm:sp3d z="300000" contourW="19050" prstMaterial="metal">
+      <a:bevelT w="88900" h="203200"/>
+      <a:bevelB w="165100" h="254000"/>
+    </dgm:sp3d>
+    <dgm:txPr/>
+    <dgm:style>
+      <a:lnRef idx="0">
+        <a:scrgbClr r="0" g="0" b="0"/>
+      </a:lnRef>
+      <a:fillRef idx="1">
+        <a:scrgbClr r="0" g="0" b="0"/>
+      </a:fillRef>
+      <a:effectRef idx="0">
+        <a:scrgbClr r="0" g="0" b="0"/>
+      </a:effectRef>
+      <a:fontRef idx="minor"/>
+    </dgm:style>
+  </dgm:styleLbl>
+  <dgm:styleLbl name="conFgAcc1">
+    <dgm:scene3d>
+      <a:camera prst="orthographicFront">
+        <a:rot lat="0" lon="0" rev="0"/>
+      </a:camera>
+      <a:lightRig rig="contrasting" dir="t">
+        <a:rot lat="0" lon="0" rev="1200000"/>
+      </a:lightRig>
+    </dgm:scene3d>
+    <dgm:sp3d z="300000" contourW="19050" prstMaterial="metal">
+      <a:bevelT w="88900" h="203200"/>
+      <a:bevelB w="165100" h="254000"/>
+    </dgm:sp3d>
+    <dgm:txPr/>
+    <dgm:style>
+      <a:lnRef idx="0">
+        <a:scrgbClr r="0" g="0" b="0"/>
+      </a:lnRef>
+      <a:fillRef idx="1">
+        <a:scrgbClr r="0" g="0" b="0"/>
+      </a:fillRef>
+      <a:effectRef idx="0">
+        <a:scrgbClr r="0" g="0" b="0"/>
+      </a:effectRef>
+      <a:fontRef idx="minor"/>
+    </dgm:style>
+  </dgm:styleLbl>
+  <dgm:styleLbl name="alignAcc1">
+    <dgm:scene3d>
+      <a:camera prst="orthographicFront">
+        <a:rot lat="0" lon="0" rev="0"/>
+      </a:camera>
+      <a:lightRig rig="contrasting" dir="t">
+        <a:rot lat="0" lon="0" rev="1200000"/>
+      </a:lightRig>
+    </dgm:scene3d>
+    <dgm:sp3d contourW="19050" prstMaterial="metal">
+      <a:bevelT w="88900" h="203200"/>
+      <a:bevelB w="165100" h="254000"/>
+    </dgm:sp3d>
+    <dgm:txPr/>
+    <dgm:style>
+      <a:lnRef idx="0">
+        <a:scrgbClr r="0" g="0" b="0"/>
+      </a:lnRef>
+      <a:fillRef idx="1">
+        <a:scrgbClr r="0" g="0" b="0"/>
+      </a:fillRef>
+      <a:effectRef idx="0">
+        <a:scrgbClr r="0" g="0" b="0"/>
+      </a:effectRef>
+      <a:fontRef idx="minor"/>
+    </dgm:style>
+  </dgm:styleLbl>
+  <dgm:styleLbl name="trAlignAcc1">
+    <dgm:scene3d>
+      <a:camera prst="orthographicFront">
+        <a:rot lat="0" lon="0" rev="0"/>
+      </a:camera>
+      <a:lightRig rig="contrasting" dir="t">
+        <a:rot lat="0" lon="0" rev="1200000"/>
+      </a:lightRig>
+    </dgm:scene3d>
+    <dgm:sp3d contourW="19050" prstMaterial="metal">
+      <a:bevelT w="88900" h="203200"/>
+      <a:bevelB w="165100" h="254000"/>
+    </dgm:sp3d>
+    <dgm:txPr/>
+    <dgm:style>
+      <a:lnRef idx="0">
+        <a:scrgbClr r="0" g="0" b="0"/>
+      </a:lnRef>
+      <a:fillRef idx="1">
+        <a:scrgbClr r="0" g="0" b="0"/>
+      </a:fillRef>
+      <a:effectRef idx="1">
+        <a:scrgbClr r="0" g="0" b="0"/>
+      </a:effectRef>
+      <a:fontRef idx="minor"/>
+    </dgm:style>
+  </dgm:styleLbl>
+  <dgm:styleLbl name="bgAcc1">
+    <dgm:scene3d>
+      <a:camera prst="orthographicFront">
+        <a:rot lat="0" lon="0" rev="0"/>
+      </a:camera>
+      <a:lightRig rig="contrasting" dir="t">
+        <a:rot lat="0" lon="0" rev="1200000"/>
+      </a:lightRig>
+    </dgm:scene3d>
+    <dgm:sp3d z="-300000" contourW="19050" prstMaterial="metal">
+      <a:bevelT w="88900" h="203200"/>
+      <a:bevelB w="165100" h="254000"/>
+    </dgm:sp3d>
+    <dgm:txPr/>
+    <dgm:style>
+      <a:lnRef idx="0">
+        <a:scrgbClr r="0" g="0" b="0"/>
+      </a:lnRef>
+      <a:fillRef idx="1">
+        <a:scrgbClr r="0" g="0" b="0"/>
+      </a:fillRef>
+      <a:effectRef idx="0">
+        <a:scrgbClr r="0" g="0" b="0"/>
+      </a:effectRef>
+      <a:fontRef idx="minor"/>
+    </dgm:style>
+  </dgm:styleLbl>
+  <dgm:styleLbl name="solidFgAcc1">
+    <dgm:scene3d>
+      <a:camera prst="orthographicFront">
+        <a:rot lat="0" lon="0" rev="0"/>
+      </a:camera>
+      <a:lightRig rig="contrasting" dir="t">
+        <a:rot lat="0" lon="0" rev="1200000"/>
+      </a:lightRig>
+    </dgm:scene3d>
+    <dgm:sp3d z="300000" contourW="12700" prstMaterial="flat">
+      <a:bevelT w="177800" h="254000"/>
+      <a:bevelB w="152400"/>
+    </dgm:sp3d>
+    <dgm:txPr/>
+    <dgm:style>
+      <a:lnRef idx="0">
+        <a:scrgbClr r="0" g="0" b="0"/>
+      </a:lnRef>
+      <a:fillRef idx="1">
+        <a:scrgbClr r="0" g="0" b="0"/>
+      </a:fillRef>
+      <a:effectRef idx="0">
+        <a:scrgbClr r="0" g="0" b="0"/>
+      </a:effectRef>
+      <a:fontRef idx="minor"/>
+    </dgm:style>
+  </dgm:styleLbl>
+  <dgm:styleLbl name="solidAlignAcc1">
+    <dgm:scene3d>
+      <a:camera prst="orthographicFront">
+        <a:rot lat="0" lon="0" rev="0"/>
+      </a:camera>
+      <a:lightRig rig="contrasting" dir="t">
+        <a:rot lat="0" lon="0" rev="1200000"/>
+      </a:lightRig>
+    </dgm:scene3d>
+    <dgm:sp3d contourW="19050" prstMaterial="metal">
+      <a:bevelT w="88900" h="203200"/>
+      <a:bevelB w="165100" h="254000"/>
+    </dgm:sp3d>
+    <dgm:txPr/>
+    <dgm:style>
+      <a:lnRef idx="0">
+        <a:scrgbClr r="0" g="0" b="0"/>
+      </a:lnRef>
+      <a:fillRef idx="1">
+        <a:scrgbClr r="0" g="0" b="0"/>
+      </a:fillRef>
+      <a:effectRef idx="0">
+        <a:scrgbClr r="0" g="0" b="0"/>
+      </a:effectRef>
+      <a:fontRef idx="minor"/>
+    </dgm:style>
+  </dgm:styleLbl>
+  <dgm:styleLbl name="solidBgAcc1">
+    <dgm:scene3d>
+      <a:camera prst="orthographicFront">
+        <a:rot lat="0" lon="0" rev="0"/>
+      </a:camera>
+      <a:lightRig rig="contrasting" dir="t">
+        <a:rot lat="0" lon="0" rev="1200000"/>
+      </a:lightRig>
+    </dgm:scene3d>
+    <dgm:sp3d z="-300000" contourW="19050" prstMaterial="metal">
+      <a:bevelT w="88900" h="203200"/>
+      <a:bevelB w="165100" h="254000"/>
+    </dgm:sp3d>
+    <dgm:txPr/>
+    <dgm:style>
+      <a:lnRef idx="0">
+        <a:scrgbClr r="0" g="0" b="0"/>
+      </a:lnRef>
+      <a:fillRef idx="1">
+        <a:scrgbClr r="0" g="0" b="0"/>
+      </a:fillRef>
+      <a:effectRef idx="0">
+        <a:scrgbClr r="0" g="0" b="0"/>
+      </a:effectRef>
+      <a:fontRef idx="minor"/>
+    </dgm:style>
+  </dgm:styleLbl>
+  <dgm:styleLbl name="fgAccFollowNode1">
+    <dgm:scene3d>
+      <a:camera prst="orthographicFront">
+        <a:rot lat="0" lon="0" rev="0"/>
+      </a:camera>
+      <a:lightRig rig="contrasting" dir="t">
+        <a:rot lat="0" lon="0" rev="1200000"/>
+      </a:lightRig>
+    </dgm:scene3d>
+    <dgm:sp3d z="300000" contourW="19050" prstMaterial="metal">
+      <a:bevelT w="88900" h="203200"/>
+      <a:bevelB w="165100" h="254000"/>
+    </dgm:sp3d>
+    <dgm:txPr/>
+    <dgm:style>
+      <a:lnRef idx="0">
+        <a:scrgbClr r="0" g="0" b="0"/>
+      </a:lnRef>
+      <a:fillRef idx="1">
+        <a:scrgbClr r="0" g="0" b="0"/>
+      </a:fillRef>
+      <a:effectRef idx="0">
+        <a:scrgbClr r="0" g="0" b="0"/>
+      </a:effectRef>
+      <a:fontRef idx="minor"/>
+    </dgm:style>
+  </dgm:styleLbl>
+  <dgm:styleLbl name="alignAccFollowNode1">
+    <dgm:scene3d>
+      <a:camera prst="orthographicFront">
+        <a:rot lat="0" lon="0" rev="0"/>
+      </a:camera>
+      <a:lightRig rig="contrasting" dir="t">
+        <a:rot lat="0" lon="0" rev="1200000"/>
+      </a:lightRig>
+    </dgm:scene3d>
+    <dgm:sp3d contourW="19050" prstMaterial="metal">
+      <a:bevelT w="88900" h="203200"/>
+      <a:bevelB w="165100" h="254000"/>
+    </dgm:sp3d>
+    <dgm:txPr/>
+    <dgm:style>
+      <a:lnRef idx="0">
+        <a:scrgbClr r="0" g="0" b="0"/>
+      </a:lnRef>
+      <a:fillRef idx="1">
+        <a:scrgbClr r="0" g="0" b="0"/>
+      </a:fillRef>
+      <a:effectRef idx="0">
+        <a:scrgbClr r="0" g="0" b="0"/>
+      </a:effectRef>
+      <a:fontRef idx="minor"/>
+    </dgm:style>
+  </dgm:styleLbl>
+  <dgm:styleLbl name="bgAccFollowNode1">
+    <dgm:scene3d>
+      <a:camera prst="orthographicFront">
+        <a:rot lat="0" lon="0" rev="0"/>
+      </a:camera>
+      <a:lightRig rig="contrasting" dir="t">
+        <a:rot lat="0" lon="0" rev="1200000"/>
+      </a:lightRig>
+    </dgm:scene3d>
+    <dgm:sp3d z="-300000" contourW="19050" prstMaterial="metal">
+      <a:bevelT w="88900" h="203200"/>
+      <a:bevelB w="165100" h="254000"/>
+    </dgm:sp3d>
+    <dgm:txPr/>
+    <dgm:style>
+      <a:lnRef idx="0">
+        <a:scrgbClr r="0" g="0" b="0"/>
+      </a:lnRef>
+      <a:fillRef idx="1">
+        <a:scrgbClr r="0" g="0" b="0"/>
+      </a:fillRef>
+      <a:effectRef idx="0">
+        <a:scrgbClr r="0" g="0" b="0"/>
+      </a:effectRef>
+      <a:fontRef idx="minor"/>
+    </dgm:style>
+  </dgm:styleLbl>
+  <dgm:styleLbl name="fgAcc0">
+    <dgm:scene3d>
+      <a:camera prst="orthographicFront">
+        <a:rot lat="0" lon="0" rev="0"/>
+      </a:camera>
+      <a:lightRig rig="contrasting" dir="t">
+        <a:rot lat="0" lon="0" rev="1200000"/>
+      </a:lightRig>
+    </dgm:scene3d>
+    <dgm:sp3d z="300000" contourW="19050" prstMaterial="metal">
+      <a:bevelT w="88900" h="203200"/>
+      <a:bevelB w="165100" h="254000"/>
+    </dgm:sp3d>
+    <dgm:txPr/>
+    <dgm:style>
+      <a:lnRef idx="0">
+        <a:scrgbClr r="0" g="0" b="0"/>
+      </a:lnRef>
+      <a:fillRef idx="1">
+        <a:scrgbClr r="0" g="0" b="0"/>
+      </a:fillRef>
+      <a:effectRef idx="0">
+        <a:scrgbClr r="0" g="0" b="0"/>
+      </a:effectRef>
+      <a:fontRef idx="minor"/>
+    </dgm:style>
+  </dgm:styleLbl>
+  <dgm:styleLbl name="fgAcc2">
+    <dgm:scene3d>
+      <a:camera prst="orthographicFront">
+        <a:rot lat="0" lon="0" rev="0"/>
+      </a:camera>
+      <a:lightRig rig="contrasting" dir="t">
+        <a:rot lat="0" lon="0" rev="1200000"/>
+      </a:lightRig>
+    </dgm:scene3d>
+    <dgm:sp3d z="300000" contourW="19050" prstMaterial="metal">
+      <a:bevelT w="88900" h="203200"/>
+      <a:bevelB w="165100" h="254000"/>
+    </dgm:sp3d>
+    <dgm:txPr/>
+    <dgm:style>
+      <a:lnRef idx="0">
+        <a:scrgbClr r="0" g="0" b="0"/>
+      </a:lnRef>
+      <a:fillRef idx="1">
+        <a:scrgbClr r="0" g="0" b="0"/>
+      </a:fillRef>
+      <a:effectRef idx="0">
+        <a:scrgbClr r="0" g="0" b="0"/>
+      </a:effectRef>
+      <a:fontRef idx="minor"/>
+    </dgm:style>
+  </dgm:styleLbl>
+  <dgm:styleLbl name="fgAcc3">
+    <dgm:scene3d>
+      <a:camera prst="orthographicFront">
+        <a:rot lat="0" lon="0" rev="0"/>
+      </a:camera>
+      <a:lightRig rig="contrasting" dir="t">
+        <a:rot lat="0" lon="0" rev="1200000"/>
+      </a:lightRig>
+    </dgm:scene3d>
+    <dgm:sp3d z="300000" contourW="19050" prstMaterial="metal">
+      <a:bevelT w="88900" h="203200"/>
+      <a:bevelB w="165100" h="254000"/>
+    </dgm:sp3d>
+    <dgm:txPr/>
+    <dgm:style>
+      <a:lnRef idx="0">
+        <a:scrgbClr r="0" g="0" b="0"/>
+      </a:lnRef>
+      <a:fillRef idx="1">
+        <a:scrgbClr r="0" g="0" b="0"/>
+      </a:fillRef>
+      <a:effectRef idx="0">
+        <a:scrgbClr r="0" g="0" b="0"/>
+      </a:effectRef>
+      <a:fontRef idx="minor"/>
+    </dgm:style>
+  </dgm:styleLbl>
+  <dgm:styleLbl name="fgAcc4">
+    <dgm:scene3d>
+      <a:camera prst="orthographicFront">
+        <a:rot lat="0" lon="0" rev="0"/>
+      </a:camera>
+      <a:lightRig rig="contrasting" dir="t">
+        <a:rot lat="0" lon="0" rev="1200000"/>
+      </a:lightRig>
+    </dgm:scene3d>
+    <dgm:sp3d z="300000" contourW="19050" prstMaterial="metal">
+      <a:bevelT w="88900" h="203200"/>
+      <a:bevelB w="165100" h="254000"/>
+    </dgm:sp3d>
+    <dgm:txPr/>
+    <dgm:style>
+      <a:lnRef idx="0">
+        <a:scrgbClr r="0" g="0" b="0"/>
+      </a:lnRef>
+      <a:fillRef idx="1">
+        <a:scrgbClr r="0" g="0" b="0"/>
+      </a:fillRef>
+      <a:effectRef idx="0">
+        <a:scrgbClr r="0" g="0" b="0"/>
+      </a:effectRef>
+      <a:fontRef idx="minor"/>
+    </dgm:style>
+  </dgm:styleLbl>
+  <dgm:styleLbl name="bgShp">
+    <dgm:scene3d>
+      <a:camera prst="orthographicFront">
+        <a:rot lat="0" lon="0" rev="0"/>
+      </a:camera>
+      <a:lightRig rig="contrasting" dir="t">
+        <a:rot lat="0" lon="0" rev="1200000"/>
+      </a:lightRig>
+    </dgm:scene3d>
+    <dgm:sp3d z="-300000" prstMaterial="plastic"/>
+    <dgm:txPr/>
+    <dgm:style>
+      <a:lnRef idx="1">
+        <a:scrgbClr r="0" g="0" b="0"/>
+      </a:lnRef>
+      <a:fillRef idx="1">
+        <a:scrgbClr r="0" g="0" b="0"/>
+      </a:fillRef>
+      <a:effectRef idx="0">
+        <a:scrgbClr r="0" g="0" b="0"/>
+      </a:effectRef>
+      <a:fontRef idx="minor"/>
+    </dgm:style>
+  </dgm:styleLbl>
+  <dgm:styleLbl name="dkBgShp">
+    <dgm:scene3d>
+      <a:camera prst="orthographicFront">
+        <a:rot lat="0" lon="0" rev="0"/>
+      </a:camera>
+      <a:lightRig rig="contrasting" dir="t">
+        <a:rot lat="0" lon="0" rev="1200000"/>
+      </a:lightRig>
+    </dgm:scene3d>
+    <dgm:sp3d contourW="12700" prstMaterial="flat">
+      <a:bevelT w="100800" h="154000"/>
+      <a:bevelB w="152400"/>
+    </dgm:sp3d>
+    <dgm:txPr/>
+    <dgm:style>
+      <a:lnRef idx="0">
+        <a:scrgbClr r="0" g="0" b="0"/>
+      </a:lnRef>
+      <a:fillRef idx="1">
+        <a:scrgbClr r="0" g="0" b="0"/>
+      </a:fillRef>
+      <a:effectRef idx="0">
+        <a:scrgbClr r="0" g="0" b="0"/>
+      </a:effectRef>
+      <a:fontRef idx="minor"/>
+    </dgm:style>
+  </dgm:styleLbl>
+  <dgm:styleLbl name="trBgShp">
+    <dgm:scene3d>
+      <a:camera prst="orthographicFront">
+        <a:rot lat="0" lon="0" rev="0"/>
+      </a:camera>
+      <a:lightRig rig="contrasting" dir="t">
+        <a:rot lat="0" lon="0" rev="1200000"/>
+      </a:lightRig>
+    </dgm:scene3d>
+    <dgm:sp3d z="-152400" prstMaterial="matte"/>
+    <dgm:txPr/>
+    <dgm:style>
+      <a:lnRef idx="1">
+        <a:scrgbClr r="0" g="0" b="0"/>
+      </a:lnRef>
+      <a:fillRef idx="1">
+        <a:scrgbClr r="0" g="0" b="0"/>
+      </a:fillRef>
+      <a:effectRef idx="0">
+        <a:scrgbClr r="0" g="0" b="0"/>
+      </a:effectRef>
+      <a:fontRef idx="minor"/>
+    </dgm:style>
+  </dgm:styleLbl>
+  <dgm:styleLbl name="fgShp">
+    <dgm:scene3d>
+      <a:camera prst="orthographicFront">
+        <a:rot lat="0" lon="0" rev="0"/>
+      </a:camera>
+      <a:lightRig rig="contrasting" dir="t">
+        <a:rot lat="0" lon="0" rev="1200000"/>
+      </a:lightRig>
+    </dgm:scene3d>
+    <dgm:sp3d z="300000" contourW="19050" prstMaterial="metal">
+      <a:bevelT w="88900" h="203200"/>
+      <a:bevelB w="165100" h="254000"/>
+    </dgm:sp3d>
+    <dgm:txPr/>
+    <dgm:style>
+      <a:lnRef idx="0">
+        <a:scrgbClr r="0" g="0" b="0"/>
+      </a:lnRef>
+      <a:fillRef idx="1">
+        <a:scrgbClr r="0" g="0" b="0"/>
+      </a:fillRef>
+      <a:effectRef idx="0">
+        <a:scrgbClr r="0" g="0" b="0"/>
+      </a:effectRef>
+      <a:fontRef idx="minor"/>
+    </dgm:style>
+  </dgm:styleLbl>
+  <dgm:styleLbl name="revTx">
+    <dgm:scene3d>
+      <a:camera prst="orthographicFront"/>
+      <a:lightRig rig="threePt" dir="t"/>
+    </dgm:scene3d>
+    <dgm:sp3d/>
+    <dgm:txPr/>
+    <dgm:style>
+      <a:lnRef idx="1">
+        <a:scrgbClr r="0" g="0" b="0"/>
+      </a:lnRef>
+      <a:fillRef idx="0">
+        <a:scrgbClr r="0" g="0" b="0"/>
+      </a:fillRef>
+      <a:effectRef idx="0">
+        <a:scrgbClr r="0" g="0" b="0"/>
+      </a:effectRef>
+      <a:fontRef idx="minor"/>
+    </dgm:style>
+  </dgm:styleLbl>
+</dgm:styleDef>
+</file>
+
+<file path=ppt/diagrams/quickStyle2.xml><?xml version="1.0" encoding="utf-8"?>
 <dgm:styleDef xmlns:dgm="http://schemas.openxmlformats.org/drawingml/2006/diagram" xmlns:a="http://schemas.openxmlformats.org/drawingml/2006/main" uniqueId="urn:microsoft.com/office/officeart/2005/8/quickstyle/3d3">
   <dgm:title val=""/>
   <dgm:desc val=""/>
@@ -4286,7 +8373,7 @@
           <a:p>
             <a:fld id="{18DE1783-148D-46F9-B459-C542908AA02C}" type="datetimeFigureOut">
               <a:rPr lang="fr-FR" smtClean="0"/>
-              <a:t>15/12/2020</a:t>
+              <a:t>16/12/2020</a:t>
             </a:fld>
             <a:endParaRPr lang="fr-FR"/>
           </a:p>
@@ -4553,6 +8640,867 @@
 </p:notesMaster>
 </file>
 
+<file path=ppt/notesSlides/notesSlide1.xml><?xml version="1.0" encoding="utf-8"?>
+<p:notes xmlns:a="http://schemas.openxmlformats.org/drawingml/2006/main" xmlns:r="http://schemas.openxmlformats.org/officeDocument/2006/relationships" xmlns:p="http://schemas.openxmlformats.org/presentationml/2006/main">
+  <p:cSld>
+    <p:spTree>
+      <p:nvGrpSpPr>
+        <p:cNvPr id="1" name=""/>
+        <p:cNvGrpSpPr/>
+        <p:nvPr/>
+      </p:nvGrpSpPr>
+      <p:grpSpPr>
+        <a:xfrm>
+          <a:off x="0" y="0"/>
+          <a:ext cx="0" cy="0"/>
+          <a:chOff x="0" y="0"/>
+          <a:chExt cx="0" cy="0"/>
+        </a:xfrm>
+      </p:grpSpPr>
+      <p:sp>
+        <p:nvSpPr>
+          <p:cNvPr id="2" name="Espace réservé de l'image des diapositives 1"/>
+          <p:cNvSpPr>
+            <a:spLocks noGrp="1" noRot="1" noChangeAspect="1"/>
+          </p:cNvSpPr>
+          <p:nvPr>
+            <p:ph type="sldImg"/>
+          </p:nvPr>
+        </p:nvSpPr>
+        <p:spPr/>
+      </p:sp>
+      <p:sp>
+        <p:nvSpPr>
+          <p:cNvPr id="3" name="Espace réservé des notes 2"/>
+          <p:cNvSpPr>
+            <a:spLocks noGrp="1"/>
+          </p:cNvSpPr>
+          <p:nvPr>
+            <p:ph type="body" idx="1"/>
+          </p:nvPr>
+        </p:nvSpPr>
+        <p:spPr/>
+        <p:txBody>
+          <a:bodyPr/>
+          <a:lstStyle/>
+          <a:p>
+            <a:r>
+              <a:rPr lang="fr-FR" dirty="0"/>
+              <a:t>Bonjour à tous</a:t>
+            </a:r>
+          </a:p>
+          <a:p>
+            <a:endParaRPr lang="fr-FR" dirty="0"/>
+          </a:p>
+          <a:p>
+            <a:r>
+              <a:rPr lang="fr-FR" dirty="0"/>
+              <a:t>Présenter les </a:t>
+            </a:r>
+            <a:r>
+              <a:rPr lang="fr-FR" dirty="0" err="1"/>
+              <a:t>dashboards</a:t>
+            </a:r>
+            <a:r>
+              <a:rPr lang="fr-FR" dirty="0"/>
+              <a:t> de télémétrie destiné au pilote</a:t>
+            </a:r>
+          </a:p>
+        </p:txBody>
+      </p:sp>
+      <p:sp>
+        <p:nvSpPr>
+          <p:cNvPr id="4" name="Espace réservé du numéro de diapositive 3"/>
+          <p:cNvSpPr>
+            <a:spLocks noGrp="1"/>
+          </p:cNvSpPr>
+          <p:nvPr>
+            <p:ph type="sldNum" sz="quarter" idx="5"/>
+          </p:nvPr>
+        </p:nvSpPr>
+        <p:spPr/>
+        <p:txBody>
+          <a:bodyPr/>
+          <a:lstStyle/>
+          <a:p>
+            <a:fld id="{162B3B86-EE34-46FE-A9A9-D1A3A7FDEEAB}" type="slidenum">
+              <a:rPr lang="fr-FR" smtClean="0"/>
+              <a:t>1</a:t>
+            </a:fld>
+            <a:endParaRPr lang="fr-FR"/>
+          </a:p>
+        </p:txBody>
+      </p:sp>
+    </p:spTree>
+    <p:extLst>
+      <p:ext uri="{BB962C8B-B14F-4D97-AF65-F5344CB8AC3E}">
+        <p14:creationId xmlns:p14="http://schemas.microsoft.com/office/powerpoint/2010/main" val="2026491754"/>
+      </p:ext>
+    </p:extLst>
+  </p:cSld>
+  <p:clrMapOvr>
+    <a:masterClrMapping/>
+  </p:clrMapOvr>
+</p:notes>
+</file>
+
+<file path=ppt/notesSlides/notesSlide2.xml><?xml version="1.0" encoding="utf-8"?>
+<p:notes xmlns:a="http://schemas.openxmlformats.org/drawingml/2006/main" xmlns:r="http://schemas.openxmlformats.org/officeDocument/2006/relationships" xmlns:p="http://schemas.openxmlformats.org/presentationml/2006/main">
+  <p:cSld>
+    <p:spTree>
+      <p:nvGrpSpPr>
+        <p:cNvPr id="1" name=""/>
+        <p:cNvGrpSpPr/>
+        <p:nvPr/>
+      </p:nvGrpSpPr>
+      <p:grpSpPr>
+        <a:xfrm>
+          <a:off x="0" y="0"/>
+          <a:ext cx="0" cy="0"/>
+          <a:chOff x="0" y="0"/>
+          <a:chExt cx="0" cy="0"/>
+        </a:xfrm>
+      </p:grpSpPr>
+      <p:sp>
+        <p:nvSpPr>
+          <p:cNvPr id="2" name="Espace réservé de l'image des diapositives 1"/>
+          <p:cNvSpPr>
+            <a:spLocks noGrp="1" noRot="1" noChangeAspect="1"/>
+          </p:cNvSpPr>
+          <p:nvPr>
+            <p:ph type="sldImg"/>
+          </p:nvPr>
+        </p:nvSpPr>
+        <p:spPr/>
+      </p:sp>
+      <p:sp>
+        <p:nvSpPr>
+          <p:cNvPr id="3" name="Espace réservé des notes 2"/>
+          <p:cNvSpPr>
+            <a:spLocks noGrp="1"/>
+          </p:cNvSpPr>
+          <p:nvPr>
+            <p:ph type="body" idx="1"/>
+          </p:nvPr>
+        </p:nvSpPr>
+        <p:spPr/>
+        <p:txBody>
+          <a:bodyPr/>
+          <a:lstStyle/>
+          <a:p>
+            <a:r>
+              <a:rPr lang="fr-FR" dirty="0"/>
+              <a:t>Pour cela, on commencera par</a:t>
+            </a:r>
+          </a:p>
+          <a:p>
+            <a:r>
+              <a:rPr lang="fr-FR" dirty="0"/>
+              <a:t>La télémétrie papier</a:t>
+            </a:r>
+          </a:p>
+          <a:p>
+            <a:r>
+              <a:rPr lang="fr-FR" dirty="0"/>
+              <a:t>Le nouveau Dashboard</a:t>
+            </a:r>
+          </a:p>
+          <a:p>
+            <a:r>
+              <a:rPr lang="fr-FR" dirty="0"/>
+              <a:t>Amélioration et contrainte </a:t>
+            </a:r>
+          </a:p>
+          <a:p>
+            <a:endParaRPr lang="fr-FR" dirty="0"/>
+          </a:p>
+          <a:p>
+            <a:endParaRPr lang="fr-FR" dirty="0"/>
+          </a:p>
+        </p:txBody>
+      </p:sp>
+      <p:sp>
+        <p:nvSpPr>
+          <p:cNvPr id="4" name="Espace réservé du numéro de diapositive 3"/>
+          <p:cNvSpPr>
+            <a:spLocks noGrp="1"/>
+          </p:cNvSpPr>
+          <p:nvPr>
+            <p:ph type="sldNum" sz="quarter" idx="5"/>
+          </p:nvPr>
+        </p:nvSpPr>
+        <p:spPr/>
+        <p:txBody>
+          <a:bodyPr/>
+          <a:lstStyle/>
+          <a:p>
+            <a:fld id="{162B3B86-EE34-46FE-A9A9-D1A3A7FDEEAB}" type="slidenum">
+              <a:rPr lang="fr-FR" smtClean="0"/>
+              <a:t>2</a:t>
+            </a:fld>
+            <a:endParaRPr lang="fr-FR"/>
+          </a:p>
+        </p:txBody>
+      </p:sp>
+    </p:spTree>
+    <p:extLst>
+      <p:ext uri="{BB962C8B-B14F-4D97-AF65-F5344CB8AC3E}">
+        <p14:creationId xmlns:p14="http://schemas.microsoft.com/office/powerpoint/2010/main" val="296228817"/>
+      </p:ext>
+    </p:extLst>
+  </p:cSld>
+  <p:clrMapOvr>
+    <a:masterClrMapping/>
+  </p:clrMapOvr>
+</p:notes>
+</file>
+
+<file path=ppt/notesSlides/notesSlide3.xml><?xml version="1.0" encoding="utf-8"?>
+<p:notes xmlns:a="http://schemas.openxmlformats.org/drawingml/2006/main" xmlns:r="http://schemas.openxmlformats.org/officeDocument/2006/relationships" xmlns:p="http://schemas.openxmlformats.org/presentationml/2006/main">
+  <p:cSld>
+    <p:spTree>
+      <p:nvGrpSpPr>
+        <p:cNvPr id="1" name=""/>
+        <p:cNvGrpSpPr/>
+        <p:nvPr/>
+      </p:nvGrpSpPr>
+      <p:grpSpPr>
+        <a:xfrm>
+          <a:off x="0" y="0"/>
+          <a:ext cx="0" cy="0"/>
+          <a:chOff x="0" y="0"/>
+          <a:chExt cx="0" cy="0"/>
+        </a:xfrm>
+      </p:grpSpPr>
+      <p:sp>
+        <p:nvSpPr>
+          <p:cNvPr id="2" name="Espace réservé de l'image des diapositives 1"/>
+          <p:cNvSpPr>
+            <a:spLocks noGrp="1" noRot="1" noChangeAspect="1"/>
+          </p:cNvSpPr>
+          <p:nvPr>
+            <p:ph type="sldImg"/>
+          </p:nvPr>
+        </p:nvSpPr>
+        <p:spPr/>
+      </p:sp>
+      <p:sp>
+        <p:nvSpPr>
+          <p:cNvPr id="3" name="Espace réservé des notes 2"/>
+          <p:cNvSpPr>
+            <a:spLocks noGrp="1"/>
+          </p:cNvSpPr>
+          <p:nvPr>
+            <p:ph type="body" idx="1"/>
+          </p:nvPr>
+        </p:nvSpPr>
+        <p:spPr/>
+        <p:txBody>
+          <a:bodyPr/>
+          <a:lstStyle/>
+          <a:p>
+            <a:r>
+              <a:rPr lang="fr-FR" dirty="0"/>
+              <a:t>Aujourd’hui, le papier est encore présent</a:t>
+            </a:r>
+          </a:p>
+          <a:p>
+            <a:r>
+              <a:rPr lang="fr-FR" dirty="0"/>
+              <a:t>Budget important mais règlement et course à la technologie</a:t>
+            </a:r>
+          </a:p>
+          <a:p>
+            <a:endParaRPr lang="fr-FR" dirty="0"/>
+          </a:p>
+        </p:txBody>
+      </p:sp>
+      <p:sp>
+        <p:nvSpPr>
+          <p:cNvPr id="4" name="Espace réservé du numéro de diapositive 3"/>
+          <p:cNvSpPr>
+            <a:spLocks noGrp="1"/>
+          </p:cNvSpPr>
+          <p:nvPr>
+            <p:ph type="sldNum" sz="quarter" idx="5"/>
+          </p:nvPr>
+        </p:nvSpPr>
+        <p:spPr/>
+        <p:txBody>
+          <a:bodyPr/>
+          <a:lstStyle/>
+          <a:p>
+            <a:fld id="{162B3B86-EE34-46FE-A9A9-D1A3A7FDEEAB}" type="slidenum">
+              <a:rPr lang="fr-FR" smtClean="0"/>
+              <a:t>3</a:t>
+            </a:fld>
+            <a:endParaRPr lang="fr-FR"/>
+          </a:p>
+        </p:txBody>
+      </p:sp>
+    </p:spTree>
+    <p:extLst>
+      <p:ext uri="{BB962C8B-B14F-4D97-AF65-F5344CB8AC3E}">
+        <p14:creationId xmlns:p14="http://schemas.microsoft.com/office/powerpoint/2010/main" val="2124308203"/>
+      </p:ext>
+    </p:extLst>
+  </p:cSld>
+  <p:clrMapOvr>
+    <a:masterClrMapping/>
+  </p:clrMapOvr>
+</p:notes>
+</file>
+
+<file path=ppt/notesSlides/notesSlide4.xml><?xml version="1.0" encoding="utf-8"?>
+<p:notes xmlns:a="http://schemas.openxmlformats.org/drawingml/2006/main" xmlns:r="http://schemas.openxmlformats.org/officeDocument/2006/relationships" xmlns:p="http://schemas.openxmlformats.org/presentationml/2006/main">
+  <p:cSld>
+    <p:spTree>
+      <p:nvGrpSpPr>
+        <p:cNvPr id="1" name=""/>
+        <p:cNvGrpSpPr/>
+        <p:nvPr/>
+      </p:nvGrpSpPr>
+      <p:grpSpPr>
+        <a:xfrm>
+          <a:off x="0" y="0"/>
+          <a:ext cx="0" cy="0"/>
+          <a:chOff x="0" y="0"/>
+          <a:chExt cx="0" cy="0"/>
+        </a:xfrm>
+      </p:grpSpPr>
+      <p:sp>
+        <p:nvSpPr>
+          <p:cNvPr id="2" name="Espace réservé de l'image des diapositives 1"/>
+          <p:cNvSpPr>
+            <a:spLocks noGrp="1" noRot="1" noChangeAspect="1"/>
+          </p:cNvSpPr>
+          <p:nvPr>
+            <p:ph type="sldImg"/>
+          </p:nvPr>
+        </p:nvSpPr>
+        <p:spPr/>
+      </p:sp>
+      <p:sp>
+        <p:nvSpPr>
+          <p:cNvPr id="3" name="Espace réservé des notes 2"/>
+          <p:cNvSpPr>
+            <a:spLocks noGrp="1"/>
+          </p:cNvSpPr>
+          <p:nvPr>
+            <p:ph type="body" idx="1"/>
+          </p:nvPr>
+        </p:nvSpPr>
+        <p:spPr/>
+        <p:txBody>
+          <a:bodyPr/>
+          <a:lstStyle/>
+          <a:p>
+            <a:r>
+              <a:rPr lang="fr-FR" dirty="0"/>
+              <a:t>Allons chercher à rentre la télémétrie des pilotes interactive</a:t>
+            </a:r>
+          </a:p>
+        </p:txBody>
+      </p:sp>
+      <p:sp>
+        <p:nvSpPr>
+          <p:cNvPr id="4" name="Espace réservé du numéro de diapositive 3"/>
+          <p:cNvSpPr>
+            <a:spLocks noGrp="1"/>
+          </p:cNvSpPr>
+          <p:nvPr>
+            <p:ph type="sldNum" sz="quarter" idx="5"/>
+          </p:nvPr>
+        </p:nvSpPr>
+        <p:spPr/>
+        <p:txBody>
+          <a:bodyPr/>
+          <a:lstStyle/>
+          <a:p>
+            <a:fld id="{162B3B86-EE34-46FE-A9A9-D1A3A7FDEEAB}" type="slidenum">
+              <a:rPr lang="fr-FR" smtClean="0"/>
+              <a:t>4</a:t>
+            </a:fld>
+            <a:endParaRPr lang="fr-FR"/>
+          </a:p>
+        </p:txBody>
+      </p:sp>
+    </p:spTree>
+    <p:extLst>
+      <p:ext uri="{BB962C8B-B14F-4D97-AF65-F5344CB8AC3E}">
+        <p14:creationId xmlns:p14="http://schemas.microsoft.com/office/powerpoint/2010/main" val="1775752781"/>
+      </p:ext>
+    </p:extLst>
+  </p:cSld>
+  <p:clrMapOvr>
+    <a:masterClrMapping/>
+  </p:clrMapOvr>
+</p:notes>
+</file>
+
+<file path=ppt/notesSlides/notesSlide5.xml><?xml version="1.0" encoding="utf-8"?>
+<p:notes xmlns:a="http://schemas.openxmlformats.org/drawingml/2006/main" xmlns:r="http://schemas.openxmlformats.org/officeDocument/2006/relationships" xmlns:p="http://schemas.openxmlformats.org/presentationml/2006/main">
+  <p:cSld>
+    <p:spTree>
+      <p:nvGrpSpPr>
+        <p:cNvPr id="1" name=""/>
+        <p:cNvGrpSpPr/>
+        <p:nvPr/>
+      </p:nvGrpSpPr>
+      <p:grpSpPr>
+        <a:xfrm>
+          <a:off x="0" y="0"/>
+          <a:ext cx="0" cy="0"/>
+          <a:chOff x="0" y="0"/>
+          <a:chExt cx="0" cy="0"/>
+        </a:xfrm>
+      </p:grpSpPr>
+      <p:sp>
+        <p:nvSpPr>
+          <p:cNvPr id="2" name="Espace réservé de l'image des diapositives 1"/>
+          <p:cNvSpPr>
+            <a:spLocks noGrp="1" noRot="1" noChangeAspect="1"/>
+          </p:cNvSpPr>
+          <p:nvPr>
+            <p:ph type="sldImg"/>
+          </p:nvPr>
+        </p:nvSpPr>
+        <p:spPr/>
+      </p:sp>
+      <p:sp>
+        <p:nvSpPr>
+          <p:cNvPr id="3" name="Espace réservé des notes 2"/>
+          <p:cNvSpPr>
+            <a:spLocks noGrp="1"/>
+          </p:cNvSpPr>
+          <p:nvPr>
+            <p:ph type="body" idx="1"/>
+          </p:nvPr>
+        </p:nvSpPr>
+        <p:spPr/>
+        <p:txBody>
+          <a:bodyPr/>
+          <a:lstStyle/>
+          <a:p>
+            <a:r>
+              <a:rPr lang="fr-FR" dirty="0"/>
+              <a:t>Les tours effectués durant la </a:t>
+            </a:r>
+            <a:r>
+              <a:rPr lang="fr-FR" dirty="0" err="1"/>
+              <a:t>scéance</a:t>
+            </a:r>
+            <a:r>
+              <a:rPr lang="fr-FR" dirty="0"/>
+              <a:t> :</a:t>
+            </a:r>
+          </a:p>
+          <a:p>
+            <a:pPr marL="171450" indent="-171450">
+              <a:buFontTx/>
+              <a:buChar char="-"/>
+            </a:pPr>
+            <a:r>
+              <a:rPr lang="fr-FR" dirty="0"/>
+              <a:t>Temps au tour</a:t>
+            </a:r>
+          </a:p>
+          <a:p>
+            <a:pPr marL="171450" indent="-171450">
+              <a:buFontTx/>
+              <a:buChar char="-"/>
+            </a:pPr>
+            <a:r>
+              <a:rPr lang="fr-FR" dirty="0"/>
+              <a:t>Essence restant à la fin du tour</a:t>
+            </a:r>
+          </a:p>
+          <a:p>
+            <a:pPr marL="171450" indent="-171450">
+              <a:buFontTx/>
+              <a:buChar char="-"/>
+            </a:pPr>
+            <a:r>
+              <a:rPr lang="fr-FR" dirty="0"/>
+              <a:t>Vélocité</a:t>
+            </a:r>
+          </a:p>
+          <a:p>
+            <a:pPr marL="0" indent="0">
+              <a:buFontTx/>
+              <a:buNone/>
+            </a:pPr>
+            <a:endParaRPr lang="fr-FR" dirty="0"/>
+          </a:p>
+          <a:p>
+            <a:pPr marL="0" indent="0">
+              <a:buFontTx/>
+              <a:buNone/>
+            </a:pPr>
+            <a:r>
+              <a:rPr lang="fr-FR" dirty="0"/>
+              <a:t>Graphe explicite</a:t>
+            </a:r>
+          </a:p>
+          <a:p>
+            <a:pPr marL="0" indent="0">
+              <a:buFontTx/>
+              <a:buNone/>
+            </a:pPr>
+            <a:endParaRPr lang="fr-FR" dirty="0"/>
+          </a:p>
+          <a:p>
+            <a:pPr marL="0" indent="0">
+              <a:buFontTx/>
+              <a:buNone/>
+            </a:pPr>
+            <a:r>
+              <a:rPr lang="fr-FR" dirty="0"/>
+              <a:t>Usure des pneus ( Dans un weekend, nombre de pneus limité par le </a:t>
+            </a:r>
+            <a:r>
+              <a:rPr lang="fr-FR" dirty="0" err="1"/>
+              <a:t>réglement</a:t>
+            </a:r>
+            <a:r>
+              <a:rPr lang="fr-FR" dirty="0"/>
+              <a:t>)</a:t>
+            </a:r>
+          </a:p>
+          <a:p>
+            <a:pPr marL="0" indent="0">
+              <a:buFontTx/>
+              <a:buNone/>
+            </a:pPr>
+            <a:r>
+              <a:rPr lang="fr-FR" dirty="0"/>
+              <a:t>G max pris par la voiture, indicateur du nombre de G que peux prendre la voiture </a:t>
+            </a:r>
+          </a:p>
+          <a:p>
+            <a:pPr marL="0" indent="0">
+              <a:buFontTx/>
+              <a:buNone/>
+            </a:pPr>
+            <a:r>
+              <a:rPr lang="fr-FR" dirty="0"/>
+              <a:t>Emplacement de la prise de mesure</a:t>
+            </a:r>
+          </a:p>
+          <a:p>
+            <a:pPr marL="0" indent="0">
+              <a:buFontTx/>
+              <a:buNone/>
+            </a:pPr>
+            <a:r>
+              <a:rPr lang="fr-FR" dirty="0"/>
+              <a:t>Quelque indicateur clef (température car peut faire varié les performances de la voiture et distance total car si petit alors </a:t>
+            </a:r>
+            <a:r>
+              <a:rPr lang="fr-FR" dirty="0" err="1"/>
+              <a:t>traffic</a:t>
+            </a:r>
+            <a:r>
+              <a:rPr lang="fr-FR" dirty="0"/>
+              <a:t> plus dense lors des essaies)</a:t>
+            </a:r>
+          </a:p>
+          <a:p>
+            <a:pPr marL="0" indent="0">
+              <a:buFontTx/>
+              <a:buNone/>
+            </a:pPr>
+            <a:endParaRPr lang="fr-FR" dirty="0"/>
+          </a:p>
+          <a:p>
+            <a:pPr marL="0" indent="0">
+              <a:buFontTx/>
+              <a:buNone/>
+            </a:pPr>
+            <a:r>
+              <a:rPr lang="fr-FR" dirty="0"/>
+              <a:t>Comme la feuille de </a:t>
+            </a:r>
+            <a:r>
+              <a:rPr lang="fr-FR" dirty="0" err="1"/>
+              <a:t>sébastian</a:t>
+            </a:r>
+            <a:r>
+              <a:rPr lang="fr-FR" dirty="0"/>
+              <a:t> Vettel mais avec une possibilité de </a:t>
+            </a:r>
+            <a:r>
+              <a:rPr lang="fr-FR" dirty="0" err="1"/>
+              <a:t>selection</a:t>
+            </a:r>
+            <a:r>
+              <a:rPr lang="fr-FR" dirty="0"/>
+              <a:t> de secteur :</a:t>
+            </a:r>
+          </a:p>
+          <a:p>
+            <a:pPr marL="0" indent="0">
+              <a:buFontTx/>
+              <a:buNone/>
+            </a:pPr>
+            <a:r>
+              <a:rPr lang="fr-FR" dirty="0"/>
+              <a:t>Exemple :</a:t>
+            </a:r>
+          </a:p>
+          <a:p>
+            <a:pPr marL="0" indent="0">
+              <a:buFontTx/>
+              <a:buNone/>
+            </a:pPr>
+            <a:r>
+              <a:rPr lang="fr-FR" dirty="0" err="1"/>
+              <a:t>Selection</a:t>
+            </a:r>
+            <a:r>
+              <a:rPr lang="fr-FR" dirty="0"/>
+              <a:t> du début</a:t>
+            </a:r>
+          </a:p>
+          <a:p>
+            <a:pPr marL="0" indent="0">
+              <a:buFontTx/>
+              <a:buNone/>
+            </a:pPr>
+            <a:r>
+              <a:rPr lang="fr-FR" dirty="0"/>
+              <a:t>Talon pointe (talon sur l’</a:t>
+            </a:r>
+            <a:r>
+              <a:rPr lang="fr-FR" dirty="0" err="1"/>
+              <a:t>accelerateur</a:t>
+            </a:r>
+            <a:r>
+              <a:rPr lang="fr-FR" dirty="0"/>
+              <a:t> et pointe sur le frein)</a:t>
+            </a:r>
+          </a:p>
+          <a:p>
+            <a:pPr marL="0" indent="0">
+              <a:buFontTx/>
+              <a:buNone/>
+            </a:pPr>
+            <a:r>
+              <a:rPr lang="fr-FR" dirty="0"/>
+              <a:t>Relâchement du frein pour évité le blocage mais reblocage ensuite donc distance d’</a:t>
+            </a:r>
+            <a:r>
+              <a:rPr lang="fr-FR" dirty="0" err="1"/>
+              <a:t>arret</a:t>
+            </a:r>
+            <a:r>
+              <a:rPr lang="fr-FR" dirty="0"/>
+              <a:t> plus longue</a:t>
+            </a:r>
+          </a:p>
+          <a:p>
+            <a:pPr marL="0" indent="0">
+              <a:buFontTx/>
+              <a:buNone/>
+            </a:pPr>
+            <a:r>
+              <a:rPr lang="fr-FR" dirty="0"/>
+              <a:t>Redémarrage hasardeux</a:t>
+            </a:r>
+          </a:p>
+          <a:p>
+            <a:pPr marL="0" indent="0">
+              <a:buFontTx/>
+              <a:buNone/>
+            </a:pPr>
+            <a:endParaRPr lang="fr-FR" dirty="0"/>
+          </a:p>
+          <a:p>
+            <a:pPr marL="0" indent="0">
+              <a:buFontTx/>
+              <a:buNone/>
+            </a:pPr>
+            <a:r>
+              <a:rPr lang="fr-FR" dirty="0"/>
+              <a:t>Visualisation d’un rétrogradage en trop qui influe sur la stabilité du régime moteur et donc la stabilité de la voiture</a:t>
+            </a:r>
+          </a:p>
+          <a:p>
+            <a:pPr marL="0" indent="0">
+              <a:buFontTx/>
+              <a:buNone/>
+            </a:pPr>
+            <a:endParaRPr lang="fr-FR" dirty="0"/>
+          </a:p>
+        </p:txBody>
+      </p:sp>
+      <p:sp>
+        <p:nvSpPr>
+          <p:cNvPr id="4" name="Espace réservé du numéro de diapositive 3"/>
+          <p:cNvSpPr>
+            <a:spLocks noGrp="1"/>
+          </p:cNvSpPr>
+          <p:nvPr>
+            <p:ph type="sldNum" sz="quarter" idx="5"/>
+          </p:nvPr>
+        </p:nvSpPr>
+        <p:spPr/>
+        <p:txBody>
+          <a:bodyPr/>
+          <a:lstStyle/>
+          <a:p>
+            <a:fld id="{162B3B86-EE34-46FE-A9A9-D1A3A7FDEEAB}" type="slidenum">
+              <a:rPr lang="fr-FR" smtClean="0"/>
+              <a:t>5</a:t>
+            </a:fld>
+            <a:endParaRPr lang="fr-FR"/>
+          </a:p>
+        </p:txBody>
+      </p:sp>
+    </p:spTree>
+    <p:extLst>
+      <p:ext uri="{BB962C8B-B14F-4D97-AF65-F5344CB8AC3E}">
+        <p14:creationId xmlns:p14="http://schemas.microsoft.com/office/powerpoint/2010/main" val="4031732446"/>
+      </p:ext>
+    </p:extLst>
+  </p:cSld>
+  <p:clrMapOvr>
+    <a:masterClrMapping/>
+  </p:clrMapOvr>
+</p:notes>
+</file>
+
+<file path=ppt/notesSlides/notesSlide6.xml><?xml version="1.0" encoding="utf-8"?>
+<p:notes xmlns:a="http://schemas.openxmlformats.org/drawingml/2006/main" xmlns:r="http://schemas.openxmlformats.org/officeDocument/2006/relationships" xmlns:p="http://schemas.openxmlformats.org/presentationml/2006/main">
+  <p:cSld>
+    <p:spTree>
+      <p:nvGrpSpPr>
+        <p:cNvPr id="1" name=""/>
+        <p:cNvGrpSpPr/>
+        <p:nvPr/>
+      </p:nvGrpSpPr>
+      <p:grpSpPr>
+        <a:xfrm>
+          <a:off x="0" y="0"/>
+          <a:ext cx="0" cy="0"/>
+          <a:chOff x="0" y="0"/>
+          <a:chExt cx="0" cy="0"/>
+        </a:xfrm>
+      </p:grpSpPr>
+      <p:sp>
+        <p:nvSpPr>
+          <p:cNvPr id="2" name="Espace réservé de l'image des diapositives 1"/>
+          <p:cNvSpPr>
+            <a:spLocks noGrp="1" noRot="1" noChangeAspect="1"/>
+          </p:cNvSpPr>
+          <p:nvPr>
+            <p:ph type="sldImg"/>
+          </p:nvPr>
+        </p:nvSpPr>
+        <p:spPr/>
+      </p:sp>
+      <p:sp>
+        <p:nvSpPr>
+          <p:cNvPr id="3" name="Espace réservé des notes 2"/>
+          <p:cNvSpPr>
+            <a:spLocks noGrp="1"/>
+          </p:cNvSpPr>
+          <p:nvPr>
+            <p:ph type="body" idx="1"/>
+          </p:nvPr>
+        </p:nvSpPr>
+        <p:spPr/>
+        <p:txBody>
+          <a:bodyPr/>
+          <a:lstStyle/>
+          <a:p>
+            <a:r>
+              <a:rPr lang="fr-FR" dirty="0"/>
+              <a:t>Interface personnalisable pour un pilote</a:t>
+            </a:r>
+          </a:p>
+          <a:p>
+            <a:r>
+              <a:rPr lang="fr-FR" dirty="0"/>
+              <a:t>Solution gratuite</a:t>
+            </a:r>
+          </a:p>
+          <a:p>
+            <a:r>
+              <a:rPr lang="fr-FR" dirty="0"/>
+              <a:t>Problème de confidentialité des données (Données partagé avec google)</a:t>
+            </a:r>
+          </a:p>
+          <a:p>
+            <a:endParaRPr lang="fr-FR" dirty="0"/>
+          </a:p>
+          <a:p>
+            <a:r>
+              <a:rPr lang="fr-FR" dirty="0"/>
+              <a:t>Réfléchir à une solution à terme si elle s’</a:t>
+            </a:r>
+            <a:r>
+              <a:rPr lang="fr-FR" dirty="0" err="1"/>
+              <a:t>avere</a:t>
+            </a:r>
+            <a:r>
+              <a:rPr lang="fr-FR" dirty="0"/>
+              <a:t> utiles au pilote</a:t>
+            </a:r>
+          </a:p>
+          <a:p>
+            <a:r>
+              <a:rPr lang="fr-FR" dirty="0"/>
+              <a:t>Ajout de la comparaison de tour</a:t>
+            </a:r>
+          </a:p>
+          <a:p>
+            <a:r>
+              <a:rPr lang="fr-FR" dirty="0"/>
+              <a:t>Ajout de l’analyse d’une course</a:t>
+            </a:r>
+          </a:p>
+          <a:p>
+            <a:endParaRPr lang="fr-FR" dirty="0"/>
+          </a:p>
+        </p:txBody>
+      </p:sp>
+      <p:sp>
+        <p:nvSpPr>
+          <p:cNvPr id="4" name="Espace réservé du numéro de diapositive 3"/>
+          <p:cNvSpPr>
+            <a:spLocks noGrp="1"/>
+          </p:cNvSpPr>
+          <p:nvPr>
+            <p:ph type="sldNum" sz="quarter" idx="5"/>
+          </p:nvPr>
+        </p:nvSpPr>
+        <p:spPr/>
+        <p:txBody>
+          <a:bodyPr/>
+          <a:lstStyle/>
+          <a:p>
+            <a:fld id="{162B3B86-EE34-46FE-A9A9-D1A3A7FDEEAB}" type="slidenum">
+              <a:rPr lang="fr-FR" smtClean="0"/>
+              <a:t>6</a:t>
+            </a:fld>
+            <a:endParaRPr lang="fr-FR"/>
+          </a:p>
+        </p:txBody>
+      </p:sp>
+    </p:spTree>
+    <p:extLst>
+      <p:ext uri="{BB962C8B-B14F-4D97-AF65-F5344CB8AC3E}">
+        <p14:creationId xmlns:p14="http://schemas.microsoft.com/office/powerpoint/2010/main" val="1440297136"/>
+      </p:ext>
+    </p:extLst>
+  </p:cSld>
+  <p:clrMapOvr>
+    <a:masterClrMapping/>
+  </p:clrMapOvr>
+</p:notes>
+</file>
+
 <file path=ppt/slideLayouts/slideLayout1.xml><?xml version="1.0" encoding="utf-8"?>
 <p:sldLayout xmlns:a="http://schemas.openxmlformats.org/drawingml/2006/main" xmlns:r="http://schemas.openxmlformats.org/officeDocument/2006/relationships" xmlns:p="http://schemas.openxmlformats.org/presentationml/2006/main" type="title" preserve="1">
   <p:cSld name="Diapositive de titre">
@@ -4700,7 +9648,7 @@
           <a:p>
             <a:fld id="{A45B9DF1-6122-4D7B-8193-4A89E538101B}" type="datetime1">
               <a:rPr lang="fr-FR" smtClean="0"/>
-              <a:t>15/12/2020</a:t>
+              <a:t>16/12/2020</a:t>
             </a:fld>
             <a:endParaRPr lang="fr-FR"/>
           </a:p>
@@ -4901,7 +9849,7 @@
           <a:p>
             <a:fld id="{9BF74D72-FFD0-477C-A413-3F33BE7C0494}" type="datetime1">
               <a:rPr lang="fr-FR" smtClean="0"/>
-              <a:t>15/12/2020</a:t>
+              <a:t>16/12/2020</a:t>
             </a:fld>
             <a:endParaRPr lang="fr-FR"/>
           </a:p>
@@ -5112,7 +10060,7 @@
           <a:p>
             <a:fld id="{1042D8B6-EB3F-4A31-BB2E-197D405E83A0}" type="datetime1">
               <a:rPr lang="fr-FR" smtClean="0"/>
-              <a:t>15/12/2020</a:t>
+              <a:t>16/12/2020</a:t>
             </a:fld>
             <a:endParaRPr lang="fr-FR"/>
           </a:p>
@@ -5313,7 +10261,7 @@
           <a:p>
             <a:fld id="{2A7D9F00-42BC-4EB2-8F2C-1474BDD438D0}" type="datetime1">
               <a:rPr lang="fr-FR" smtClean="0"/>
-              <a:t>15/12/2020</a:t>
+              <a:t>16/12/2020</a:t>
             </a:fld>
             <a:endParaRPr lang="fr-FR"/>
           </a:p>
@@ -5591,7 +10539,7 @@
           <a:p>
             <a:fld id="{6F6431CB-4BFB-4518-AEB2-B559ED1B7124}" type="datetime1">
               <a:rPr lang="fr-FR" smtClean="0"/>
-              <a:t>15/12/2020</a:t>
+              <a:t>16/12/2020</a:t>
             </a:fld>
             <a:endParaRPr lang="fr-FR"/>
           </a:p>
@@ -5859,7 +10807,7 @@
           <a:p>
             <a:fld id="{81D9CC2E-CE90-451B-ABB2-A3A888AE8C0F}" type="datetime1">
               <a:rPr lang="fr-FR" smtClean="0"/>
-              <a:t>15/12/2020</a:t>
+              <a:t>16/12/2020</a:t>
             </a:fld>
             <a:endParaRPr lang="fr-FR"/>
           </a:p>
@@ -6274,7 +11222,7 @@
           <a:p>
             <a:fld id="{A086BAE2-0BAC-4EDD-994E-B451E24137A8}" type="datetime1">
               <a:rPr lang="fr-FR" smtClean="0"/>
-              <a:t>15/12/2020</a:t>
+              <a:t>16/12/2020</a:t>
             </a:fld>
             <a:endParaRPr lang="fr-FR"/>
           </a:p>
@@ -6418,7 +11366,7 @@
           <a:p>
             <a:fld id="{F841A3E5-0F47-4C36-AC44-1FA041D29198}" type="datetime1">
               <a:rPr lang="fr-FR" smtClean="0"/>
-              <a:t>15/12/2020</a:t>
+              <a:t>16/12/2020</a:t>
             </a:fld>
             <a:endParaRPr lang="fr-FR"/>
           </a:p>
@@ -6534,7 +11482,7 @@
           <a:p>
             <a:fld id="{577F8FAD-6845-4AC9-830A-3E934EE1D384}" type="datetime1">
               <a:rPr lang="fr-FR" smtClean="0"/>
-              <a:t>15/12/2020</a:t>
+              <a:t>16/12/2020</a:t>
             </a:fld>
             <a:endParaRPr lang="fr-FR"/>
           </a:p>
@@ -6848,7 +11796,7 @@
           <a:p>
             <a:fld id="{A779F299-2A6A-4705-AE16-40C99CF5D65D}" type="datetime1">
               <a:rPr lang="fr-FR" smtClean="0"/>
-              <a:t>15/12/2020</a:t>
+              <a:t>16/12/2020</a:t>
             </a:fld>
             <a:endParaRPr lang="fr-FR"/>
           </a:p>
@@ -7139,7 +12087,7 @@
           <a:p>
             <a:fld id="{2436C3DA-6E2E-4DBB-8865-96002D5ABC01}" type="datetime1">
               <a:rPr lang="fr-FR" smtClean="0"/>
-              <a:t>15/12/2020</a:t>
+              <a:t>16/12/2020</a:t>
             </a:fld>
             <a:endParaRPr lang="fr-FR"/>
           </a:p>
@@ -7383,7 +12331,7 @@
           <a:p>
             <a:fld id="{4C2E4303-AE71-408E-BBA9-959238FEDED9}" type="datetime1">
               <a:rPr lang="fr-FR" smtClean="0"/>
-              <a:t>15/12/2020</a:t>
+              <a:t>16/12/2020</a:t>
             </a:fld>
             <a:endParaRPr lang="fr-FR"/>
           </a:p>
@@ -7887,7 +12835,7 @@
           <p:nvPr/>
         </p:nvPicPr>
         <p:blipFill rotWithShape="1">
-          <a:blip r:embed="rId2">
+          <a:blip r:embed="rId3">
             <a:extLst>
               <a:ext uri="{28A0092B-C50C-407E-A947-70E740481C1C}">
                 <a14:useLocalDpi xmlns:a14="http://schemas.microsoft.com/office/drawing/2010/main" val="0"/>
@@ -8024,7 +12972,7 @@
             <a:pPr algn="l"/>
             <a:r>
               <a:rPr lang="fr-FR" sz="3200" dirty="0"/>
-              <a:t>Rapport du meilleur temps en course : Grand prix de Bahreïn</a:t>
+              <a:t>Rapport du meilleur temps des essais libres: Grand prix de Bahreïn</a:t>
             </a:r>
           </a:p>
         </p:txBody>
@@ -8244,8 +13192,8 @@
         </p:nvSpPr>
         <p:spPr>
           <a:xfrm rot="1505379">
-            <a:off x="7691154" y="-819776"/>
-            <a:ext cx="6857858" cy="2802381"/>
+            <a:off x="7170416" y="-1302376"/>
+            <a:ext cx="6857858" cy="3085779"/>
           </a:xfrm>
           <a:prstGeom prst="rect">
             <a:avLst/>
@@ -8319,13 +13267,13 @@
           <p:nvPr/>
         </p:nvPicPr>
         <p:blipFill>
-          <a:blip r:embed="rId3" cstate="print">
+          <a:blip r:embed="rId4" cstate="print">
             <a:extLst>
               <a:ext uri="{28A0092B-C50C-407E-A947-70E740481C1C}">
                 <a14:useLocalDpi xmlns:a14="http://schemas.microsoft.com/office/drawing/2010/main" val="0"/>
               </a:ext>
               <a:ext uri="{96DAC541-7B7A-43D3-8B79-37D633B846F1}">
-                <asvg:svgBlip xmlns:asvg="http://schemas.microsoft.com/office/drawing/2016/SVG/main" r:embed="rId4"/>
+                <asvg:svgBlip xmlns:asvg="http://schemas.microsoft.com/office/drawing/2016/SVG/main" r:embed="rId5"/>
               </a:ext>
             </a:extLst>
           </a:blip>
@@ -8335,7 +13283,7 @@
         </p:blipFill>
         <p:spPr>
           <a:xfrm>
-            <a:off x="8801391" y="40468"/>
+            <a:off x="8398387" y="353289"/>
             <a:ext cx="3293581" cy="1081895"/>
           </a:xfrm>
           <a:prstGeom prst="rect">
@@ -8646,8 +13594,8 @@
               <a:buAutoNum type="romanUcPeriod"/>
             </a:pPr>
             <a:r>
-              <a:rPr lang="fr-FR" sz="1800"/>
-              <a:t>La télémétrie actuellement</a:t>
+              <a:rPr lang="fr-FR" sz="1800" dirty="0"/>
+              <a:t>La télémétrie actuelle</a:t>
             </a:r>
           </a:p>
           <a:p>
@@ -8656,7 +13604,7 @@
               <a:buAutoNum type="romanUcPeriod"/>
             </a:pPr>
             <a:r>
-              <a:rPr lang="fr-FR" sz="1800"/>
+              <a:rPr lang="fr-FR" sz="1800" dirty="0"/>
               <a:t>Le nouveau Dashboard</a:t>
             </a:r>
           </a:p>
@@ -8666,7 +13614,7 @@
               <a:buAutoNum type="romanUcPeriod"/>
             </a:pPr>
             <a:r>
-              <a:rPr lang="fr-FR" sz="1800"/>
+              <a:rPr lang="fr-FR" sz="1800" dirty="0"/>
               <a:t>Conclusion</a:t>
             </a:r>
           </a:p>
@@ -8719,7 +13667,7 @@
                   <a:spcPts val="600"/>
                 </a:spcAft>
               </a:pPr>
-              <a:t>15/12/2020</a:t>
+              <a:t>16/12/2020</a:t>
             </a:fld>
             <a:endParaRPr lang="fr-FR">
               <a:solidFill>
@@ -8794,7 +13742,7 @@
           <p:nvPr/>
         </p:nvPicPr>
         <p:blipFill rotWithShape="1">
-          <a:blip r:embed="rId2">
+          <a:blip r:embed="rId3">
             <a:extLst>
               <a:ext uri="{28A0092B-C50C-407E-A947-70E740481C1C}">
                 <a14:useLocalDpi xmlns:a14="http://schemas.microsoft.com/office/drawing/2010/main" val="0"/>
@@ -9043,6 +13991,16 @@
                   <a:pt x="6320156" y="0"/>
                 </a:moveTo>
                 <a:cubicBezTo>
+                  <a:pt x="9880874" y="-61456"/>
+                  <a:pt x="12678253" y="1604531"/>
+                  <a:pt x="12640313" y="3982421"/>
+                </a:cubicBezTo>
+              </a:path>
+              <a:path w="12640313" h="7964842" fill="none" stroke="0" extrusionOk="0">
+                <a:moveTo>
+                  <a:pt x="6320156" y="0"/>
+                </a:moveTo>
+                <a:cubicBezTo>
                   <a:pt x="9926580" y="178521"/>
                   <a:pt x="12958235" y="2172423"/>
                   <a:pt x="12640313" y="3982421"/>
@@ -9226,6 +14184,16 @@
                   <a:pt x="6320156" y="0"/>
                 </a:moveTo>
                 <a:cubicBezTo>
+                  <a:pt x="9880874" y="-61456"/>
+                  <a:pt x="12678253" y="1604531"/>
+                  <a:pt x="12640313" y="3982421"/>
+                </a:cubicBezTo>
+              </a:path>
+              <a:path w="12640313" h="7964842" fill="none" stroke="0" extrusionOk="0">
+                <a:moveTo>
+                  <a:pt x="6320156" y="0"/>
+                </a:moveTo>
+                <a:cubicBezTo>
                   <a:pt x="9926580" y="178521"/>
                   <a:pt x="12958235" y="2172423"/>
                   <a:pt x="12640313" y="3982421"/>
@@ -9393,7 +14361,7 @@
         <p:spPr>
           <a:xfrm>
             <a:off x="411480" y="987552"/>
-            <a:ext cx="4485861" cy="1088136"/>
+            <a:ext cx="5479654" cy="1088136"/>
           </a:xfrm>
         </p:spPr>
         <p:txBody>
@@ -9402,9 +14370,13 @@
           </a:bodyPr>
           <a:lstStyle/>
           <a:p>
+            <a:pPr marL="571500" indent="-571500">
+              <a:buFont typeface="+mj-lt"/>
+              <a:buAutoNum type="romanUcPeriod"/>
+            </a:pPr>
             <a:r>
-              <a:rPr lang="fr-FR" sz="3400"/>
-              <a:t>Sommaire</a:t>
+              <a:rPr lang="fr-FR" sz="3400" dirty="0"/>
+              <a:t>La télémétrie actuelle</a:t>
             </a:r>
           </a:p>
         </p:txBody>
@@ -9627,7 +14599,7 @@
             <p:nvPr/>
           </p:nvPicPr>
           <p:blipFill rotWithShape="1">
-            <a:blip r:embed="rId2" cstate="print">
+            <a:blip r:embed="rId3" cstate="print">
               <a:extLst>
                 <a:ext uri="{28A0092B-C50C-407E-A947-70E740481C1C}">
                   <a14:useLocalDpi xmlns:a14="http://schemas.microsoft.com/office/drawing/2010/main" val="0"/>
@@ -9673,7 +14645,7 @@
             <p:nvPr/>
           </p:nvPicPr>
           <p:blipFill rotWithShape="1">
-            <a:blip r:embed="rId3" cstate="print">
+            <a:blip r:embed="rId4" cstate="print">
               <a:extLst>
                 <a:ext uri="{28A0092B-C50C-407E-A947-70E740481C1C}">
                   <a14:useLocalDpi xmlns:a14="http://schemas.microsoft.com/office/drawing/2010/main" val="0"/>
@@ -9719,7 +14691,7 @@
             <p:nvPr/>
           </p:nvPicPr>
           <p:blipFill>
-            <a:blip r:embed="rId4" cstate="print">
+            <a:blip r:embed="rId5" cstate="print">
               <a:extLst>
                 <a:ext uri="{28A0092B-C50C-407E-A947-70E740481C1C}">
                   <a14:useLocalDpi xmlns:a14="http://schemas.microsoft.com/office/drawing/2010/main" val="0"/>
@@ -9771,7 +14743,7 @@
         </p:xfrm>
         <a:graphic>
           <a:graphicData uri="http://schemas.openxmlformats.org/drawingml/2006/diagram">
-            <dgm:relIds xmlns:dgm="http://schemas.openxmlformats.org/drawingml/2006/diagram" xmlns:r="http://schemas.openxmlformats.org/officeDocument/2006/relationships" r:dm="rId5" r:lo="rId6" r:qs="rId7" r:cs="rId8"/>
+            <dgm:relIds xmlns:dgm="http://schemas.openxmlformats.org/drawingml/2006/diagram" xmlns:r="http://schemas.openxmlformats.org/officeDocument/2006/relationships" r:dm="rId6" r:lo="rId7" r:qs="rId8" r:cs="rId9"/>
           </a:graphicData>
         </a:graphic>
       </p:graphicFrame>
@@ -9798,7 +14770,7 @@
           <a:p>
             <a:fld id="{0DD317E2-B83F-43B6-A7E7-9C03D216BD77}" type="datetime1">
               <a:rPr lang="fr-FR" smtClean="0"/>
-              <a:t>15/12/2020</a:t>
+              <a:t>16/12/2020</a:t>
             </a:fld>
             <a:endParaRPr lang="fr-FR"/>
           </a:p>
@@ -9978,7 +14950,7 @@
         <p:spPr>
           <a:xfrm>
             <a:off x="411480" y="987552"/>
-            <a:ext cx="5074920" cy="1088136"/>
+            <a:ext cx="5479654" cy="1088136"/>
           </a:xfrm>
         </p:spPr>
         <p:txBody>
@@ -9987,9 +14959,13 @@
           </a:bodyPr>
           <a:lstStyle/>
           <a:p>
+            <a:pPr marL="571500" indent="-571500">
+              <a:buFont typeface="+mj-lt"/>
+              <a:buAutoNum type="romanUcPeriod"/>
+            </a:pPr>
             <a:r>
               <a:rPr lang="fr-FR" sz="3400" dirty="0"/>
-              <a:t>La télémétrie actuellement</a:t>
+              <a:t>La télémétrie actuelle</a:t>
             </a:r>
           </a:p>
         </p:txBody>
@@ -10159,149 +15135,207 @@
           </a:bodyPr>
           <a:lstStyle/>
           <a:p>
-            <a:endParaRPr lang="fr-FR" sz="1800" dirty="0"/>
+            <a:r>
+              <a:rPr lang="fr-FR" sz="1800" dirty="0"/>
+              <a:t>Utilisation du papier</a:t>
+            </a:r>
+          </a:p>
+          <a:p>
+            <a:r>
+              <a:rPr lang="fr-FR" sz="1800" dirty="0"/>
+              <a:t>Manque de budget</a:t>
+            </a:r>
           </a:p>
         </p:txBody>
       </p:sp>
-      <p:pic>
-        <p:nvPicPr>
-          <p:cNvPr id="15" name="Espace réservé du contenu 4">
+      <p:grpSp>
+        <p:nvGrpSpPr>
+          <p:cNvPr id="8" name="Groupe 7">
             <a:extLst>
               <a:ext uri="{FF2B5EF4-FFF2-40B4-BE49-F238E27FC236}">
-                <a16:creationId xmlns:a16="http://schemas.microsoft.com/office/drawing/2014/main" id="{9D67E6BF-CB62-48AF-88DA-02E46DE3468B}"/>
+                <a16:creationId xmlns:a16="http://schemas.microsoft.com/office/drawing/2014/main" id="{9CFCC991-9C52-4C12-9C4C-5B1E0BDAC3AE}"/>
               </a:ext>
             </a:extLst>
           </p:cNvPr>
-          <p:cNvPicPr>
-            <a:picLocks/>
-          </p:cNvPicPr>
+          <p:cNvGrpSpPr>
+            <a:grpSpLocks noChangeAspect="1"/>
+          </p:cNvGrpSpPr>
           <p:nvPr/>
-        </p:nvPicPr>
-        <p:blipFill>
-          <a:blip r:embed="rId2">
+        </p:nvGrpSpPr>
+        <p:grpSpPr>
+          <a:xfrm>
+            <a:off x="1500267" y="3746284"/>
+            <a:ext cx="9191465" cy="2549012"/>
+            <a:chOff x="0" y="0"/>
+            <a:chExt cx="6216650" cy="1724025"/>
+          </a:xfrm>
+          <a:solidFill>
+            <a:schemeClr val="accent2"/>
+          </a:solidFill>
+        </p:grpSpPr>
+        <p:pic>
+          <p:nvPicPr>
+            <p:cNvPr id="9" name="Image 8">
+              <a:extLst>
+                <a:ext uri="{FF2B5EF4-FFF2-40B4-BE49-F238E27FC236}">
+                  <a16:creationId xmlns:a16="http://schemas.microsoft.com/office/drawing/2014/main" id="{A60459A2-2B93-4678-B578-34BBB6AF2AC5}"/>
+                </a:ext>
+              </a:extLst>
+            </p:cNvPr>
+            <p:cNvPicPr>
+              <a:picLocks noChangeAspect="1"/>
+            </p:cNvPicPr>
+            <p:nvPr/>
+          </p:nvPicPr>
+          <p:blipFill rotWithShape="1">
+            <a:blip r:embed="rId3" cstate="print">
+              <a:extLst>
+                <a:ext uri="{28A0092B-C50C-407E-A947-70E740481C1C}">
+                  <a14:useLocalDpi xmlns:a14="http://schemas.microsoft.com/office/drawing/2010/main" val="0"/>
+                </a:ext>
+              </a:extLst>
+            </a:blip>
+            <a:srcRect r="20683"/>
+            <a:stretch/>
+          </p:blipFill>
+          <p:spPr bwMode="auto">
+            <a:xfrm>
+              <a:off x="1685925" y="19050"/>
+              <a:ext cx="2389505" cy="1695450"/>
+            </a:xfrm>
+            <a:prstGeom prst="rect">
+              <a:avLst/>
+            </a:prstGeom>
+            <a:grpFill/>
+            <a:ln w="38100">
+              <a:solidFill>
+                <a:srgbClr val="FFC000"/>
+              </a:solidFill>
+            </a:ln>
             <a:extLst>
-              <a:ext uri="{28A0092B-C50C-407E-A947-70E740481C1C}">
-                <a14:useLocalDpi xmlns:a14="http://schemas.microsoft.com/office/drawing/2010/main" val="0"/>
+              <a:ext uri="{53640926-AAD7-44D8-BBD7-CCE9431645EC}">
+                <a14:shadowObscured xmlns:a14="http://schemas.microsoft.com/office/drawing/2010/main"/>
               </a:ext>
             </a:extLst>
-          </a:blip>
-          <a:srcRect/>
-          <a:stretch>
-            <a:fillRect/>
-          </a:stretch>
-        </p:blipFill>
-        <p:spPr bwMode="auto">
-          <a:xfrm>
-            <a:off x="411479" y="2449043"/>
-            <a:ext cx="4930251" cy="3922974"/>
-          </a:xfrm>
-          <a:prstGeom prst="rect">
-            <a:avLst/>
-          </a:prstGeom>
-          <a:ln w="38100" cap="sq">
-            <a:solidFill>
-              <a:srgbClr val="FFC000"/>
-            </a:solidFill>
-            <a:prstDash val="solid"/>
-            <a:miter lim="800000"/>
-          </a:ln>
-          <a:effectLst>
-            <a:outerShdw blurRad="50800" dist="38100" dir="2700000" algn="tl" rotWithShape="0">
-              <a:srgbClr val="000000">
-                <a:alpha val="43000"/>
-              </a:srgbClr>
-            </a:outerShdw>
-          </a:effectLst>
-        </p:spPr>
-      </p:pic>
-      <p:pic>
-        <p:nvPicPr>
-          <p:cNvPr id="16" name="Image 15">
+          </p:spPr>
+        </p:pic>
+        <p:pic>
+          <p:nvPicPr>
+            <p:cNvPr id="11" name="Image 10">
+              <a:extLst>
+                <a:ext uri="{FF2B5EF4-FFF2-40B4-BE49-F238E27FC236}">
+                  <a16:creationId xmlns:a16="http://schemas.microsoft.com/office/drawing/2014/main" id="{E2A54F34-2234-46AD-BE2B-5263BA955184}"/>
+                </a:ext>
+              </a:extLst>
+            </p:cNvPr>
+            <p:cNvPicPr>
+              <a:picLocks noChangeAspect="1"/>
+            </p:cNvPicPr>
+            <p:nvPr/>
+          </p:nvPicPr>
+          <p:blipFill rotWithShape="1">
+            <a:blip r:embed="rId4" cstate="print">
+              <a:extLst>
+                <a:ext uri="{28A0092B-C50C-407E-A947-70E740481C1C}">
+                  <a14:useLocalDpi xmlns:a14="http://schemas.microsoft.com/office/drawing/2010/main" val="0"/>
+                </a:ext>
+              </a:extLst>
+            </a:blip>
+            <a:srcRect l="37821"/>
+            <a:stretch/>
+          </p:blipFill>
+          <p:spPr bwMode="auto">
+            <a:xfrm>
+              <a:off x="0" y="0"/>
+              <a:ext cx="1581150" cy="1692910"/>
+            </a:xfrm>
+            <a:prstGeom prst="rect">
+              <a:avLst/>
+            </a:prstGeom>
+            <a:grpFill/>
+            <a:ln w="38100">
+              <a:solidFill>
+                <a:srgbClr val="FFC000"/>
+              </a:solidFill>
+            </a:ln>
+            <a:extLst>
+              <a:ext uri="{53640926-AAD7-44D8-BBD7-CCE9431645EC}">
+                <a14:shadowObscured xmlns:a14="http://schemas.microsoft.com/office/drawing/2010/main"/>
+              </a:ext>
+            </a:extLst>
+          </p:spPr>
+        </p:pic>
+        <p:pic>
+          <p:nvPicPr>
+            <p:cNvPr id="13" name="Image 12">
+              <a:extLst>
+                <a:ext uri="{FF2B5EF4-FFF2-40B4-BE49-F238E27FC236}">
+                  <a16:creationId xmlns:a16="http://schemas.microsoft.com/office/drawing/2014/main" id="{B0952AE3-7D05-4FD2-A4B7-F09D3090FE5C}"/>
+                </a:ext>
+              </a:extLst>
+            </p:cNvPr>
+            <p:cNvPicPr>
+              <a:picLocks noChangeAspect="1"/>
+            </p:cNvPicPr>
+            <p:nvPr/>
+          </p:nvPicPr>
+          <p:blipFill>
+            <a:blip r:embed="rId5" cstate="print">
+              <a:extLst>
+                <a:ext uri="{28A0092B-C50C-407E-A947-70E740481C1C}">
+                  <a14:useLocalDpi xmlns:a14="http://schemas.microsoft.com/office/drawing/2010/main" val="0"/>
+                </a:ext>
+              </a:extLst>
+            </a:blip>
+            <a:stretch>
+              <a:fillRect/>
+            </a:stretch>
+          </p:blipFill>
+          <p:spPr>
+            <a:xfrm>
+              <a:off x="4162425" y="28575"/>
+              <a:ext cx="2054225" cy="1695450"/>
+            </a:xfrm>
+            <a:prstGeom prst="rect">
+              <a:avLst/>
+            </a:prstGeom>
+            <a:grpFill/>
+            <a:ln w="38100">
+              <a:solidFill>
+                <a:srgbClr val="FFC000"/>
+              </a:solidFill>
+            </a:ln>
+          </p:spPr>
+        </p:pic>
+      </p:grpSp>
+      <p:graphicFrame>
+        <p:nvGraphicFramePr>
+          <p:cNvPr id="4" name="Diagramme 3">
             <a:extLst>
               <a:ext uri="{FF2B5EF4-FFF2-40B4-BE49-F238E27FC236}">
-                <a16:creationId xmlns:a16="http://schemas.microsoft.com/office/drawing/2014/main" id="{38B6E913-436D-47A1-AA79-24588CE94B5F}"/>
+                <a16:creationId xmlns:a16="http://schemas.microsoft.com/office/drawing/2014/main" id="{6F96AB52-F8AA-48B1-A395-14F2A36CAB07}"/>
               </a:ext>
             </a:extLst>
           </p:cNvPr>
-          <p:cNvPicPr/>
+          <p:cNvGraphicFramePr/>
           <p:nvPr/>
-        </p:nvPicPr>
-        <p:blipFill>
-          <a:blip r:embed="rId3">
-            <a:extLst>
-              <a:ext uri="{28A0092B-C50C-407E-A947-70E740481C1C}">
-                <a14:useLocalDpi xmlns:a14="http://schemas.microsoft.com/office/drawing/2010/main" val="0"/>
-              </a:ext>
-            </a:extLst>
-          </a:blip>
-          <a:srcRect/>
-          <a:stretch>
-            <a:fillRect/>
-          </a:stretch>
-        </p:blipFill>
-        <p:spPr bwMode="auto">
-          <a:xfrm>
-            <a:off x="6517387" y="2449043"/>
-            <a:ext cx="5353189" cy="3922974"/>
-          </a:xfrm>
-          <a:prstGeom prst="rect">
-            <a:avLst/>
-          </a:prstGeom>
-          <a:ln w="38100" cap="sq">
-            <a:solidFill>
-              <a:srgbClr val="FFC000"/>
-            </a:solidFill>
-            <a:prstDash val="solid"/>
-            <a:miter lim="800000"/>
-          </a:ln>
-          <a:effectLst>
-            <a:outerShdw blurRad="50800" dist="38100" dir="2700000" algn="tl" rotWithShape="0">
-              <a:srgbClr val="000000">
-                <a:alpha val="43000"/>
-              </a:srgbClr>
-            </a:outerShdw>
-          </a:effectLst>
-        </p:spPr>
-      </p:pic>
+        </p:nvGraphicFramePr>
+        <p:xfrm>
+          <a:off x="6300867" y="161836"/>
+          <a:ext cx="5103733" cy="3584448"/>
+        </p:xfrm>
+        <a:graphic>
+          <a:graphicData uri="http://schemas.openxmlformats.org/drawingml/2006/diagram">
+            <dgm:relIds xmlns:dgm="http://schemas.openxmlformats.org/drawingml/2006/diagram" xmlns:r="http://schemas.openxmlformats.org/officeDocument/2006/relationships" r:dm="rId6" r:lo="rId7" r:qs="rId8" r:cs="rId9"/>
+          </a:graphicData>
+        </a:graphic>
+      </p:graphicFrame>
       <p:sp>
         <p:nvSpPr>
-          <p:cNvPr id="17" name="ZoneTexte 16">
-            <a:hlinkClick r:id="rId4"/>
+          <p:cNvPr id="6" name="Espace réservé de la date 5">
             <a:extLst>
               <a:ext uri="{FF2B5EF4-FFF2-40B4-BE49-F238E27FC236}">
-                <a16:creationId xmlns:a16="http://schemas.microsoft.com/office/drawing/2014/main" id="{D7347A36-7069-42EF-9D6F-349181CE22AC}"/>
-              </a:ext>
-            </a:extLst>
-          </p:cNvPr>
-          <p:cNvSpPr txBox="1"/>
-          <p:nvPr/>
-        </p:nvSpPr>
-        <p:spPr>
-          <a:xfrm>
-            <a:off x="231710" y="2150671"/>
-            <a:ext cx="11728580" cy="4659778"/>
-          </a:xfrm>
-          <a:prstGeom prst="rect">
-            <a:avLst/>
-          </a:prstGeom>
-          <a:noFill/>
-        </p:spPr>
-        <p:txBody>
-          <a:bodyPr wrap="square" rtlCol="0">
-            <a:spAutoFit/>
-          </a:bodyPr>
-          <a:lstStyle/>
-          <a:p>
-            <a:endParaRPr lang="fr-FR" dirty="0"/>
-          </a:p>
-        </p:txBody>
-      </p:sp>
-      <p:sp>
-        <p:nvSpPr>
-          <p:cNvPr id="5" name="Espace réservé de la date 4">
-            <a:extLst>
-              <a:ext uri="{FF2B5EF4-FFF2-40B4-BE49-F238E27FC236}">
-                <a16:creationId xmlns:a16="http://schemas.microsoft.com/office/drawing/2014/main" id="{8584E16D-B3F5-4A39-9918-3AFE7295097E}"/>
+                <a16:creationId xmlns:a16="http://schemas.microsoft.com/office/drawing/2014/main" id="{9E6A4FBC-AD95-4A13-8CA0-62AAF1E521EF}"/>
               </a:ext>
             </a:extLst>
           </p:cNvPr>
@@ -10317,9 +15351,9 @@
           <a:bodyPr/>
           <a:lstStyle/>
           <a:p>
-            <a:fld id="{5D3CE9DF-27B6-4092-BDA6-D1211405AE96}" type="datetime1">
+            <a:fld id="{0DD317E2-B83F-43B6-A7E7-9C03D216BD77}" type="datetime1">
               <a:rPr lang="fr-FR" smtClean="0"/>
-              <a:t>15/12/2020</a:t>
+              <a:t>16/12/2020</a:t>
             </a:fld>
             <a:endParaRPr lang="fr-FR"/>
           </a:p>
@@ -10327,10 +15361,10 @@
       </p:sp>
       <p:sp>
         <p:nvSpPr>
-          <p:cNvPr id="6" name="Espace réservé du pied de page 5">
+          <p:cNvPr id="7" name="Espace réservé du pied de page 6">
             <a:extLst>
               <a:ext uri="{FF2B5EF4-FFF2-40B4-BE49-F238E27FC236}">
-                <a16:creationId xmlns:a16="http://schemas.microsoft.com/office/drawing/2014/main" id="{BA8AC0B1-F528-4545-9F98-5DD6D3BFE376}"/>
+                <a16:creationId xmlns:a16="http://schemas.microsoft.com/office/drawing/2014/main" id="{F62CCE5F-FFAF-4B29-8445-C8D1D356E634}"/>
               </a:ext>
             </a:extLst>
           </p:cNvPr>
@@ -10355,10 +15389,10 @@
       </p:sp>
       <p:sp>
         <p:nvSpPr>
-          <p:cNvPr id="7" name="Espace réservé du numéro de diapositive 6">
+          <p:cNvPr id="15" name="Espace réservé du numéro de diapositive 14">
             <a:extLst>
               <a:ext uri="{FF2B5EF4-FFF2-40B4-BE49-F238E27FC236}">
-                <a16:creationId xmlns:a16="http://schemas.microsoft.com/office/drawing/2014/main" id="{3FD35950-1D4B-4266-AFB1-09A28A235FD5}"/>
+                <a16:creationId xmlns:a16="http://schemas.microsoft.com/office/drawing/2014/main" id="{9047685D-5F12-4494-A5EC-B51B10664DEE}"/>
               </a:ext>
             </a:extLst>
           </p:cNvPr>
@@ -10382,10 +15416,75 @@
           </a:p>
         </p:txBody>
       </p:sp>
+      <p:sp>
+        <p:nvSpPr>
+          <p:cNvPr id="5" name="ZoneTexte 4">
+            <a:extLst>
+              <a:ext uri="{FF2B5EF4-FFF2-40B4-BE49-F238E27FC236}">
+                <a16:creationId xmlns:a16="http://schemas.microsoft.com/office/drawing/2014/main" id="{EF86482A-07CE-46EF-8F6F-37E892D8F3F4}"/>
+              </a:ext>
+            </a:extLst>
+          </p:cNvPr>
+          <p:cNvSpPr txBox="1"/>
+          <p:nvPr/>
+        </p:nvSpPr>
+        <p:spPr>
+          <a:xfrm>
+            <a:off x="1233048" y="4452689"/>
+            <a:ext cx="10135637" cy="923330"/>
+          </a:xfrm>
+          <a:prstGeom prst="rect">
+            <a:avLst/>
+          </a:prstGeom>
+          <a:solidFill>
+            <a:schemeClr val="accent2">
+              <a:alpha val="83000"/>
+            </a:schemeClr>
+          </a:solidFill>
+          <a:ln>
+            <a:noFill/>
+          </a:ln>
+        </p:spPr>
+        <p:style>
+          <a:lnRef idx="0">
+            <a:scrgbClr r="0" g="0" b="0"/>
+          </a:lnRef>
+          <a:fillRef idx="0">
+            <a:scrgbClr r="0" g="0" b="0"/>
+          </a:fillRef>
+          <a:effectRef idx="0">
+            <a:scrgbClr r="0" g="0" b="0"/>
+          </a:effectRef>
+          <a:fontRef idx="minor">
+            <a:schemeClr val="lt1"/>
+          </a:fontRef>
+        </p:style>
+        <p:txBody>
+          <a:bodyPr wrap="square" rtlCol="0">
+            <a:spAutoFit/>
+          </a:bodyPr>
+          <a:lstStyle/>
+          <a:p>
+            <a:pPr algn="ctr"/>
+            <a:endParaRPr lang="fr-FR" dirty="0"/>
+          </a:p>
+          <a:p>
+            <a:pPr algn="ctr"/>
+            <a:r>
+              <a:rPr lang="fr-FR" dirty="0"/>
+              <a:t>Comment peut-t-on amélioré l’interface d’analyse de la télémétrie proposé au pilote ?</a:t>
+            </a:r>
+          </a:p>
+          <a:p>
+            <a:pPr algn="ctr"/>
+            <a:endParaRPr lang="fr-FR" dirty="0"/>
+          </a:p>
+        </p:txBody>
+      </p:sp>
     </p:spTree>
     <p:extLst>
       <p:ext uri="{BB962C8B-B14F-4D97-AF65-F5344CB8AC3E}">
-        <p14:creationId xmlns:p14="http://schemas.microsoft.com/office/powerpoint/2010/main" val="3577859318"/>
+        <p14:creationId xmlns:p14="http://schemas.microsoft.com/office/powerpoint/2010/main" val="3299176987"/>
       </p:ext>
     </p:extLst>
   </p:cSld>
@@ -10499,7 +15598,7 @@
         <p:spPr>
           <a:xfrm>
             <a:off x="411480" y="987552"/>
-            <a:ext cx="5074920" cy="1088136"/>
+            <a:ext cx="5684520" cy="1088136"/>
           </a:xfrm>
         </p:spPr>
         <p:txBody>
@@ -10508,9 +15607,13 @@
           </a:bodyPr>
           <a:lstStyle/>
           <a:p>
+            <a:pPr marL="857250" indent="-857250">
+              <a:buFont typeface="+mj-lt"/>
+              <a:buAutoNum type="romanUcPeriod" startAt="2"/>
+            </a:pPr>
             <a:r>
-              <a:rPr lang="fr-FR" sz="3400" dirty="0"/>
-              <a:t>Conclusion</a:t>
+              <a:rPr lang="fr-FR" sz="3600" dirty="0"/>
+              <a:t>Le nouveau Dashboard</a:t>
             </a:r>
           </a:p>
         </p:txBody>
@@ -10680,6 +15783,531 @@
           </a:bodyPr>
           <a:lstStyle/>
           <a:p>
+            <a:endParaRPr lang="fr-FR" sz="1800" dirty="0"/>
+          </a:p>
+        </p:txBody>
+      </p:sp>
+      <p:pic>
+        <p:nvPicPr>
+          <p:cNvPr id="15" name="Espace réservé du contenu 4">
+            <a:extLst>
+              <a:ext uri="{FF2B5EF4-FFF2-40B4-BE49-F238E27FC236}">
+                <a16:creationId xmlns:a16="http://schemas.microsoft.com/office/drawing/2014/main" id="{9D67E6BF-CB62-48AF-88DA-02E46DE3468B}"/>
+              </a:ext>
+            </a:extLst>
+          </p:cNvPr>
+          <p:cNvPicPr>
+            <a:picLocks/>
+          </p:cNvPicPr>
+          <p:nvPr/>
+        </p:nvPicPr>
+        <p:blipFill>
+          <a:blip r:embed="rId3">
+            <a:extLst>
+              <a:ext uri="{28A0092B-C50C-407E-A947-70E740481C1C}">
+                <a14:useLocalDpi xmlns:a14="http://schemas.microsoft.com/office/drawing/2010/main" val="0"/>
+              </a:ext>
+            </a:extLst>
+          </a:blip>
+          <a:srcRect/>
+          <a:stretch>
+            <a:fillRect/>
+          </a:stretch>
+        </p:blipFill>
+        <p:spPr bwMode="auto">
+          <a:xfrm>
+            <a:off x="411479" y="2449043"/>
+            <a:ext cx="4930251" cy="3922974"/>
+          </a:xfrm>
+          <a:prstGeom prst="rect">
+            <a:avLst/>
+          </a:prstGeom>
+          <a:ln w="38100" cap="sq">
+            <a:solidFill>
+              <a:srgbClr val="FFC000"/>
+            </a:solidFill>
+            <a:prstDash val="solid"/>
+            <a:miter lim="800000"/>
+          </a:ln>
+          <a:effectLst>
+            <a:outerShdw blurRad="50800" dist="38100" dir="2700000" algn="tl" rotWithShape="0">
+              <a:srgbClr val="000000">
+                <a:alpha val="43000"/>
+              </a:srgbClr>
+            </a:outerShdw>
+          </a:effectLst>
+        </p:spPr>
+      </p:pic>
+      <p:pic>
+        <p:nvPicPr>
+          <p:cNvPr id="16" name="Image 15">
+            <a:extLst>
+              <a:ext uri="{FF2B5EF4-FFF2-40B4-BE49-F238E27FC236}">
+                <a16:creationId xmlns:a16="http://schemas.microsoft.com/office/drawing/2014/main" id="{38B6E913-436D-47A1-AA79-24588CE94B5F}"/>
+              </a:ext>
+            </a:extLst>
+          </p:cNvPr>
+          <p:cNvPicPr/>
+          <p:nvPr/>
+        </p:nvPicPr>
+        <p:blipFill>
+          <a:blip r:embed="rId4">
+            <a:extLst>
+              <a:ext uri="{28A0092B-C50C-407E-A947-70E740481C1C}">
+                <a14:useLocalDpi xmlns:a14="http://schemas.microsoft.com/office/drawing/2010/main" val="0"/>
+              </a:ext>
+            </a:extLst>
+          </a:blip>
+          <a:srcRect/>
+          <a:stretch>
+            <a:fillRect/>
+          </a:stretch>
+        </p:blipFill>
+        <p:spPr bwMode="auto">
+          <a:xfrm>
+            <a:off x="6517387" y="2449043"/>
+            <a:ext cx="5353189" cy="3922974"/>
+          </a:xfrm>
+          <a:prstGeom prst="rect">
+            <a:avLst/>
+          </a:prstGeom>
+          <a:ln w="38100" cap="sq">
+            <a:solidFill>
+              <a:srgbClr val="FFC000"/>
+            </a:solidFill>
+            <a:prstDash val="solid"/>
+            <a:miter lim="800000"/>
+          </a:ln>
+          <a:effectLst>
+            <a:outerShdw blurRad="50800" dist="38100" dir="2700000" algn="tl" rotWithShape="0">
+              <a:srgbClr val="000000">
+                <a:alpha val="43000"/>
+              </a:srgbClr>
+            </a:outerShdw>
+          </a:effectLst>
+        </p:spPr>
+      </p:pic>
+      <p:sp>
+        <p:nvSpPr>
+          <p:cNvPr id="17" name="ZoneTexte 16">
+            <a:hlinkClick r:id="rId5"/>
+            <a:extLst>
+              <a:ext uri="{FF2B5EF4-FFF2-40B4-BE49-F238E27FC236}">
+                <a16:creationId xmlns:a16="http://schemas.microsoft.com/office/drawing/2014/main" id="{D7347A36-7069-42EF-9D6F-349181CE22AC}"/>
+              </a:ext>
+            </a:extLst>
+          </p:cNvPr>
+          <p:cNvSpPr txBox="1"/>
+          <p:nvPr/>
+        </p:nvSpPr>
+        <p:spPr>
+          <a:xfrm>
+            <a:off x="231710" y="2150671"/>
+            <a:ext cx="11728580" cy="4659778"/>
+          </a:xfrm>
+          <a:prstGeom prst="rect">
+            <a:avLst/>
+          </a:prstGeom>
+          <a:noFill/>
+        </p:spPr>
+        <p:txBody>
+          <a:bodyPr wrap="square" rtlCol="0">
+            <a:spAutoFit/>
+          </a:bodyPr>
+          <a:lstStyle/>
+          <a:p>
+            <a:endParaRPr lang="fr-FR" dirty="0"/>
+          </a:p>
+        </p:txBody>
+      </p:sp>
+      <p:sp>
+        <p:nvSpPr>
+          <p:cNvPr id="5" name="Espace réservé de la date 4">
+            <a:extLst>
+              <a:ext uri="{FF2B5EF4-FFF2-40B4-BE49-F238E27FC236}">
+                <a16:creationId xmlns:a16="http://schemas.microsoft.com/office/drawing/2014/main" id="{8584E16D-B3F5-4A39-9918-3AFE7295097E}"/>
+              </a:ext>
+            </a:extLst>
+          </p:cNvPr>
+          <p:cNvSpPr>
+            <a:spLocks noGrp="1"/>
+          </p:cNvSpPr>
+          <p:nvPr>
+            <p:ph type="dt" sz="half" idx="10"/>
+          </p:nvPr>
+        </p:nvSpPr>
+        <p:spPr/>
+        <p:txBody>
+          <a:bodyPr/>
+          <a:lstStyle/>
+          <a:p>
+            <a:fld id="{5D3CE9DF-27B6-4092-BDA6-D1211405AE96}" type="datetime1">
+              <a:rPr lang="fr-FR" smtClean="0"/>
+              <a:t>16/12/2020</a:t>
+            </a:fld>
+            <a:endParaRPr lang="fr-FR"/>
+          </a:p>
+        </p:txBody>
+      </p:sp>
+      <p:sp>
+        <p:nvSpPr>
+          <p:cNvPr id="6" name="Espace réservé du pied de page 5">
+            <a:extLst>
+              <a:ext uri="{FF2B5EF4-FFF2-40B4-BE49-F238E27FC236}">
+                <a16:creationId xmlns:a16="http://schemas.microsoft.com/office/drawing/2014/main" id="{BA8AC0B1-F528-4545-9F98-5DD6D3BFE376}"/>
+              </a:ext>
+            </a:extLst>
+          </p:cNvPr>
+          <p:cNvSpPr>
+            <a:spLocks noGrp="1"/>
+          </p:cNvSpPr>
+          <p:nvPr>
+            <p:ph type="ftr" sz="quarter" idx="11"/>
+          </p:nvPr>
+        </p:nvSpPr>
+        <p:spPr/>
+        <p:txBody>
+          <a:bodyPr/>
+          <a:lstStyle/>
+          <a:p>
+            <a:r>
+              <a:rPr lang="fr-FR"/>
+              <a:t>Allan Couderette</a:t>
+            </a:r>
+          </a:p>
+        </p:txBody>
+      </p:sp>
+      <p:sp>
+        <p:nvSpPr>
+          <p:cNvPr id="7" name="Espace réservé du numéro de diapositive 6">
+            <a:extLst>
+              <a:ext uri="{FF2B5EF4-FFF2-40B4-BE49-F238E27FC236}">
+                <a16:creationId xmlns:a16="http://schemas.microsoft.com/office/drawing/2014/main" id="{3FD35950-1D4B-4266-AFB1-09A28A235FD5}"/>
+              </a:ext>
+            </a:extLst>
+          </p:cNvPr>
+          <p:cNvSpPr>
+            <a:spLocks noGrp="1"/>
+          </p:cNvSpPr>
+          <p:nvPr>
+            <p:ph type="sldNum" sz="quarter" idx="12"/>
+          </p:nvPr>
+        </p:nvSpPr>
+        <p:spPr/>
+        <p:txBody>
+          <a:bodyPr/>
+          <a:lstStyle/>
+          <a:p>
+            <a:fld id="{5F39BBE1-F6E0-4772-A717-1BC8F5988BCC}" type="slidenum">
+              <a:rPr lang="fr-FR" smtClean="0"/>
+              <a:t>5</a:t>
+            </a:fld>
+            <a:endParaRPr lang="fr-FR"/>
+          </a:p>
+        </p:txBody>
+      </p:sp>
+    </p:spTree>
+    <p:extLst>
+      <p:ext uri="{BB962C8B-B14F-4D97-AF65-F5344CB8AC3E}">
+        <p14:creationId xmlns:p14="http://schemas.microsoft.com/office/powerpoint/2010/main" val="3577859318"/>
+      </p:ext>
+    </p:extLst>
+  </p:cSld>
+  <p:clrMapOvr>
+    <a:masterClrMapping/>
+  </p:clrMapOvr>
+</p:sld>
+</file>
+
+<file path=ppt/slides/slide6.xml><?xml version="1.0" encoding="utf-8"?>
+<p:sld xmlns:a="http://schemas.openxmlformats.org/drawingml/2006/main" xmlns:r="http://schemas.openxmlformats.org/officeDocument/2006/relationships" xmlns:p="http://schemas.openxmlformats.org/presentationml/2006/main">
+  <p:cSld>
+    <p:bg>
+      <p:bgPr>
+        <a:solidFill>
+          <a:schemeClr val="bg1"/>
+        </a:solidFill>
+        <a:effectLst/>
+      </p:bgPr>
+    </p:bg>
+    <p:spTree>
+      <p:nvGrpSpPr>
+        <p:cNvPr id="1" name=""/>
+        <p:cNvGrpSpPr/>
+        <p:nvPr/>
+      </p:nvGrpSpPr>
+      <p:grpSpPr>
+        <a:xfrm>
+          <a:off x="0" y="0"/>
+          <a:ext cx="0" cy="0"/>
+          <a:chOff x="0" y="0"/>
+          <a:chExt cx="0" cy="0"/>
+        </a:xfrm>
+      </p:grpSpPr>
+      <p:sp useBgFill="1">
+        <p:nvSpPr>
+          <p:cNvPr id="10" name="Rectangle 9">
+            <a:extLst>
+              <a:ext uri="{FF2B5EF4-FFF2-40B4-BE49-F238E27FC236}">
+                <a16:creationId xmlns:a16="http://schemas.microsoft.com/office/drawing/2014/main" id="{F94AA2BD-2E3F-4B1D-8127-5744B8115311}"/>
+              </a:ext>
+              <a:ext uri="{C183D7F6-B498-43B3-948B-1728B52AA6E4}">
+                <adec:decorative xmlns:adec="http://schemas.microsoft.com/office/drawing/2017/decorative" val="1"/>
+              </a:ext>
+            </a:extLst>
+          </p:cNvPr>
+          <p:cNvSpPr>
+            <a:spLocks noGrp="1" noRot="1" noChangeAspect="1" noMove="1" noResize="1" noEditPoints="1" noAdjustHandles="1" noChangeArrowheads="1" noChangeShapeType="1" noTextEdit="1"/>
+          </p:cNvSpPr>
+          <p:nvPr>
+            <p:extLst>
+              <p:ext uri="{386F3935-93C4-4BCD-93E2-E3B085C9AB24}">
+                <p16:designElem xmlns:p16="http://schemas.microsoft.com/office/powerpoint/2015/main" val="1"/>
+              </p:ext>
+            </p:extLst>
+          </p:nvPr>
+        </p:nvSpPr>
+        <p:spPr>
+          <a:xfrm>
+            <a:off x="0" y="0"/>
+            <a:ext cx="12192000" cy="6858000"/>
+          </a:xfrm>
+          <a:prstGeom prst="rect">
+            <a:avLst/>
+          </a:prstGeom>
+          <a:ln>
+            <a:noFill/>
+          </a:ln>
+        </p:spPr>
+        <p:style>
+          <a:lnRef idx="2">
+            <a:schemeClr val="accent1">
+              <a:shade val="50000"/>
+            </a:schemeClr>
+          </a:lnRef>
+          <a:fillRef idx="1">
+            <a:schemeClr val="accent1"/>
+          </a:fillRef>
+          <a:effectRef idx="0">
+            <a:schemeClr val="accent1"/>
+          </a:effectRef>
+          <a:fontRef idx="minor">
+            <a:schemeClr val="lt1"/>
+          </a:fontRef>
+        </p:style>
+        <p:txBody>
+          <a:bodyPr rtlCol="0" anchor="ctr"/>
+          <a:lstStyle/>
+          <a:p>
+            <a:pPr algn="ctr"/>
+            <a:endParaRPr lang="en-US"/>
+          </a:p>
+        </p:txBody>
+      </p:sp>
+      <p:sp>
+        <p:nvSpPr>
+          <p:cNvPr id="2" name="Titre 1">
+            <a:extLst>
+              <a:ext uri="{FF2B5EF4-FFF2-40B4-BE49-F238E27FC236}">
+                <a16:creationId xmlns:a16="http://schemas.microsoft.com/office/drawing/2014/main" id="{E1160275-1B89-401F-99A3-DDC71559CCE1}"/>
+              </a:ext>
+            </a:extLst>
+          </p:cNvPr>
+          <p:cNvSpPr>
+            <a:spLocks noGrp="1"/>
+          </p:cNvSpPr>
+          <p:nvPr>
+            <p:ph type="title"/>
+          </p:nvPr>
+        </p:nvSpPr>
+        <p:spPr>
+          <a:xfrm>
+            <a:off x="411480" y="987552"/>
+            <a:ext cx="5074920" cy="1088136"/>
+          </a:xfrm>
+        </p:spPr>
+        <p:txBody>
+          <a:bodyPr anchor="b">
+            <a:normAutofit/>
+          </a:bodyPr>
+          <a:lstStyle/>
+          <a:p>
+            <a:pPr marL="571500" indent="-571500">
+              <a:buFont typeface="+mj-lt"/>
+              <a:buAutoNum type="romanUcPeriod" startAt="3"/>
+            </a:pPr>
+            <a:r>
+              <a:rPr lang="fr-FR" sz="3400" dirty="0"/>
+              <a:t>Conclusion</a:t>
+            </a:r>
+          </a:p>
+        </p:txBody>
+      </p:sp>
+      <p:sp>
+        <p:nvSpPr>
+          <p:cNvPr id="12" name="Rectangle 11">
+            <a:extLst>
+              <a:ext uri="{FF2B5EF4-FFF2-40B4-BE49-F238E27FC236}">
+                <a16:creationId xmlns:a16="http://schemas.microsoft.com/office/drawing/2014/main" id="{4BD02261-2DC8-4AA8-9E16-7751AE892445}"/>
+              </a:ext>
+              <a:ext uri="{C183D7F6-B498-43B3-948B-1728B52AA6E4}">
+                <adec:decorative xmlns:adec="http://schemas.microsoft.com/office/drawing/2017/decorative" val="1"/>
+              </a:ext>
+            </a:extLst>
+          </p:cNvPr>
+          <p:cNvSpPr>
+            <a:spLocks noGrp="1" noRot="1" noChangeAspect="1" noMove="1" noResize="1" noEditPoints="1" noAdjustHandles="1" noChangeArrowheads="1" noChangeShapeType="1" noTextEdit="1"/>
+          </p:cNvSpPr>
+          <p:nvPr>
+            <p:extLst>
+              <p:ext uri="{386F3935-93C4-4BCD-93E2-E3B085C9AB24}">
+                <p16:designElem xmlns:p16="http://schemas.microsoft.com/office/powerpoint/2015/main" val="1"/>
+              </p:ext>
+            </p:extLst>
+          </p:nvPr>
+        </p:nvSpPr>
+        <p:spPr>
+          <a:xfrm rot="5400000">
+            <a:off x="649223" y="387939"/>
+            <a:ext cx="73152" cy="548640"/>
+          </a:xfrm>
+          <a:prstGeom prst="rect">
+            <a:avLst/>
+          </a:prstGeom>
+          <a:solidFill>
+            <a:schemeClr val="accent2"/>
+          </a:solidFill>
+          <a:ln>
+            <a:noFill/>
+          </a:ln>
+        </p:spPr>
+        <p:style>
+          <a:lnRef idx="2">
+            <a:schemeClr val="accent1">
+              <a:shade val="50000"/>
+            </a:schemeClr>
+          </a:lnRef>
+          <a:fillRef idx="1">
+            <a:schemeClr val="accent1"/>
+          </a:fillRef>
+          <a:effectRef idx="0">
+            <a:schemeClr val="accent1"/>
+          </a:effectRef>
+          <a:fontRef idx="minor">
+            <a:schemeClr val="lt1"/>
+          </a:fontRef>
+        </p:style>
+        <p:txBody>
+          <a:bodyPr rtlCol="0" anchor="ctr"/>
+          <a:lstStyle/>
+          <a:p>
+            <a:pPr algn="ctr"/>
+            <a:endParaRPr lang="en-US">
+              <a:solidFill>
+                <a:prstClr val="white"/>
+              </a:solidFill>
+              <a:latin typeface="Calibri" panose="020F0502020204030204"/>
+            </a:endParaRPr>
+          </a:p>
+        </p:txBody>
+      </p:sp>
+      <p:sp>
+        <p:nvSpPr>
+          <p:cNvPr id="14" name="Rectangle 13">
+            <a:extLst>
+              <a:ext uri="{FF2B5EF4-FFF2-40B4-BE49-F238E27FC236}">
+                <a16:creationId xmlns:a16="http://schemas.microsoft.com/office/drawing/2014/main" id="{3D752CF2-2291-40B5-B462-C17B174C10BC}"/>
+              </a:ext>
+              <a:ext uri="{C183D7F6-B498-43B3-948B-1728B52AA6E4}">
+                <adec:decorative xmlns:adec="http://schemas.microsoft.com/office/drawing/2017/decorative" val="1"/>
+              </a:ext>
+            </a:extLst>
+          </p:cNvPr>
+          <p:cNvSpPr>
+            <a:spLocks noGrp="1" noRot="1" noChangeAspect="1" noMove="1" noResize="1" noEditPoints="1" noAdjustHandles="1" noChangeArrowheads="1" noChangeShapeType="1" noTextEdit="1"/>
+          </p:cNvSpPr>
+          <p:nvPr>
+            <p:extLst>
+              <p:ext uri="{386F3935-93C4-4BCD-93E2-E3B085C9AB24}">
+                <p16:designElem xmlns:p16="http://schemas.microsoft.com/office/powerpoint/2015/main" val="1"/>
+              </p:ext>
+            </p:extLst>
+          </p:nvPr>
+        </p:nvSpPr>
+        <p:spPr>
+          <a:xfrm>
+            <a:off x="411480" y="2286000"/>
+            <a:ext cx="4389120" cy="18288"/>
+          </a:xfrm>
+          <a:prstGeom prst="rect">
+            <a:avLst/>
+          </a:prstGeom>
+          <a:solidFill>
+            <a:srgbClr val="D5D5D5"/>
+          </a:solidFill>
+          <a:ln w="3175">
+            <a:noFill/>
+          </a:ln>
+          <a:effectLst/>
+        </p:spPr>
+        <p:style>
+          <a:lnRef idx="2">
+            <a:schemeClr val="accent1">
+              <a:shade val="50000"/>
+            </a:schemeClr>
+          </a:lnRef>
+          <a:fillRef idx="1">
+            <a:schemeClr val="accent1"/>
+          </a:fillRef>
+          <a:effectRef idx="0">
+            <a:schemeClr val="accent1"/>
+          </a:effectRef>
+          <a:fontRef idx="minor">
+            <a:schemeClr val="lt1"/>
+          </a:fontRef>
+        </p:style>
+        <p:txBody>
+          <a:bodyPr rtlCol="0" anchor="ctr"/>
+          <a:lstStyle/>
+          <a:p>
+            <a:pPr algn="ctr"/>
+            <a:endParaRPr lang="en-US">
+              <a:solidFill>
+                <a:prstClr val="white"/>
+              </a:solidFill>
+              <a:latin typeface="Calibri" panose="020F0502020204030204"/>
+            </a:endParaRPr>
+          </a:p>
+        </p:txBody>
+      </p:sp>
+      <p:sp>
+        <p:nvSpPr>
+          <p:cNvPr id="3" name="Espace réservé du contenu 2">
+            <a:extLst>
+              <a:ext uri="{FF2B5EF4-FFF2-40B4-BE49-F238E27FC236}">
+                <a16:creationId xmlns:a16="http://schemas.microsoft.com/office/drawing/2014/main" id="{7C89AD3D-4EC9-44C5-8B11-9D843E053B34}"/>
+              </a:ext>
+            </a:extLst>
+          </p:cNvPr>
+          <p:cNvSpPr>
+            <a:spLocks noGrp="1"/>
+          </p:cNvSpPr>
+          <p:nvPr>
+            <p:ph idx="1"/>
+          </p:nvPr>
+        </p:nvSpPr>
+        <p:spPr>
+          <a:xfrm>
+            <a:off x="411478" y="2688336"/>
+            <a:ext cx="4635799" cy="3584448"/>
+          </a:xfrm>
+        </p:spPr>
+        <p:txBody>
+          <a:bodyPr anchor="t">
+            <a:normAutofit/>
+          </a:bodyPr>
+          <a:lstStyle/>
+          <a:p>
             <a:r>
               <a:rPr lang="fr-FR" sz="1800" dirty="0">
                 <a:effectLst/>
@@ -10687,23 +16315,8 @@
                 <a:ea typeface="Calibri" panose="020F0502020204030204" pitchFamily="34" charset="0"/>
                 <a:cs typeface="Times New Roman" panose="02020603050405020304" pitchFamily="18" charset="0"/>
               </a:rPr>
-              <a:t>Interface </a:t>
+              <a:t>Interface intuitif</a:t>
             </a:r>
-            <a:r>
-              <a:rPr lang="fr-FR" sz="1800" dirty="0" err="1">
-                <a:effectLst/>
-                <a:latin typeface="Calibri" panose="020F0502020204030204" pitchFamily="34" charset="0"/>
-                <a:ea typeface="Calibri" panose="020F0502020204030204" pitchFamily="34" charset="0"/>
-                <a:cs typeface="Times New Roman" panose="02020603050405020304" pitchFamily="18" charset="0"/>
-              </a:rPr>
-              <a:t>intuive</a:t>
-            </a:r>
-            <a:endParaRPr lang="fr-FR" sz="1800" dirty="0">
-              <a:effectLst/>
-              <a:latin typeface="Calibri" panose="020F0502020204030204" pitchFamily="34" charset="0"/>
-              <a:ea typeface="Calibri" panose="020F0502020204030204" pitchFamily="34" charset="0"/>
-              <a:cs typeface="Times New Roman" panose="02020603050405020304" pitchFamily="18" charset="0"/>
-            </a:endParaRPr>
           </a:p>
           <a:p>
             <a:r>
@@ -10725,6 +16338,87 @@
               </a:rPr>
               <a:t>Confidentialité des données</a:t>
             </a:r>
+          </a:p>
+          <a:p>
+            <a:endParaRPr lang="fr-FR" sz="1800" dirty="0">
+              <a:latin typeface="Calibri" panose="020F0502020204030204" pitchFamily="34" charset="0"/>
+              <a:ea typeface="Calibri" panose="020F0502020204030204" pitchFamily="34" charset="0"/>
+              <a:cs typeface="Times New Roman" panose="02020603050405020304" pitchFamily="18" charset="0"/>
+            </a:endParaRPr>
+          </a:p>
+          <a:p>
+            <a:r>
+              <a:rPr lang="fr-FR" sz="1800" dirty="0">
+                <a:latin typeface="Calibri" panose="020F0502020204030204" pitchFamily="34" charset="0"/>
+                <a:ea typeface="Calibri" panose="020F0502020204030204" pitchFamily="34" charset="0"/>
+                <a:cs typeface="Times New Roman" panose="02020603050405020304" pitchFamily="18" charset="0"/>
+              </a:rPr>
+              <a:t>Pour allez plus loin :</a:t>
+            </a:r>
+          </a:p>
+          <a:p>
+            <a:pPr lvl="1"/>
+            <a:r>
+              <a:rPr lang="fr-FR" sz="1400" dirty="0">
+                <a:effectLst/>
+                <a:latin typeface="Calibri" panose="020F0502020204030204" pitchFamily="34" charset="0"/>
+                <a:ea typeface="Calibri" panose="020F0502020204030204" pitchFamily="34" charset="0"/>
+                <a:cs typeface="Times New Roman" panose="02020603050405020304" pitchFamily="18" charset="0"/>
+              </a:rPr>
+              <a:t>sur les bases de l’analyse de télémétrie : </a:t>
+            </a:r>
+            <a:r>
+              <a:rPr lang="fr-FR" sz="1400" dirty="0">
+                <a:effectLst/>
+                <a:latin typeface="Calibri" panose="020F0502020204030204" pitchFamily="34" charset="0"/>
+                <a:ea typeface="Calibri" panose="020F0502020204030204" pitchFamily="34" charset="0"/>
+                <a:cs typeface="Times New Roman" panose="02020603050405020304" pitchFamily="18" charset="0"/>
+                <a:hlinkClick r:id="rId3"/>
+              </a:rPr>
+              <a:t>ici</a:t>
+            </a:r>
+            <a:endParaRPr lang="fr-FR" sz="1400" dirty="0">
+              <a:effectLst/>
+              <a:latin typeface="Calibri" panose="020F0502020204030204" pitchFamily="34" charset="0"/>
+              <a:ea typeface="Calibri" panose="020F0502020204030204" pitchFamily="34" charset="0"/>
+              <a:cs typeface="Times New Roman" panose="02020603050405020304" pitchFamily="18" charset="0"/>
+            </a:endParaRPr>
+          </a:p>
+          <a:p>
+            <a:pPr lvl="1"/>
+            <a:r>
+              <a:rPr lang="fr-FR" sz="1400" dirty="0">
+                <a:effectLst/>
+                <a:latin typeface="Calibri" panose="020F0502020204030204" pitchFamily="34" charset="0"/>
+                <a:ea typeface="Calibri" panose="020F0502020204030204" pitchFamily="34" charset="0"/>
+                <a:cs typeface="Times New Roman" panose="02020603050405020304" pitchFamily="18" charset="0"/>
+              </a:rPr>
+              <a:t>l’étude de la télémétrie de Michael Schumacher: </a:t>
+            </a:r>
+            <a:r>
+              <a:rPr lang="fr-FR" sz="1400" dirty="0">
+                <a:effectLst/>
+                <a:latin typeface="Calibri" panose="020F0502020204030204" pitchFamily="34" charset="0"/>
+                <a:ea typeface="Calibri" panose="020F0502020204030204" pitchFamily="34" charset="0"/>
+                <a:cs typeface="Times New Roman" panose="02020603050405020304" pitchFamily="18" charset="0"/>
+                <a:hlinkClick r:id="rId4"/>
+              </a:rPr>
+              <a:t>ici</a:t>
+            </a:r>
+            <a:endParaRPr lang="fr-FR" sz="1400" dirty="0">
+              <a:effectLst/>
+              <a:latin typeface="Calibri" panose="020F0502020204030204" pitchFamily="34" charset="0"/>
+              <a:ea typeface="Calibri" panose="020F0502020204030204" pitchFamily="34" charset="0"/>
+              <a:cs typeface="Times New Roman" panose="02020603050405020304" pitchFamily="18" charset="0"/>
+            </a:endParaRPr>
+          </a:p>
+          <a:p>
+            <a:pPr lvl="1"/>
+            <a:endParaRPr lang="fr-FR" sz="1400" dirty="0">
+              <a:latin typeface="Calibri" panose="020F0502020204030204" pitchFamily="34" charset="0"/>
+              <a:ea typeface="Calibri" panose="020F0502020204030204" pitchFamily="34" charset="0"/>
+              <a:cs typeface="Times New Roman" panose="02020603050405020304" pitchFamily="18" charset="0"/>
+            </a:endParaRPr>
           </a:p>
         </p:txBody>
       </p:sp>
@@ -10743,7 +16437,7 @@
           <p:nvPr/>
         </p:nvPicPr>
         <p:blipFill>
-          <a:blip r:embed="rId2">
+          <a:blip r:embed="rId5">
             <a:extLst>
               <a:ext uri="{28A0092B-C50C-407E-A947-70E740481C1C}">
                 <a14:useLocalDpi xmlns:a14="http://schemas.microsoft.com/office/drawing/2010/main" val="0"/>
@@ -10756,8 +16450,8 @@
         </p:blipFill>
         <p:spPr>
           <a:xfrm>
-            <a:off x="3977640" y="2514600"/>
-            <a:ext cx="7485380" cy="3849624"/>
+            <a:off x="5047278" y="1251765"/>
+            <a:ext cx="6733242" cy="3462810"/>
           </a:xfrm>
           <a:prstGeom prst="rect">
             <a:avLst/>
@@ -10801,7 +16495,7 @@
           <a:p>
             <a:fld id="{D7DAF1DF-AFC3-47C9-9F77-B741AC547280}" type="datetime1">
               <a:rPr lang="fr-FR" smtClean="0"/>
-              <a:t>15/12/2020</a:t>
+              <a:t>16/12/2020</a:t>
             </a:fld>
             <a:endParaRPr lang="fr-FR"/>
           </a:p>
@@ -10858,7 +16552,7 @@
           <a:p>
             <a:fld id="{5F39BBE1-F6E0-4772-A717-1BC8F5988BCC}" type="slidenum">
               <a:rPr lang="fr-FR" smtClean="0"/>
-              <a:t>5</a:t>
+              <a:t>6</a:t>
             </a:fld>
             <a:endParaRPr lang="fr-FR"/>
           </a:p>
@@ -10868,6 +16562,1165 @@
     <p:extLst>
       <p:ext uri="{BB962C8B-B14F-4D97-AF65-F5344CB8AC3E}">
         <p14:creationId xmlns:p14="http://schemas.microsoft.com/office/powerpoint/2010/main" val="2045415748"/>
+      </p:ext>
+    </p:extLst>
+  </p:cSld>
+  <p:clrMapOvr>
+    <a:masterClrMapping/>
+  </p:clrMapOvr>
+</p:sld>
+</file>
+
+<file path=ppt/slides/slide7.xml><?xml version="1.0" encoding="utf-8"?>
+<p:sld xmlns:a="http://schemas.openxmlformats.org/drawingml/2006/main" xmlns:r="http://schemas.openxmlformats.org/officeDocument/2006/relationships" xmlns:p="http://schemas.openxmlformats.org/presentationml/2006/main">
+  <p:cSld>
+    <p:bg>
+      <p:bgPr>
+        <a:solidFill>
+          <a:schemeClr val="bg1"/>
+        </a:solidFill>
+        <a:effectLst/>
+      </p:bgPr>
+    </p:bg>
+    <p:spTree>
+      <p:nvGrpSpPr>
+        <p:cNvPr id="1" name=""/>
+        <p:cNvGrpSpPr/>
+        <p:nvPr/>
+      </p:nvGrpSpPr>
+      <p:grpSpPr>
+        <a:xfrm>
+          <a:off x="0" y="0"/>
+          <a:ext cx="0" cy="0"/>
+          <a:chOff x="0" y="0"/>
+          <a:chExt cx="0" cy="0"/>
+        </a:xfrm>
+      </p:grpSpPr>
+      <p:sp useBgFill="1">
+        <p:nvSpPr>
+          <p:cNvPr id="11" name="Rectangle 10">
+            <a:extLst>
+              <a:ext uri="{FF2B5EF4-FFF2-40B4-BE49-F238E27FC236}">
+                <a16:creationId xmlns:a16="http://schemas.microsoft.com/office/drawing/2014/main" id="{100EDD19-6802-4EC3-95CE-CFFAB042CFD6}"/>
+              </a:ext>
+              <a:ext uri="{C183D7F6-B498-43B3-948B-1728B52AA6E4}">
+                <adec:decorative xmlns:adec="http://schemas.microsoft.com/office/drawing/2017/decorative" val="1"/>
+              </a:ext>
+            </a:extLst>
+          </p:cNvPr>
+          <p:cNvSpPr>
+            <a:spLocks noGrp="1" noRot="1" noChangeAspect="1" noMove="1" noResize="1" noEditPoints="1" noAdjustHandles="1" noChangeArrowheads="1" noChangeShapeType="1" noTextEdit="1"/>
+          </p:cNvSpPr>
+          <p:nvPr>
+            <p:extLst>
+              <p:ext uri="{386F3935-93C4-4BCD-93E2-E3B085C9AB24}">
+                <p16:designElem xmlns:p16="http://schemas.microsoft.com/office/powerpoint/2015/main" val="1"/>
+              </p:ext>
+            </p:extLst>
+          </p:nvPr>
+        </p:nvSpPr>
+        <p:spPr>
+          <a:xfrm>
+            <a:off x="0" y="0"/>
+            <a:ext cx="12188952" cy="6858000"/>
+          </a:xfrm>
+          <a:prstGeom prst="rect">
+            <a:avLst/>
+          </a:prstGeom>
+          <a:ln>
+            <a:noFill/>
+          </a:ln>
+        </p:spPr>
+        <p:style>
+          <a:lnRef idx="2">
+            <a:schemeClr val="accent1">
+              <a:shade val="50000"/>
+            </a:schemeClr>
+          </a:lnRef>
+          <a:fillRef idx="1">
+            <a:schemeClr val="accent1"/>
+          </a:fillRef>
+          <a:effectRef idx="0">
+            <a:schemeClr val="accent1"/>
+          </a:effectRef>
+          <a:fontRef idx="minor">
+            <a:schemeClr val="lt1"/>
+          </a:fontRef>
+        </p:style>
+        <p:txBody>
+          <a:bodyPr rtlCol="0" anchor="ctr"/>
+          <a:lstStyle/>
+          <a:p>
+            <a:pPr algn="ctr"/>
+            <a:endParaRPr lang="en-US"/>
+          </a:p>
+        </p:txBody>
+      </p:sp>
+      <p:sp>
+        <p:nvSpPr>
+          <p:cNvPr id="2" name="Titre 1">
+            <a:extLst>
+              <a:ext uri="{FF2B5EF4-FFF2-40B4-BE49-F238E27FC236}">
+                <a16:creationId xmlns:a16="http://schemas.microsoft.com/office/drawing/2014/main" id="{CC98D072-FF13-46CB-9160-7AC58C840ECB}"/>
+              </a:ext>
+            </a:extLst>
+          </p:cNvPr>
+          <p:cNvSpPr>
+            <a:spLocks noGrp="1"/>
+          </p:cNvSpPr>
+          <p:nvPr>
+            <p:ph type="title"/>
+          </p:nvPr>
+        </p:nvSpPr>
+        <p:spPr>
+          <a:xfrm>
+            <a:off x="838200" y="365125"/>
+            <a:ext cx="10515600" cy="1325563"/>
+          </a:xfrm>
+        </p:spPr>
+        <p:txBody>
+          <a:bodyPr>
+            <a:normAutofit/>
+          </a:bodyPr>
+          <a:lstStyle/>
+          <a:p>
+            <a:pPr algn="ctr"/>
+            <a:r>
+              <a:rPr lang="fr-FR" sz="7200" dirty="0"/>
+              <a:t>MERCI</a:t>
+            </a:r>
+            <a:endParaRPr lang="fr-FR" sz="5400" dirty="0"/>
+          </a:p>
+        </p:txBody>
+      </p:sp>
+      <p:sp>
+        <p:nvSpPr>
+          <p:cNvPr id="13" name="sketch line">
+            <a:extLst>
+              <a:ext uri="{FF2B5EF4-FFF2-40B4-BE49-F238E27FC236}">
+                <a16:creationId xmlns:a16="http://schemas.microsoft.com/office/drawing/2014/main" id="{DB17E863-922E-4C26-BD64-E8FD41D28661}"/>
+              </a:ext>
+              <a:ext uri="{C183D7F6-B498-43B3-948B-1728B52AA6E4}">
+                <adec:decorative xmlns:adec="http://schemas.microsoft.com/office/drawing/2017/decorative" val="1"/>
+              </a:ext>
+            </a:extLst>
+          </p:cNvPr>
+          <p:cNvSpPr>
+            <a:spLocks noGrp="1" noRot="1" noChangeAspect="1" noMove="1" noResize="1" noEditPoints="1" noAdjustHandles="1" noChangeArrowheads="1" noChangeShapeType="1" noTextEdit="1"/>
+          </p:cNvSpPr>
+          <p:nvPr>
+            <p:extLst>
+              <p:ext uri="{386F3935-93C4-4BCD-93E2-E3B085C9AB24}">
+                <p16:designElem xmlns:p16="http://schemas.microsoft.com/office/powerpoint/2015/main" val="1"/>
+              </p:ext>
+            </p:extLst>
+          </p:nvPr>
+        </p:nvSpPr>
+        <p:spPr>
+          <a:xfrm>
+            <a:off x="669036" y="1677373"/>
+            <a:ext cx="10853928" cy="18288"/>
+          </a:xfrm>
+          <a:custGeom>
+            <a:avLst/>
+            <a:gdLst>
+              <a:gd name="connsiteX0" fmla="*/ 0 w 10853928"/>
+              <a:gd name="connsiteY0" fmla="*/ 0 h 18288"/>
+              <a:gd name="connsiteX1" fmla="*/ 461292 w 10853928"/>
+              <a:gd name="connsiteY1" fmla="*/ 0 h 18288"/>
+              <a:gd name="connsiteX2" fmla="*/ 1139662 w 10853928"/>
+              <a:gd name="connsiteY2" fmla="*/ 0 h 18288"/>
+              <a:gd name="connsiteX3" fmla="*/ 1926572 w 10853928"/>
+              <a:gd name="connsiteY3" fmla="*/ 0 h 18288"/>
+              <a:gd name="connsiteX4" fmla="*/ 2279325 w 10853928"/>
+              <a:gd name="connsiteY4" fmla="*/ 0 h 18288"/>
+              <a:gd name="connsiteX5" fmla="*/ 2632078 w 10853928"/>
+              <a:gd name="connsiteY5" fmla="*/ 0 h 18288"/>
+              <a:gd name="connsiteX6" fmla="*/ 3527527 w 10853928"/>
+              <a:gd name="connsiteY6" fmla="*/ 0 h 18288"/>
+              <a:gd name="connsiteX7" fmla="*/ 4205897 w 10853928"/>
+              <a:gd name="connsiteY7" fmla="*/ 0 h 18288"/>
+              <a:gd name="connsiteX8" fmla="*/ 4558650 w 10853928"/>
+              <a:gd name="connsiteY8" fmla="*/ 0 h 18288"/>
+              <a:gd name="connsiteX9" fmla="*/ 5237020 w 10853928"/>
+              <a:gd name="connsiteY9" fmla="*/ 0 h 18288"/>
+              <a:gd name="connsiteX10" fmla="*/ 6132469 w 10853928"/>
+              <a:gd name="connsiteY10" fmla="*/ 0 h 18288"/>
+              <a:gd name="connsiteX11" fmla="*/ 6702301 w 10853928"/>
+              <a:gd name="connsiteY11" fmla="*/ 0 h 18288"/>
+              <a:gd name="connsiteX12" fmla="*/ 7272132 w 10853928"/>
+              <a:gd name="connsiteY12" fmla="*/ 0 h 18288"/>
+              <a:gd name="connsiteX13" fmla="*/ 7950502 w 10853928"/>
+              <a:gd name="connsiteY13" fmla="*/ 0 h 18288"/>
+              <a:gd name="connsiteX14" fmla="*/ 8737412 w 10853928"/>
+              <a:gd name="connsiteY14" fmla="*/ 0 h 18288"/>
+              <a:gd name="connsiteX15" fmla="*/ 9524322 w 10853928"/>
+              <a:gd name="connsiteY15" fmla="*/ 0 h 18288"/>
+              <a:gd name="connsiteX16" fmla="*/ 10853928 w 10853928"/>
+              <a:gd name="connsiteY16" fmla="*/ 0 h 18288"/>
+              <a:gd name="connsiteX17" fmla="*/ 10853928 w 10853928"/>
+              <a:gd name="connsiteY17" fmla="*/ 18288 h 18288"/>
+              <a:gd name="connsiteX18" fmla="*/ 10392636 w 10853928"/>
+              <a:gd name="connsiteY18" fmla="*/ 18288 h 18288"/>
+              <a:gd name="connsiteX19" fmla="*/ 9497187 w 10853928"/>
+              <a:gd name="connsiteY19" fmla="*/ 18288 h 18288"/>
+              <a:gd name="connsiteX20" fmla="*/ 8818817 w 10853928"/>
+              <a:gd name="connsiteY20" fmla="*/ 18288 h 18288"/>
+              <a:gd name="connsiteX21" fmla="*/ 8466064 w 10853928"/>
+              <a:gd name="connsiteY21" fmla="*/ 18288 h 18288"/>
+              <a:gd name="connsiteX22" fmla="*/ 7787693 w 10853928"/>
+              <a:gd name="connsiteY22" fmla="*/ 18288 h 18288"/>
+              <a:gd name="connsiteX23" fmla="*/ 7217862 w 10853928"/>
+              <a:gd name="connsiteY23" fmla="*/ 18288 h 18288"/>
+              <a:gd name="connsiteX24" fmla="*/ 6648031 w 10853928"/>
+              <a:gd name="connsiteY24" fmla="*/ 18288 h 18288"/>
+              <a:gd name="connsiteX25" fmla="*/ 6078200 w 10853928"/>
+              <a:gd name="connsiteY25" fmla="*/ 18288 h 18288"/>
+              <a:gd name="connsiteX26" fmla="*/ 5508368 w 10853928"/>
+              <a:gd name="connsiteY26" fmla="*/ 18288 h 18288"/>
+              <a:gd name="connsiteX27" fmla="*/ 4721459 w 10853928"/>
+              <a:gd name="connsiteY27" fmla="*/ 18288 h 18288"/>
+              <a:gd name="connsiteX28" fmla="*/ 4043088 w 10853928"/>
+              <a:gd name="connsiteY28" fmla="*/ 18288 h 18288"/>
+              <a:gd name="connsiteX29" fmla="*/ 3690336 w 10853928"/>
+              <a:gd name="connsiteY29" fmla="*/ 18288 h 18288"/>
+              <a:gd name="connsiteX30" fmla="*/ 3120504 w 10853928"/>
+              <a:gd name="connsiteY30" fmla="*/ 18288 h 18288"/>
+              <a:gd name="connsiteX31" fmla="*/ 2333595 w 10853928"/>
+              <a:gd name="connsiteY31" fmla="*/ 18288 h 18288"/>
+              <a:gd name="connsiteX32" fmla="*/ 1872303 w 10853928"/>
+              <a:gd name="connsiteY32" fmla="*/ 18288 h 18288"/>
+              <a:gd name="connsiteX33" fmla="*/ 976854 w 10853928"/>
+              <a:gd name="connsiteY33" fmla="*/ 18288 h 18288"/>
+              <a:gd name="connsiteX34" fmla="*/ 0 w 10853928"/>
+              <a:gd name="connsiteY34" fmla="*/ 18288 h 18288"/>
+              <a:gd name="connsiteX35" fmla="*/ 0 w 10853928"/>
+              <a:gd name="connsiteY35" fmla="*/ 0 h 18288"/>
+            </a:gdLst>
+            <a:ahLst/>
+            <a:cxnLst>
+              <a:cxn ang="0">
+                <a:pos x="connsiteX0" y="connsiteY0"/>
+              </a:cxn>
+              <a:cxn ang="0">
+                <a:pos x="connsiteX1" y="connsiteY1"/>
+              </a:cxn>
+              <a:cxn ang="0">
+                <a:pos x="connsiteX2" y="connsiteY2"/>
+              </a:cxn>
+              <a:cxn ang="0">
+                <a:pos x="connsiteX3" y="connsiteY3"/>
+              </a:cxn>
+              <a:cxn ang="0">
+                <a:pos x="connsiteX4" y="connsiteY4"/>
+              </a:cxn>
+              <a:cxn ang="0">
+                <a:pos x="connsiteX5" y="connsiteY5"/>
+              </a:cxn>
+              <a:cxn ang="0">
+                <a:pos x="connsiteX6" y="connsiteY6"/>
+              </a:cxn>
+              <a:cxn ang="0">
+                <a:pos x="connsiteX7" y="connsiteY7"/>
+              </a:cxn>
+              <a:cxn ang="0">
+                <a:pos x="connsiteX8" y="connsiteY8"/>
+              </a:cxn>
+              <a:cxn ang="0">
+                <a:pos x="connsiteX9" y="connsiteY9"/>
+              </a:cxn>
+              <a:cxn ang="0">
+                <a:pos x="connsiteX10" y="connsiteY10"/>
+              </a:cxn>
+              <a:cxn ang="0">
+                <a:pos x="connsiteX11" y="connsiteY11"/>
+              </a:cxn>
+              <a:cxn ang="0">
+                <a:pos x="connsiteX12" y="connsiteY12"/>
+              </a:cxn>
+              <a:cxn ang="0">
+                <a:pos x="connsiteX13" y="connsiteY13"/>
+              </a:cxn>
+              <a:cxn ang="0">
+                <a:pos x="connsiteX14" y="connsiteY14"/>
+              </a:cxn>
+              <a:cxn ang="0">
+                <a:pos x="connsiteX15" y="connsiteY15"/>
+              </a:cxn>
+              <a:cxn ang="0">
+                <a:pos x="connsiteX16" y="connsiteY16"/>
+              </a:cxn>
+              <a:cxn ang="0">
+                <a:pos x="connsiteX17" y="connsiteY17"/>
+              </a:cxn>
+              <a:cxn ang="0">
+                <a:pos x="connsiteX18" y="connsiteY18"/>
+              </a:cxn>
+              <a:cxn ang="0">
+                <a:pos x="connsiteX19" y="connsiteY19"/>
+              </a:cxn>
+              <a:cxn ang="0">
+                <a:pos x="connsiteX20" y="connsiteY20"/>
+              </a:cxn>
+              <a:cxn ang="0">
+                <a:pos x="connsiteX21" y="connsiteY21"/>
+              </a:cxn>
+              <a:cxn ang="0">
+                <a:pos x="connsiteX22" y="connsiteY22"/>
+              </a:cxn>
+              <a:cxn ang="0">
+                <a:pos x="connsiteX23" y="connsiteY23"/>
+              </a:cxn>
+              <a:cxn ang="0">
+                <a:pos x="connsiteX24" y="connsiteY24"/>
+              </a:cxn>
+              <a:cxn ang="0">
+                <a:pos x="connsiteX25" y="connsiteY25"/>
+              </a:cxn>
+              <a:cxn ang="0">
+                <a:pos x="connsiteX26" y="connsiteY26"/>
+              </a:cxn>
+              <a:cxn ang="0">
+                <a:pos x="connsiteX27" y="connsiteY27"/>
+              </a:cxn>
+              <a:cxn ang="0">
+                <a:pos x="connsiteX28" y="connsiteY28"/>
+              </a:cxn>
+              <a:cxn ang="0">
+                <a:pos x="connsiteX29" y="connsiteY29"/>
+              </a:cxn>
+              <a:cxn ang="0">
+                <a:pos x="connsiteX30" y="connsiteY30"/>
+              </a:cxn>
+              <a:cxn ang="0">
+                <a:pos x="connsiteX31" y="connsiteY31"/>
+              </a:cxn>
+              <a:cxn ang="0">
+                <a:pos x="connsiteX32" y="connsiteY32"/>
+              </a:cxn>
+              <a:cxn ang="0">
+                <a:pos x="connsiteX33" y="connsiteY33"/>
+              </a:cxn>
+              <a:cxn ang="0">
+                <a:pos x="connsiteX34" y="connsiteY34"/>
+              </a:cxn>
+              <a:cxn ang="0">
+                <a:pos x="connsiteX35" y="connsiteY35"/>
+              </a:cxn>
+            </a:cxnLst>
+            <a:rect l="l" t="t" r="r" b="b"/>
+            <a:pathLst>
+              <a:path w="10853928" h="18288" fill="none" extrusionOk="0">
+                <a:moveTo>
+                  <a:pt x="0" y="0"/>
+                </a:moveTo>
+                <a:cubicBezTo>
+                  <a:pt x="146993" y="-19076"/>
+                  <a:pt x="347684" y="-4790"/>
+                  <a:pt x="461292" y="0"/>
+                </a:cubicBezTo>
+                <a:cubicBezTo>
+                  <a:pt x="574900" y="4790"/>
+                  <a:pt x="808367" y="19821"/>
+                  <a:pt x="1139662" y="0"/>
+                </a:cubicBezTo>
+                <a:cubicBezTo>
+                  <a:pt x="1470957" y="-19821"/>
+                  <a:pt x="1627405" y="5721"/>
+                  <a:pt x="1926572" y="0"/>
+                </a:cubicBezTo>
+                <a:cubicBezTo>
+                  <a:pt x="2225739" y="-5721"/>
+                  <a:pt x="2137730" y="-3235"/>
+                  <a:pt x="2279325" y="0"/>
+                </a:cubicBezTo>
+                <a:cubicBezTo>
+                  <a:pt x="2420920" y="3235"/>
+                  <a:pt x="2456518" y="9685"/>
+                  <a:pt x="2632078" y="0"/>
+                </a:cubicBezTo>
+                <a:cubicBezTo>
+                  <a:pt x="2807638" y="-9685"/>
+                  <a:pt x="3211516" y="-43007"/>
+                  <a:pt x="3527527" y="0"/>
+                </a:cubicBezTo>
+                <a:cubicBezTo>
+                  <a:pt x="3843538" y="43007"/>
+                  <a:pt x="4058833" y="22042"/>
+                  <a:pt x="4205897" y="0"/>
+                </a:cubicBezTo>
+                <a:cubicBezTo>
+                  <a:pt x="4352961" y="-22042"/>
+                  <a:pt x="4474805" y="-11846"/>
+                  <a:pt x="4558650" y="0"/>
+                </a:cubicBezTo>
+                <a:cubicBezTo>
+                  <a:pt x="4642495" y="11846"/>
+                  <a:pt x="5041928" y="-6069"/>
+                  <a:pt x="5237020" y="0"/>
+                </a:cubicBezTo>
+                <a:cubicBezTo>
+                  <a:pt x="5432112" y="6069"/>
+                  <a:pt x="5943266" y="-17479"/>
+                  <a:pt x="6132469" y="0"/>
+                </a:cubicBezTo>
+                <a:cubicBezTo>
+                  <a:pt x="6321672" y="17479"/>
+                  <a:pt x="6483872" y="26234"/>
+                  <a:pt x="6702301" y="0"/>
+                </a:cubicBezTo>
+                <a:cubicBezTo>
+                  <a:pt x="6920730" y="-26234"/>
+                  <a:pt x="6991194" y="-15156"/>
+                  <a:pt x="7272132" y="0"/>
+                </a:cubicBezTo>
+                <a:cubicBezTo>
+                  <a:pt x="7553070" y="15156"/>
+                  <a:pt x="7684444" y="-32961"/>
+                  <a:pt x="7950502" y="0"/>
+                </a:cubicBezTo>
+                <a:cubicBezTo>
+                  <a:pt x="8216560" y="32961"/>
+                  <a:pt x="8493290" y="-10491"/>
+                  <a:pt x="8737412" y="0"/>
+                </a:cubicBezTo>
+                <a:cubicBezTo>
+                  <a:pt x="8981534" y="10491"/>
+                  <a:pt x="9191586" y="-13899"/>
+                  <a:pt x="9524322" y="0"/>
+                </a:cubicBezTo>
+                <a:cubicBezTo>
+                  <a:pt x="9857058" y="13899"/>
+                  <a:pt x="10297509" y="7485"/>
+                  <a:pt x="10853928" y="0"/>
+                </a:cubicBezTo>
+                <a:cubicBezTo>
+                  <a:pt x="10854574" y="4451"/>
+                  <a:pt x="10854418" y="9226"/>
+                  <a:pt x="10853928" y="18288"/>
+                </a:cubicBezTo>
+                <a:cubicBezTo>
+                  <a:pt x="10691638" y="28522"/>
+                  <a:pt x="10574319" y="29578"/>
+                  <a:pt x="10392636" y="18288"/>
+                </a:cubicBezTo>
+                <a:cubicBezTo>
+                  <a:pt x="10210953" y="6998"/>
+                  <a:pt x="9836277" y="-16742"/>
+                  <a:pt x="9497187" y="18288"/>
+                </a:cubicBezTo>
+                <a:cubicBezTo>
+                  <a:pt x="9158097" y="53318"/>
+                  <a:pt x="9119479" y="30714"/>
+                  <a:pt x="8818817" y="18288"/>
+                </a:cubicBezTo>
+                <a:cubicBezTo>
+                  <a:pt x="8518155" y="5863"/>
+                  <a:pt x="8640037" y="6483"/>
+                  <a:pt x="8466064" y="18288"/>
+                </a:cubicBezTo>
+                <a:cubicBezTo>
+                  <a:pt x="8292091" y="30093"/>
+                  <a:pt x="7997656" y="18914"/>
+                  <a:pt x="7787693" y="18288"/>
+                </a:cubicBezTo>
+                <a:cubicBezTo>
+                  <a:pt x="7577730" y="17662"/>
+                  <a:pt x="7412468" y="21416"/>
+                  <a:pt x="7217862" y="18288"/>
+                </a:cubicBezTo>
+                <a:cubicBezTo>
+                  <a:pt x="7023256" y="15160"/>
+                  <a:pt x="6898018" y="14824"/>
+                  <a:pt x="6648031" y="18288"/>
+                </a:cubicBezTo>
+                <a:cubicBezTo>
+                  <a:pt x="6398044" y="21752"/>
+                  <a:pt x="6254402" y="38625"/>
+                  <a:pt x="6078200" y="18288"/>
+                </a:cubicBezTo>
+                <a:cubicBezTo>
+                  <a:pt x="5901998" y="-2049"/>
+                  <a:pt x="5622886" y="3213"/>
+                  <a:pt x="5508368" y="18288"/>
+                </a:cubicBezTo>
+                <a:cubicBezTo>
+                  <a:pt x="5393850" y="33363"/>
+                  <a:pt x="5036260" y="26830"/>
+                  <a:pt x="4721459" y="18288"/>
+                </a:cubicBezTo>
+                <a:cubicBezTo>
+                  <a:pt x="4406658" y="9746"/>
+                  <a:pt x="4239221" y="41551"/>
+                  <a:pt x="4043088" y="18288"/>
+                </a:cubicBezTo>
+                <a:cubicBezTo>
+                  <a:pt x="3846955" y="-4975"/>
+                  <a:pt x="3818802" y="34658"/>
+                  <a:pt x="3690336" y="18288"/>
+                </a:cubicBezTo>
+                <a:cubicBezTo>
+                  <a:pt x="3561870" y="1918"/>
+                  <a:pt x="3265491" y="42194"/>
+                  <a:pt x="3120504" y="18288"/>
+                </a:cubicBezTo>
+                <a:cubicBezTo>
+                  <a:pt x="2975517" y="-5618"/>
+                  <a:pt x="2720254" y="36673"/>
+                  <a:pt x="2333595" y="18288"/>
+                </a:cubicBezTo>
+                <a:cubicBezTo>
+                  <a:pt x="1946936" y="-97"/>
+                  <a:pt x="2097241" y="5776"/>
+                  <a:pt x="1872303" y="18288"/>
+                </a:cubicBezTo>
+                <a:cubicBezTo>
+                  <a:pt x="1647365" y="30800"/>
+                  <a:pt x="1282708" y="45380"/>
+                  <a:pt x="976854" y="18288"/>
+                </a:cubicBezTo>
+                <a:cubicBezTo>
+                  <a:pt x="671000" y="-8804"/>
+                  <a:pt x="408401" y="-12775"/>
+                  <a:pt x="0" y="18288"/>
+                </a:cubicBezTo>
+                <a:cubicBezTo>
+                  <a:pt x="-213" y="9468"/>
+                  <a:pt x="187" y="4459"/>
+                  <a:pt x="0" y="0"/>
+                </a:cubicBezTo>
+                <a:close/>
+              </a:path>
+              <a:path w="10853928" h="18288" stroke="0" extrusionOk="0">
+                <a:moveTo>
+                  <a:pt x="0" y="0"/>
+                </a:moveTo>
+                <a:cubicBezTo>
+                  <a:pt x="267322" y="15284"/>
+                  <a:pt x="415388" y="-21048"/>
+                  <a:pt x="569831" y="0"/>
+                </a:cubicBezTo>
+                <a:cubicBezTo>
+                  <a:pt x="724274" y="21048"/>
+                  <a:pt x="769333" y="-2353"/>
+                  <a:pt x="922584" y="0"/>
+                </a:cubicBezTo>
+                <a:cubicBezTo>
+                  <a:pt x="1075835" y="2353"/>
+                  <a:pt x="1399490" y="-145"/>
+                  <a:pt x="1818033" y="0"/>
+                </a:cubicBezTo>
+                <a:cubicBezTo>
+                  <a:pt x="2236576" y="145"/>
+                  <a:pt x="2145330" y="5482"/>
+                  <a:pt x="2387864" y="0"/>
+                </a:cubicBezTo>
+                <a:cubicBezTo>
+                  <a:pt x="2630398" y="-5482"/>
+                  <a:pt x="2793207" y="18487"/>
+                  <a:pt x="2957695" y="0"/>
+                </a:cubicBezTo>
+                <a:cubicBezTo>
+                  <a:pt x="3122183" y="-18487"/>
+                  <a:pt x="3579141" y="19003"/>
+                  <a:pt x="3853144" y="0"/>
+                </a:cubicBezTo>
+                <a:cubicBezTo>
+                  <a:pt x="4127147" y="-19003"/>
+                  <a:pt x="4209857" y="12211"/>
+                  <a:pt x="4314436" y="0"/>
+                </a:cubicBezTo>
+                <a:cubicBezTo>
+                  <a:pt x="4419015" y="-12211"/>
+                  <a:pt x="4762459" y="-17220"/>
+                  <a:pt x="5209885" y="0"/>
+                </a:cubicBezTo>
+                <a:cubicBezTo>
+                  <a:pt x="5657311" y="17220"/>
+                  <a:pt x="5692663" y="-3290"/>
+                  <a:pt x="6105335" y="0"/>
+                </a:cubicBezTo>
+                <a:cubicBezTo>
+                  <a:pt x="6518007" y="3290"/>
+                  <a:pt x="6455516" y="-5124"/>
+                  <a:pt x="6783705" y="0"/>
+                </a:cubicBezTo>
+                <a:cubicBezTo>
+                  <a:pt x="7111894" y="5124"/>
+                  <a:pt x="7441941" y="-17829"/>
+                  <a:pt x="7679154" y="0"/>
+                </a:cubicBezTo>
+                <a:cubicBezTo>
+                  <a:pt x="7916367" y="17829"/>
+                  <a:pt x="8102967" y="-24363"/>
+                  <a:pt x="8248985" y="0"/>
+                </a:cubicBezTo>
+                <a:cubicBezTo>
+                  <a:pt x="8395003" y="24363"/>
+                  <a:pt x="8552393" y="25505"/>
+                  <a:pt x="8818817" y="0"/>
+                </a:cubicBezTo>
+                <a:cubicBezTo>
+                  <a:pt x="9085241" y="-25505"/>
+                  <a:pt x="9411308" y="38000"/>
+                  <a:pt x="9605726" y="0"/>
+                </a:cubicBezTo>
+                <a:cubicBezTo>
+                  <a:pt x="9800144" y="-38000"/>
+                  <a:pt x="10006468" y="-25741"/>
+                  <a:pt x="10175558" y="0"/>
+                </a:cubicBezTo>
+                <a:cubicBezTo>
+                  <a:pt x="10344648" y="25741"/>
+                  <a:pt x="10696282" y="695"/>
+                  <a:pt x="10853928" y="0"/>
+                </a:cubicBezTo>
+                <a:cubicBezTo>
+                  <a:pt x="10853521" y="8690"/>
+                  <a:pt x="10853774" y="14141"/>
+                  <a:pt x="10853928" y="18288"/>
+                </a:cubicBezTo>
+                <a:cubicBezTo>
+                  <a:pt x="10608124" y="24255"/>
+                  <a:pt x="10343415" y="22307"/>
+                  <a:pt x="10067018" y="18288"/>
+                </a:cubicBezTo>
+                <a:cubicBezTo>
+                  <a:pt x="9790621" y="14270"/>
+                  <a:pt x="9843266" y="3564"/>
+                  <a:pt x="9714266" y="18288"/>
+                </a:cubicBezTo>
+                <a:cubicBezTo>
+                  <a:pt x="9585266" y="33012"/>
+                  <a:pt x="9379484" y="1875"/>
+                  <a:pt x="9252974" y="18288"/>
+                </a:cubicBezTo>
+                <a:cubicBezTo>
+                  <a:pt x="9126464" y="34701"/>
+                  <a:pt x="8580678" y="-4904"/>
+                  <a:pt x="8357525" y="18288"/>
+                </a:cubicBezTo>
+                <a:cubicBezTo>
+                  <a:pt x="8134372" y="41480"/>
+                  <a:pt x="7903199" y="26458"/>
+                  <a:pt x="7679154" y="18288"/>
+                </a:cubicBezTo>
+                <a:cubicBezTo>
+                  <a:pt x="7455109" y="10118"/>
+                  <a:pt x="7435944" y="27109"/>
+                  <a:pt x="7217862" y="18288"/>
+                </a:cubicBezTo>
+                <a:cubicBezTo>
+                  <a:pt x="6999780" y="9467"/>
+                  <a:pt x="6680409" y="18985"/>
+                  <a:pt x="6539492" y="18288"/>
+                </a:cubicBezTo>
+                <a:cubicBezTo>
+                  <a:pt x="6398575" y="17592"/>
+                  <a:pt x="6312077" y="33018"/>
+                  <a:pt x="6186739" y="18288"/>
+                </a:cubicBezTo>
+                <a:cubicBezTo>
+                  <a:pt x="6061401" y="3558"/>
+                  <a:pt x="5947033" y="12075"/>
+                  <a:pt x="5833986" y="18288"/>
+                </a:cubicBezTo>
+                <a:cubicBezTo>
+                  <a:pt x="5720939" y="24501"/>
+                  <a:pt x="5482226" y="8586"/>
+                  <a:pt x="5155616" y="18288"/>
+                </a:cubicBezTo>
+                <a:cubicBezTo>
+                  <a:pt x="4829006" y="27991"/>
+                  <a:pt x="4841274" y="29316"/>
+                  <a:pt x="4694324" y="18288"/>
+                </a:cubicBezTo>
+                <a:cubicBezTo>
+                  <a:pt x="4547374" y="7260"/>
+                  <a:pt x="4077675" y="7013"/>
+                  <a:pt x="3907414" y="18288"/>
+                </a:cubicBezTo>
+                <a:cubicBezTo>
+                  <a:pt x="3737153" y="29564"/>
+                  <a:pt x="3538393" y="21630"/>
+                  <a:pt x="3446122" y="18288"/>
+                </a:cubicBezTo>
+                <a:cubicBezTo>
+                  <a:pt x="3353851" y="14946"/>
+                  <a:pt x="2990320" y="-8091"/>
+                  <a:pt x="2659212" y="18288"/>
+                </a:cubicBezTo>
+                <a:cubicBezTo>
+                  <a:pt x="2328104" y="44667"/>
+                  <a:pt x="2427653" y="9607"/>
+                  <a:pt x="2306460" y="18288"/>
+                </a:cubicBezTo>
+                <a:cubicBezTo>
+                  <a:pt x="2185267" y="26969"/>
+                  <a:pt x="1719763" y="3717"/>
+                  <a:pt x="1519550" y="18288"/>
+                </a:cubicBezTo>
+                <a:cubicBezTo>
+                  <a:pt x="1319337" y="32860"/>
+                  <a:pt x="1167371" y="17040"/>
+                  <a:pt x="1058258" y="18288"/>
+                </a:cubicBezTo>
+                <a:cubicBezTo>
+                  <a:pt x="949145" y="19536"/>
+                  <a:pt x="780234" y="31447"/>
+                  <a:pt x="705505" y="18288"/>
+                </a:cubicBezTo>
+                <a:cubicBezTo>
+                  <a:pt x="630776" y="5129"/>
+                  <a:pt x="215796" y="30056"/>
+                  <a:pt x="0" y="18288"/>
+                </a:cubicBezTo>
+                <a:cubicBezTo>
+                  <a:pt x="-53" y="11301"/>
+                  <a:pt x="-649" y="7756"/>
+                  <a:pt x="0" y="0"/>
+                </a:cubicBezTo>
+                <a:close/>
+              </a:path>
+            </a:pathLst>
+          </a:custGeom>
+          <a:solidFill>
+            <a:schemeClr val="accent2"/>
+          </a:solidFill>
+          <a:ln w="41275" cap="rnd">
+            <a:solidFill>
+              <a:schemeClr val="accent2"/>
+            </a:solidFill>
+            <a:round/>
+            <a:extLst>
+              <a:ext uri="{C807C97D-BFC1-408E-A445-0C87EB9F89A2}">
+                <ask:lineSketchStyleProps xmlns:ask="http://schemas.microsoft.com/office/drawing/2018/sketchyshapes" sd="1219033472">
+                  <a:prstGeom prst="rect">
+                    <a:avLst/>
+                  </a:prstGeom>
+                  <ask:type>
+                    <ask:lineSketchFreehand/>
+                  </ask:type>
+                </ask:lineSketchStyleProps>
+              </a:ext>
+            </a:extLst>
+          </a:ln>
+        </p:spPr>
+        <p:style>
+          <a:lnRef idx="2">
+            <a:schemeClr val="accent1">
+              <a:shade val="50000"/>
+            </a:schemeClr>
+          </a:lnRef>
+          <a:fillRef idx="1">
+            <a:schemeClr val="accent1"/>
+          </a:fillRef>
+          <a:effectRef idx="0">
+            <a:schemeClr val="accent1"/>
+          </a:effectRef>
+          <a:fontRef idx="minor">
+            <a:schemeClr val="lt1"/>
+          </a:fontRef>
+        </p:style>
+        <p:txBody>
+          <a:bodyPr rtlCol="0" anchor="ctr"/>
+          <a:lstStyle/>
+          <a:p>
+            <a:pPr algn="ctr"/>
+            <a:endParaRPr lang="en-US"/>
+          </a:p>
+        </p:txBody>
+      </p:sp>
+      <p:sp>
+        <p:nvSpPr>
+          <p:cNvPr id="3" name="Espace réservé du contenu 2">
+            <a:extLst>
+              <a:ext uri="{FF2B5EF4-FFF2-40B4-BE49-F238E27FC236}">
+                <a16:creationId xmlns:a16="http://schemas.microsoft.com/office/drawing/2014/main" id="{5212EE59-16E2-45F3-8E0B-06AB69DCDC20}"/>
+              </a:ext>
+            </a:extLst>
+          </p:cNvPr>
+          <p:cNvSpPr>
+            <a:spLocks noGrp="1"/>
+          </p:cNvSpPr>
+          <p:nvPr>
+            <p:ph idx="1"/>
+          </p:nvPr>
+        </p:nvSpPr>
+        <p:spPr>
+          <a:xfrm>
+            <a:off x="838200" y="1929384"/>
+            <a:ext cx="10515600" cy="4251960"/>
+          </a:xfrm>
+        </p:spPr>
+        <p:txBody>
+          <a:bodyPr>
+            <a:normAutofit lnSpcReduction="10000"/>
+          </a:bodyPr>
+          <a:lstStyle/>
+          <a:p>
+            <a:pPr>
+              <a:spcAft>
+                <a:spcPts val="800"/>
+              </a:spcAft>
+            </a:pPr>
+            <a:r>
+              <a:rPr lang="fr-FR" dirty="0">
+                <a:effectLst/>
+                <a:ea typeface="Calibri" panose="020F0502020204030204" pitchFamily="34" charset="0"/>
+                <a:cs typeface="Times New Roman" panose="02020603050405020304" pitchFamily="18" charset="0"/>
+              </a:rPr>
+              <a:t>Lien vers le Dashboard : </a:t>
+            </a:r>
+            <a:r>
+              <a:rPr lang="fr-FR" dirty="0">
+                <a:effectLst/>
+                <a:ea typeface="Calibri" panose="020F0502020204030204" pitchFamily="34" charset="0"/>
+                <a:cs typeface="Times New Roman" panose="02020603050405020304" pitchFamily="18" charset="0"/>
+                <a:hlinkClick r:id="rId2"/>
+              </a:rPr>
+              <a:t>cliquez</a:t>
+            </a:r>
+            <a:r>
+              <a:rPr lang="fr-FR" dirty="0">
+                <a:effectLst/>
+                <a:ea typeface="Calibri" panose="020F0502020204030204" pitchFamily="34" charset="0"/>
+                <a:cs typeface="Times New Roman" panose="02020603050405020304" pitchFamily="18" charset="0"/>
+              </a:rPr>
+              <a:t> </a:t>
+            </a:r>
+            <a:r>
+              <a:rPr lang="fr-FR" dirty="0">
+                <a:effectLst/>
+                <a:ea typeface="Calibri" panose="020F0502020204030204" pitchFamily="34" charset="0"/>
+                <a:cs typeface="Times New Roman" panose="02020603050405020304" pitchFamily="18" charset="0"/>
+                <a:hlinkClick r:id="rId2"/>
+              </a:rPr>
+              <a:t>ici</a:t>
+            </a:r>
+            <a:endParaRPr lang="fr-FR" dirty="0"/>
+          </a:p>
+          <a:p>
+            <a:r>
+              <a:rPr lang="fr-FR" dirty="0"/>
+              <a:t>Source</a:t>
+            </a:r>
+          </a:p>
+          <a:p>
+            <a:pPr lvl="1"/>
+            <a:r>
+              <a:rPr lang="fr-FR" sz="2000" dirty="0"/>
+              <a:t> sur la télémétrie :</a:t>
+            </a:r>
+          </a:p>
+          <a:p>
+            <a:pPr lvl="2">
+              <a:spcAft>
+                <a:spcPts val="800"/>
+              </a:spcAft>
+            </a:pPr>
+            <a:r>
+              <a:rPr lang="fr-FR" sz="1500" u="sng" dirty="0">
+                <a:effectLst/>
+                <a:ea typeface="Calibri" panose="020F0502020204030204" pitchFamily="34" charset="0"/>
+                <a:cs typeface="Times New Roman" panose="02020603050405020304" pitchFamily="18" charset="0"/>
+                <a:hlinkClick r:id="rId3"/>
+              </a:rPr>
+              <a:t>https://virtualracingschool.com/academy/iracing-career-guide/second-season/practising-efficiently-analysing/</a:t>
+            </a:r>
+            <a:endParaRPr lang="fr-FR" sz="1500" dirty="0">
+              <a:effectLst/>
+              <a:ea typeface="Calibri" panose="020F0502020204030204" pitchFamily="34" charset="0"/>
+              <a:cs typeface="Times New Roman" panose="02020603050405020304" pitchFamily="18" charset="0"/>
+            </a:endParaRPr>
+          </a:p>
+          <a:p>
+            <a:pPr lvl="2">
+              <a:spcAft>
+                <a:spcPts val="800"/>
+              </a:spcAft>
+            </a:pPr>
+            <a:r>
+              <a:rPr lang="fr-FR" sz="1500" u="sng" dirty="0">
+                <a:effectLst/>
+                <a:ea typeface="Calibri" panose="020F0502020204030204" pitchFamily="34" charset="0"/>
+                <a:cs typeface="Times New Roman" panose="02020603050405020304" pitchFamily="18" charset="0"/>
+                <a:hlinkClick r:id="rId4"/>
+              </a:rPr>
+              <a:t>https://www.racedepartment.com/threads/telemetry-analysis-a-racers-data-acquisition-triangle.85088/</a:t>
+            </a:r>
+            <a:endParaRPr lang="fr-FR" sz="1500" u="sng" dirty="0">
+              <a:effectLst/>
+              <a:ea typeface="Calibri" panose="020F0502020204030204" pitchFamily="34" charset="0"/>
+              <a:cs typeface="Times New Roman" panose="02020603050405020304" pitchFamily="18" charset="0"/>
+            </a:endParaRPr>
+          </a:p>
+          <a:p>
+            <a:pPr lvl="1">
+              <a:spcAft>
+                <a:spcPts val="800"/>
+              </a:spcAft>
+            </a:pPr>
+            <a:r>
+              <a:rPr lang="fr-FR" sz="2000" dirty="0">
+                <a:ea typeface="Calibri" panose="020F0502020204030204" pitchFamily="34" charset="0"/>
+                <a:cs typeface="Times New Roman" panose="02020603050405020304" pitchFamily="18" charset="0"/>
+              </a:rPr>
+              <a:t>pour</a:t>
+            </a:r>
+            <a:r>
+              <a:rPr lang="fr-FR" sz="2000" dirty="0">
+                <a:effectLst/>
+                <a:ea typeface="Calibri" panose="020F0502020204030204" pitchFamily="34" charset="0"/>
+                <a:cs typeface="Times New Roman" panose="02020603050405020304" pitchFamily="18" charset="0"/>
+              </a:rPr>
+              <a:t> les images utilisées :</a:t>
+            </a:r>
+          </a:p>
+          <a:p>
+            <a:pPr lvl="2">
+              <a:spcAft>
+                <a:spcPts val="800"/>
+              </a:spcAft>
+            </a:pPr>
+            <a:r>
+              <a:rPr lang="fr-FR" sz="1500" u="sng" dirty="0">
+                <a:effectLst/>
+                <a:ea typeface="Calibri" panose="020F0502020204030204" pitchFamily="34" charset="0"/>
+                <a:cs typeface="Times New Roman" panose="02020603050405020304" pitchFamily="18" charset="0"/>
+                <a:hlinkClick r:id="rId5"/>
+              </a:rPr>
+              <a:t>https://media.lactualite.com/2019/06/b028d636-f1-renault.jpg</a:t>
+            </a:r>
+            <a:endParaRPr lang="fr-FR" sz="1500" dirty="0">
+              <a:effectLst/>
+              <a:ea typeface="Calibri" panose="020F0502020204030204" pitchFamily="34" charset="0"/>
+              <a:cs typeface="Times New Roman" panose="02020603050405020304" pitchFamily="18" charset="0"/>
+            </a:endParaRPr>
+          </a:p>
+          <a:p>
+            <a:pPr lvl="2">
+              <a:spcAft>
+                <a:spcPts val="800"/>
+              </a:spcAft>
+            </a:pPr>
+            <a:r>
+              <a:rPr lang="fr-FR" sz="1500" u="sng" dirty="0">
+                <a:effectLst/>
+                <a:ea typeface="Calibri" panose="020F0502020204030204" pitchFamily="34" charset="0"/>
+                <a:cs typeface="Times New Roman" panose="02020603050405020304" pitchFamily="18" charset="0"/>
+                <a:hlinkClick r:id="rId6"/>
+              </a:rPr>
+              <a:t>https://f1i.auto-moto.com/magazine/magazine-technique/technique/telemetrie-course-a-linformation/</a:t>
+            </a:r>
+            <a:endParaRPr lang="fr-FR" sz="1500" dirty="0">
+              <a:effectLst/>
+              <a:ea typeface="Calibri" panose="020F0502020204030204" pitchFamily="34" charset="0"/>
+              <a:cs typeface="Times New Roman" panose="02020603050405020304" pitchFamily="18" charset="0"/>
+            </a:endParaRPr>
+          </a:p>
+          <a:p>
+            <a:pPr lvl="2">
+              <a:spcAft>
+                <a:spcPts val="800"/>
+              </a:spcAft>
+            </a:pPr>
+            <a:r>
+              <a:rPr lang="fr-FR" sz="1500" u="sng" dirty="0">
+                <a:effectLst/>
+                <a:ea typeface="Calibri" panose="020F0502020204030204" pitchFamily="34" charset="0"/>
+                <a:cs typeface="Times New Roman" panose="02020603050405020304" pitchFamily="18" charset="0"/>
+                <a:hlinkClick r:id="rId7"/>
+              </a:rPr>
+              <a:t>https://www.formula1.com/content/dam/fom-website/sutton/2019/Testing/BarcelonaTestOne/DayTwo/1017346209-SUT-20190219-DSC_0760-16x9.JPG.transform/9col/image.JPG</a:t>
+            </a:r>
+            <a:endParaRPr lang="fr-FR" sz="1500" dirty="0">
+              <a:effectLst/>
+              <a:ea typeface="Calibri" panose="020F0502020204030204" pitchFamily="34" charset="0"/>
+              <a:cs typeface="Times New Roman" panose="02020603050405020304" pitchFamily="18" charset="0"/>
+            </a:endParaRPr>
+          </a:p>
+          <a:p>
+            <a:pPr lvl="2"/>
+            <a:r>
+              <a:rPr lang="fr-FR" sz="1500" u="sng" dirty="0">
+                <a:effectLst/>
+                <a:ea typeface="Calibri" panose="020F0502020204030204" pitchFamily="34" charset="0"/>
+                <a:cs typeface="Times New Roman" panose="02020603050405020304" pitchFamily="18" charset="0"/>
+                <a:hlinkClick r:id="rId8"/>
+              </a:rPr>
+              <a:t>https://f1tv.formula1.com/en/</a:t>
+            </a:r>
+            <a:endParaRPr lang="fr-FR" sz="1500" u="sng" dirty="0">
+              <a:effectLst/>
+              <a:ea typeface="Calibri" panose="020F0502020204030204" pitchFamily="34" charset="0"/>
+              <a:cs typeface="Times New Roman" panose="02020603050405020304" pitchFamily="18" charset="0"/>
+            </a:endParaRPr>
+          </a:p>
+          <a:p>
+            <a:pPr lvl="2"/>
+            <a:r>
+              <a:rPr lang="fr-FR" sz="1500" u="sng" dirty="0">
+                <a:effectLst/>
+                <a:ea typeface="Calibri" panose="020F0502020204030204" pitchFamily="34" charset="0"/>
+                <a:cs typeface="Times New Roman" panose="02020603050405020304" pitchFamily="18" charset="0"/>
+                <a:hlinkClick r:id="rId9"/>
+              </a:rPr>
+              <a:t>https://www.gt2i-blog.com/wp-content/uploads/2011/10/possibilite1.jpg</a:t>
+            </a:r>
+            <a:endParaRPr lang="fr-FR" sz="1500" dirty="0">
+              <a:effectLst/>
+              <a:ea typeface="Calibri" panose="020F0502020204030204" pitchFamily="34" charset="0"/>
+              <a:cs typeface="Times New Roman" panose="02020603050405020304" pitchFamily="18" charset="0"/>
+            </a:endParaRPr>
+          </a:p>
+          <a:p>
+            <a:pPr lvl="2"/>
+            <a:endParaRPr lang="fr-FR" sz="1500" dirty="0">
+              <a:effectLst/>
+              <a:latin typeface="Calibri" panose="020F0502020204030204" pitchFamily="34" charset="0"/>
+              <a:ea typeface="Calibri" panose="020F0502020204030204" pitchFamily="34" charset="0"/>
+              <a:cs typeface="Times New Roman" panose="02020603050405020304" pitchFamily="18" charset="0"/>
+            </a:endParaRPr>
+          </a:p>
+        </p:txBody>
+      </p:sp>
+      <p:sp>
+        <p:nvSpPr>
+          <p:cNvPr id="4" name="Espace réservé de la date 3">
+            <a:extLst>
+              <a:ext uri="{FF2B5EF4-FFF2-40B4-BE49-F238E27FC236}">
+                <a16:creationId xmlns:a16="http://schemas.microsoft.com/office/drawing/2014/main" id="{F5909E27-580A-42CD-A425-79FEAB7F6B25}"/>
+              </a:ext>
+            </a:extLst>
+          </p:cNvPr>
+          <p:cNvSpPr>
+            <a:spLocks noGrp="1"/>
+          </p:cNvSpPr>
+          <p:nvPr>
+            <p:ph type="dt" sz="half" idx="10"/>
+          </p:nvPr>
+        </p:nvSpPr>
+        <p:spPr>
+          <a:xfrm>
+            <a:off x="838200" y="6356350"/>
+            <a:ext cx="2743200" cy="365125"/>
+          </a:xfrm>
+        </p:spPr>
+        <p:txBody>
+          <a:bodyPr>
+            <a:normAutofit/>
+          </a:bodyPr>
+          <a:lstStyle/>
+          <a:p>
+            <a:pPr>
+              <a:spcAft>
+                <a:spcPts val="600"/>
+              </a:spcAft>
+            </a:pPr>
+            <a:fld id="{2A7D9F00-42BC-4EB2-8F2C-1474BDD438D0}" type="datetime1">
+              <a:rPr lang="fr-FR" smtClean="0"/>
+              <a:pPr>
+                <a:spcAft>
+                  <a:spcPts val="600"/>
+                </a:spcAft>
+              </a:pPr>
+              <a:t>16/12/2020</a:t>
+            </a:fld>
+            <a:endParaRPr lang="fr-FR"/>
+          </a:p>
+        </p:txBody>
+      </p:sp>
+      <p:sp>
+        <p:nvSpPr>
+          <p:cNvPr id="5" name="Espace réservé du pied de page 4">
+            <a:extLst>
+              <a:ext uri="{FF2B5EF4-FFF2-40B4-BE49-F238E27FC236}">
+                <a16:creationId xmlns:a16="http://schemas.microsoft.com/office/drawing/2014/main" id="{3CA40917-8516-4D4B-B237-C0F8BCFC0E1C}"/>
+              </a:ext>
+            </a:extLst>
+          </p:cNvPr>
+          <p:cNvSpPr>
+            <a:spLocks noGrp="1"/>
+          </p:cNvSpPr>
+          <p:nvPr>
+            <p:ph type="ftr" sz="quarter" idx="11"/>
+          </p:nvPr>
+        </p:nvSpPr>
+        <p:spPr>
+          <a:xfrm>
+            <a:off x="4038600" y="6356350"/>
+            <a:ext cx="4114800" cy="365125"/>
+          </a:xfrm>
+        </p:spPr>
+        <p:txBody>
+          <a:bodyPr>
+            <a:normAutofit/>
+          </a:bodyPr>
+          <a:lstStyle/>
+          <a:p>
+            <a:pPr>
+              <a:spcAft>
+                <a:spcPts val="600"/>
+              </a:spcAft>
+            </a:pPr>
+            <a:r>
+              <a:rPr lang="fr-FR"/>
+              <a:t>Allan Couderette</a:t>
+            </a:r>
+          </a:p>
+        </p:txBody>
+      </p:sp>
+      <p:sp>
+        <p:nvSpPr>
+          <p:cNvPr id="6" name="Espace réservé du numéro de diapositive 5">
+            <a:extLst>
+              <a:ext uri="{FF2B5EF4-FFF2-40B4-BE49-F238E27FC236}">
+                <a16:creationId xmlns:a16="http://schemas.microsoft.com/office/drawing/2014/main" id="{DBEE9CA3-7AD3-4AAB-BE47-443DC0A848CB}"/>
+              </a:ext>
+            </a:extLst>
+          </p:cNvPr>
+          <p:cNvSpPr>
+            <a:spLocks noGrp="1"/>
+          </p:cNvSpPr>
+          <p:nvPr>
+            <p:ph type="sldNum" sz="quarter" idx="12"/>
+          </p:nvPr>
+        </p:nvSpPr>
+        <p:spPr>
+          <a:xfrm>
+            <a:off x="8610600" y="6356350"/>
+            <a:ext cx="2743200" cy="365125"/>
+          </a:xfrm>
+        </p:spPr>
+        <p:txBody>
+          <a:bodyPr>
+            <a:normAutofit/>
+          </a:bodyPr>
+          <a:lstStyle/>
+          <a:p>
+            <a:pPr>
+              <a:spcAft>
+                <a:spcPts val="600"/>
+              </a:spcAft>
+            </a:pPr>
+            <a:fld id="{5F39BBE1-F6E0-4772-A717-1BC8F5988BCC}" type="slidenum">
+              <a:rPr lang="fr-FR" smtClean="0"/>
+              <a:pPr>
+                <a:spcAft>
+                  <a:spcPts val="600"/>
+                </a:spcAft>
+              </a:pPr>
+              <a:t>7</a:t>
+            </a:fld>
+            <a:endParaRPr lang="fr-FR"/>
+          </a:p>
+        </p:txBody>
+      </p:sp>
+    </p:spTree>
+    <p:extLst>
+      <p:ext uri="{BB962C8B-B14F-4D97-AF65-F5344CB8AC3E}">
+        <p14:creationId xmlns:p14="http://schemas.microsoft.com/office/powerpoint/2010/main" val="304626498"/>
       </p:ext>
     </p:extLst>
   </p:cSld>

--- a/Présentation-AllanCouderette.pptx
+++ b/Présentation-AllanCouderette.pptx
@@ -8901,6 +8901,12 @@
           <a:p>
             <a:r>
               <a:rPr lang="fr-FR" dirty="0"/>
+              <a:t>3 min 10</a:t>
+            </a:r>
+          </a:p>
+          <a:p>
+            <a:r>
+              <a:rPr lang="fr-FR" dirty="0"/>
               <a:t>Aujourd’hui, le papier est encore présent</a:t>
             </a:r>
           </a:p>
@@ -8997,6 +9003,12 @@
           <a:p>
             <a:r>
               <a:rPr lang="fr-FR" dirty="0"/>
+              <a:t>4 min</a:t>
+            </a:r>
+          </a:p>
+          <a:p>
+            <a:r>
+              <a:rPr lang="fr-FR" dirty="0"/>
               <a:t>Allons chercher à rentre la télémétrie des pilotes interactive</a:t>
             </a:r>
           </a:p>
@@ -9081,6 +9093,12 @@
         <p:txBody>
           <a:bodyPr/>
           <a:lstStyle/>
+          <a:p>
+            <a:r>
+              <a:rPr lang="fr-FR" dirty="0"/>
+              <a:t>9 max</a:t>
+            </a:r>
+          </a:p>
           <a:p>
             <a:r>
               <a:rPr lang="fr-FR" dirty="0"/>
@@ -13192,7 +13210,7 @@
         </p:nvSpPr>
         <p:spPr>
           <a:xfrm rot="1505379">
-            <a:off x="7170416" y="-1302376"/>
+            <a:off x="6951959" y="-1542890"/>
             <a:ext cx="6857858" cy="3085779"/>
           </a:xfrm>
           <a:prstGeom prst="rect">
